--- a/Presentazione/Presentazione Bealthy.pptx
+++ b/Presentazione/Presentazione Bealthy.pptx
@@ -7,9 +7,13 @@
   <p:sldIdLst>
     <p:sldId id="256" r:id="rId2"/>
     <p:sldId id="257" r:id="rId3"/>
-    <p:sldId id="258" r:id="rId4"/>
-    <p:sldId id="259" r:id="rId5"/>
+    <p:sldId id="263" r:id="rId4"/>
+    <p:sldId id="264" r:id="rId5"/>
     <p:sldId id="260" r:id="rId6"/>
+    <p:sldId id="261" r:id="rId7"/>
+    <p:sldId id="262" r:id="rId8"/>
+    <p:sldId id="258" r:id="rId9"/>
+    <p:sldId id="259" r:id="rId10"/>
   </p:sldIdLst>
   <p:sldSz cx="12192000" cy="6858000"/>
   <p:notesSz cx="6858000" cy="9144000"/>
@@ -108,6 +112,11 @@
       </a:defRPr>
     </a:lvl9pPr>
   </p:defaultTextStyle>
+  <p:extLst>
+    <p:ext uri="{EFAFB233-063F-42B5-8137-9DF3F51BA10A}">
+      <p15:sldGuideLst xmlns:p15="http://schemas.microsoft.com/office/powerpoint/2012/main"/>
+    </p:ext>
+  </p:extLst>
 </p:presentation>
 </file>
 
@@ -260,7 +269,7 @@
           <a:p>
             <a:fld id="{0210D88A-64E2-4CA1-B325-7494293ACB92}" type="datetimeFigureOut">
               <a:rPr lang="en-US" smtClean="0"/>
-              <a:t>1/30/2021</a:t>
+              <a:t>1/31/2021</a:t>
             </a:fld>
             <a:endParaRPr lang="en-US"/>
           </a:p>
@@ -460,7 +469,7 @@
           <a:p>
             <a:fld id="{0210D88A-64E2-4CA1-B325-7494293ACB92}" type="datetimeFigureOut">
               <a:rPr lang="en-US" smtClean="0"/>
-              <a:t>1/30/2021</a:t>
+              <a:t>1/31/2021</a:t>
             </a:fld>
             <a:endParaRPr lang="en-US"/>
           </a:p>
@@ -670,7 +679,7 @@
           <a:p>
             <a:fld id="{0210D88A-64E2-4CA1-B325-7494293ACB92}" type="datetimeFigureOut">
               <a:rPr lang="en-US" smtClean="0"/>
-              <a:t>1/30/2021</a:t>
+              <a:t>1/31/2021</a:t>
             </a:fld>
             <a:endParaRPr lang="en-US"/>
           </a:p>
@@ -870,7 +879,7 @@
           <a:p>
             <a:fld id="{0210D88A-64E2-4CA1-B325-7494293ACB92}" type="datetimeFigureOut">
               <a:rPr lang="en-US" smtClean="0"/>
-              <a:t>1/30/2021</a:t>
+              <a:t>1/31/2021</a:t>
             </a:fld>
             <a:endParaRPr lang="en-US"/>
           </a:p>
@@ -1146,7 +1155,7 @@
           <a:p>
             <a:fld id="{0210D88A-64E2-4CA1-B325-7494293ACB92}" type="datetimeFigureOut">
               <a:rPr lang="en-US" smtClean="0"/>
-              <a:t>1/30/2021</a:t>
+              <a:t>1/31/2021</a:t>
             </a:fld>
             <a:endParaRPr lang="en-US"/>
           </a:p>
@@ -1414,7 +1423,7 @@
           <a:p>
             <a:fld id="{0210D88A-64E2-4CA1-B325-7494293ACB92}" type="datetimeFigureOut">
               <a:rPr lang="en-US" smtClean="0"/>
-              <a:t>1/30/2021</a:t>
+              <a:t>1/31/2021</a:t>
             </a:fld>
             <a:endParaRPr lang="en-US"/>
           </a:p>
@@ -1829,7 +1838,7 @@
           <a:p>
             <a:fld id="{0210D88A-64E2-4CA1-B325-7494293ACB92}" type="datetimeFigureOut">
               <a:rPr lang="en-US" smtClean="0"/>
-              <a:t>1/30/2021</a:t>
+              <a:t>1/31/2021</a:t>
             </a:fld>
             <a:endParaRPr lang="en-US"/>
           </a:p>
@@ -1971,7 +1980,7 @@
           <a:p>
             <a:fld id="{0210D88A-64E2-4CA1-B325-7494293ACB92}" type="datetimeFigureOut">
               <a:rPr lang="en-US" smtClean="0"/>
-              <a:t>1/30/2021</a:t>
+              <a:t>1/31/2021</a:t>
             </a:fld>
             <a:endParaRPr lang="en-US"/>
           </a:p>
@@ -2084,7 +2093,7 @@
           <a:p>
             <a:fld id="{0210D88A-64E2-4CA1-B325-7494293ACB92}" type="datetimeFigureOut">
               <a:rPr lang="en-US" smtClean="0"/>
-              <a:t>1/30/2021</a:t>
+              <a:t>1/31/2021</a:t>
             </a:fld>
             <a:endParaRPr lang="en-US"/>
           </a:p>
@@ -2397,7 +2406,7 @@
           <a:p>
             <a:fld id="{0210D88A-64E2-4CA1-B325-7494293ACB92}" type="datetimeFigureOut">
               <a:rPr lang="en-US" smtClean="0"/>
-              <a:t>1/30/2021</a:t>
+              <a:t>1/31/2021</a:t>
             </a:fld>
             <a:endParaRPr lang="en-US"/>
           </a:p>
@@ -2686,7 +2695,7 @@
           <a:p>
             <a:fld id="{0210D88A-64E2-4CA1-B325-7494293ACB92}" type="datetimeFigureOut">
               <a:rPr lang="en-US" smtClean="0"/>
-              <a:t>1/30/2021</a:t>
+              <a:t>1/31/2021</a:t>
             </a:fld>
             <a:endParaRPr lang="en-US"/>
           </a:p>
@@ -2929,7 +2938,7 @@
           <a:p>
             <a:fld id="{0210D88A-64E2-4CA1-B325-7494293ACB92}" type="datetimeFigureOut">
               <a:rPr lang="en-US" smtClean="0"/>
-              <a:t>1/30/2021</a:t>
+              <a:t>1/31/2021</a:t>
             </a:fld>
             <a:endParaRPr lang="en-US"/>
           </a:p>
@@ -3332,6 +3341,14 @@
 <file path=ppt/slides/slide1.xml><?xml version="1.0" encoding="utf-8"?>
 <p:sld xmlns:a="http://schemas.openxmlformats.org/drawingml/2006/main" xmlns:r="http://schemas.openxmlformats.org/officeDocument/2006/relationships" xmlns:p="http://schemas.openxmlformats.org/presentationml/2006/main">
   <p:cSld>
+    <p:bg>
+      <p:bgPr>
+        <a:solidFill>
+          <a:schemeClr val="bg1"/>
+        </a:solidFill>
+        <a:effectLst/>
+      </p:bgPr>
+    </p:bg>
     <p:spTree>
       <p:nvGrpSpPr>
         <p:cNvPr id="1" name=""/>
@@ -3348,59 +3365,466 @@
       </p:grpSpPr>
       <p:sp>
         <p:nvSpPr>
-          <p:cNvPr id="4" name="CasellaDiTesto 3">
-            <a:extLst>
-              <a:ext uri="{FF2B5EF4-FFF2-40B4-BE49-F238E27FC236}">
-                <a16:creationId xmlns:a16="http://schemas.microsoft.com/office/drawing/2014/main" id="{7D07E704-1D7B-4B95-8B1D-15236C33EC82}"/>
-              </a:ext>
-            </a:extLst>
-          </p:cNvPr>
-          <p:cNvSpPr txBox="1"/>
-          <p:nvPr/>
-        </p:nvSpPr>
-        <p:spPr>
-          <a:xfrm>
-            <a:off x="3781887" y="816746"/>
-            <a:ext cx="4847208" cy="369332"/>
+          <p:cNvPr id="10" name="Rectangle 9">
+            <a:extLst>
+              <a:ext uri="{FF2B5EF4-FFF2-40B4-BE49-F238E27FC236}">
+                <a16:creationId xmlns:a16="http://schemas.microsoft.com/office/drawing/2014/main" id="{35555856-9970-4BC3-9AA9-6A917F53AFBD}"/>
+              </a:ext>
+              <a:ext uri="{C183D7F6-B498-43B3-948B-1728B52AA6E4}">
+                <adec:decorative xmlns:adec="http://schemas.microsoft.com/office/drawing/2017/decorative" val="1"/>
+              </a:ext>
+            </a:extLst>
+          </p:cNvPr>
+          <p:cNvSpPr>
+            <a:spLocks noGrp="1" noRot="1" noChangeAspect="1" noMove="1" noResize="1" noEditPoints="1" noAdjustHandles="1" noChangeArrowheads="1" noChangeShapeType="1" noTextEdit="1"/>
+          </p:cNvSpPr>
+          <p:nvPr>
+            <p:extLst>
+              <p:ext uri="{386F3935-93C4-4BCD-93E2-E3B085C9AB24}">
+                <p16:designElem xmlns:p16="http://schemas.microsoft.com/office/powerpoint/2015/main" val="1"/>
+              </p:ext>
+            </p:extLst>
+          </p:nvPr>
+        </p:nvSpPr>
+        <p:spPr>
+          <a:xfrm flipH="1">
+            <a:off x="0" y="0"/>
+            <a:ext cx="6421721" cy="6858000"/>
           </a:xfrm>
           <a:prstGeom prst="rect">
             <a:avLst/>
           </a:prstGeom>
-          <a:noFill/>
-        </p:spPr>
-        <p:txBody>
-          <a:bodyPr wrap="square" rtlCol="0">
-            <a:spAutoFit/>
+          <a:gradFill>
+            <a:gsLst>
+              <a:gs pos="0">
+                <a:schemeClr val="accent1">
+                  <a:lumMod val="100000"/>
+                  <a:alpha val="82000"/>
+                </a:schemeClr>
+              </a:gs>
+              <a:gs pos="25000">
+                <a:schemeClr val="accent1">
+                  <a:alpha val="60000"/>
+                </a:schemeClr>
+              </a:gs>
+              <a:gs pos="94000">
+                <a:schemeClr val="bg2">
+                  <a:lumMod val="75000"/>
+                </a:schemeClr>
+              </a:gs>
+              <a:gs pos="100000">
+                <a:schemeClr val="bg2">
+                  <a:lumMod val="75000"/>
+                </a:schemeClr>
+              </a:gs>
+            </a:gsLst>
+            <a:lin ang="4200000" scaled="0"/>
+          </a:gradFill>
+          <a:ln>
+            <a:noFill/>
+          </a:ln>
+        </p:spPr>
+        <p:style>
+          <a:lnRef idx="2">
+            <a:schemeClr val="accent1">
+              <a:shade val="50000"/>
+            </a:schemeClr>
+          </a:lnRef>
+          <a:fillRef idx="1">
+            <a:schemeClr val="accent1"/>
+          </a:fillRef>
+          <a:effectRef idx="0">
+            <a:schemeClr val="accent1"/>
+          </a:effectRef>
+          <a:fontRef idx="minor">
+            <a:schemeClr val="lt1"/>
+          </a:fontRef>
+        </p:style>
+        <p:txBody>
+          <a:bodyPr rtlCol="0" anchor="ctr"/>
+          <a:lstStyle/>
+          <a:p>
+            <a:pPr algn="ctr"/>
+            <a:endParaRPr lang="en-US"/>
+          </a:p>
+        </p:txBody>
+      </p:sp>
+      <p:pic>
+        <p:nvPicPr>
+          <p:cNvPr id="12" name="Picture 11">
+            <a:extLst>
+              <a:ext uri="{FF2B5EF4-FFF2-40B4-BE49-F238E27FC236}">
+                <a16:creationId xmlns:a16="http://schemas.microsoft.com/office/drawing/2014/main" id="{7F487851-BFAF-46D8-A1ED-50CAD6E46F59}"/>
+              </a:ext>
+              <a:ext uri="{C183D7F6-B498-43B3-948B-1728B52AA6E4}">
+                <adec:decorative xmlns:adec="http://schemas.microsoft.com/office/drawing/2017/decorative" val="1"/>
+              </a:ext>
+            </a:extLst>
+          </p:cNvPr>
+          <p:cNvPicPr>
+            <a:picLocks noGrp="1" noRot="1" noChangeAspect="1" noMove="1" noResize="1" noEditPoints="1" noAdjustHandles="1" noChangeArrowheads="1" noChangeShapeType="1" noCrop="1"/>
+          </p:cNvPicPr>
+          <p:nvPr>
+            <p:extLst>
+              <p:ext uri="{386F3935-93C4-4BCD-93E2-E3B085C9AB24}">
+                <p16:designElem xmlns:p16="http://schemas.microsoft.com/office/powerpoint/2015/main" val="1"/>
+              </p:ext>
+            </p:extLst>
+          </p:nvPr>
+        </p:nvPicPr>
+        <p:blipFill>
+          <a:blip r:embed="rId2">
+            <a:extLst>
+              <a:ext uri="{28A0092B-C50C-407E-A947-70E740481C1C}">
+                <a14:useLocalDpi xmlns:a14="http://schemas.microsoft.com/office/drawing/2010/main" val="0"/>
+              </a:ext>
+            </a:extLst>
+          </a:blip>
+          <a:stretch>
+            <a:fillRect/>
+          </a:stretch>
+        </p:blipFill>
+        <p:spPr>
+          <a:xfrm>
+            <a:off x="0" y="0"/>
+            <a:ext cx="12192000" cy="6858000"/>
+          </a:xfrm>
+          <a:prstGeom prst="rect">
+            <a:avLst/>
+          </a:prstGeom>
+        </p:spPr>
+      </p:pic>
+      <p:sp>
+        <p:nvSpPr>
+          <p:cNvPr id="5" name="CasellaDiTesto 4">
+            <a:extLst>
+              <a:ext uri="{FF2B5EF4-FFF2-40B4-BE49-F238E27FC236}">
+                <a16:creationId xmlns:a16="http://schemas.microsoft.com/office/drawing/2014/main" id="{15505F64-C84E-463C-83A4-7EA72DFD5543}"/>
+              </a:ext>
+            </a:extLst>
+          </p:cNvPr>
+          <p:cNvSpPr txBox="1"/>
+          <p:nvPr/>
+        </p:nvSpPr>
+        <p:spPr>
+          <a:xfrm>
+            <a:off x="6590662" y="4267832"/>
+            <a:ext cx="4805996" cy="1297115"/>
+          </a:xfrm>
+          <a:prstGeom prst="rect">
+            <a:avLst/>
+          </a:prstGeom>
+        </p:spPr>
+        <p:txBody>
+          <a:bodyPr vert="horz" lIns="91440" tIns="45720" rIns="91440" bIns="45720" rtlCol="0" anchor="t">
+            <a:normAutofit/>
           </a:bodyPr>
           <a:lstStyle/>
           <a:p>
-            <a:r>
-              <a:rPr lang="en-US" dirty="0" err="1"/>
-              <a:t>Presentazione</a:t>
-            </a:r>
-            <a:r>
-              <a:rPr lang="en-US" dirty="0"/>
-              <a:t> </a:t>
-            </a:r>
-            <a:r>
-              <a:rPr lang="en-US" dirty="0" err="1"/>
-              <a:t>noi</a:t>
-            </a:r>
-            <a:r>
-              <a:rPr lang="en-US" dirty="0"/>
-              <a:t> e </a:t>
-            </a:r>
-            <a:r>
-              <a:rPr lang="en-US" dirty="0" err="1"/>
-              <a:t>Immagine</a:t>
-            </a:r>
-            <a:r>
-              <a:rPr lang="en-US" dirty="0"/>
-              <a:t> app</a:t>
-            </a:r>
-          </a:p>
-        </p:txBody>
-      </p:sp>
+            <a:pPr>
+              <a:lnSpc>
+                <a:spcPct val="90000"/>
+              </a:lnSpc>
+              <a:spcBef>
+                <a:spcPct val="0"/>
+              </a:spcBef>
+              <a:spcAft>
+                <a:spcPts val="600"/>
+              </a:spcAft>
+            </a:pPr>
+            <a:r>
+              <a:rPr lang="en-US" sz="3100" kern="1200">
+                <a:solidFill>
+                  <a:srgbClr val="000000"/>
+                </a:solidFill>
+                <a:latin typeface="+mj-lt"/>
+                <a:ea typeface="+mj-ea"/>
+                <a:cs typeface="+mj-cs"/>
+              </a:rPr>
+              <a:t>Giulia Meneghin: 10488640</a:t>
+            </a:r>
+          </a:p>
+          <a:p>
+            <a:pPr>
+              <a:lnSpc>
+                <a:spcPct val="90000"/>
+              </a:lnSpc>
+              <a:spcBef>
+                <a:spcPct val="0"/>
+              </a:spcBef>
+              <a:spcAft>
+                <a:spcPts val="600"/>
+              </a:spcAft>
+            </a:pPr>
+            <a:r>
+              <a:rPr lang="en-US" sz="3100" kern="1200">
+                <a:solidFill>
+                  <a:srgbClr val="000000"/>
+                </a:solidFill>
+                <a:latin typeface="+mj-lt"/>
+                <a:ea typeface="+mj-ea"/>
+                <a:cs typeface="+mj-cs"/>
+              </a:rPr>
+              <a:t>Giuseppe Mauri: 10454364</a:t>
+            </a:r>
+          </a:p>
+        </p:txBody>
+      </p:sp>
+      <p:sp>
+        <p:nvSpPr>
+          <p:cNvPr id="14" name="Freeform 50">
+            <a:extLst>
+              <a:ext uri="{FF2B5EF4-FFF2-40B4-BE49-F238E27FC236}">
+                <a16:creationId xmlns:a16="http://schemas.microsoft.com/office/drawing/2014/main" id="{13722DD7-BA73-4776-93A3-94491FEF7260}"/>
+              </a:ext>
+              <a:ext uri="{C183D7F6-B498-43B3-948B-1728B52AA6E4}">
+                <adec:decorative xmlns:adec="http://schemas.microsoft.com/office/drawing/2017/decorative" val="1"/>
+              </a:ext>
+            </a:extLst>
+          </p:cNvPr>
+          <p:cNvSpPr>
+            <a:spLocks noGrp="1" noRot="1" noChangeAspect="1" noMove="1" noResize="1" noEditPoints="1" noAdjustHandles="1" noChangeArrowheads="1" noChangeShapeType="1" noTextEdit="1"/>
+          </p:cNvSpPr>
+          <p:nvPr>
+            <p:extLst>
+              <p:ext uri="{386F3935-93C4-4BCD-93E2-E3B085C9AB24}">
+                <p16:designElem xmlns:p16="http://schemas.microsoft.com/office/powerpoint/2015/main" val="1"/>
+              </p:ext>
+            </p:extLst>
+          </p:nvPr>
+        </p:nvSpPr>
+        <p:spPr>
+          <a:xfrm flipH="1">
+            <a:off x="0" y="581159"/>
+            <a:ext cx="5464879" cy="6276841"/>
+          </a:xfrm>
+          <a:custGeom>
+            <a:avLst/>
+            <a:gdLst>
+              <a:gd name="connsiteX0" fmla="*/ 3299930 w 5464879"/>
+              <a:gd name="connsiteY0" fmla="*/ 0 h 6276841"/>
+              <a:gd name="connsiteX1" fmla="*/ 5398992 w 5464879"/>
+              <a:gd name="connsiteY1" fmla="*/ 753544 h 6276841"/>
+              <a:gd name="connsiteX2" fmla="*/ 5464879 w 5464879"/>
+              <a:gd name="connsiteY2" fmla="*/ 813426 h 6276841"/>
+              <a:gd name="connsiteX3" fmla="*/ 5464879 w 5464879"/>
+              <a:gd name="connsiteY3" fmla="*/ 5786434 h 6276841"/>
+              <a:gd name="connsiteX4" fmla="*/ 5398992 w 5464879"/>
+              <a:gd name="connsiteY4" fmla="*/ 5846317 h 6276841"/>
+              <a:gd name="connsiteX5" fmla="*/ 4872873 w 5464879"/>
+              <a:gd name="connsiteY5" fmla="*/ 6201577 h 6276841"/>
+              <a:gd name="connsiteX6" fmla="*/ 4716632 w 5464879"/>
+              <a:gd name="connsiteY6" fmla="*/ 6276841 h 6276841"/>
+              <a:gd name="connsiteX7" fmla="*/ 1883227 w 5464879"/>
+              <a:gd name="connsiteY7" fmla="*/ 6276841 h 6276841"/>
+              <a:gd name="connsiteX8" fmla="*/ 1726987 w 5464879"/>
+              <a:gd name="connsiteY8" fmla="*/ 6201577 h 6276841"/>
+              <a:gd name="connsiteX9" fmla="*/ 0 w 5464879"/>
+              <a:gd name="connsiteY9" fmla="*/ 3299930 h 6276841"/>
+              <a:gd name="connsiteX10" fmla="*/ 3299930 w 5464879"/>
+              <a:gd name="connsiteY10" fmla="*/ 0 h 6276841"/>
+            </a:gdLst>
+            <a:ahLst/>
+            <a:cxnLst>
+              <a:cxn ang="0">
+                <a:pos x="connsiteX0" y="connsiteY0"/>
+              </a:cxn>
+              <a:cxn ang="0">
+                <a:pos x="connsiteX1" y="connsiteY1"/>
+              </a:cxn>
+              <a:cxn ang="0">
+                <a:pos x="connsiteX2" y="connsiteY2"/>
+              </a:cxn>
+              <a:cxn ang="0">
+                <a:pos x="connsiteX3" y="connsiteY3"/>
+              </a:cxn>
+              <a:cxn ang="0">
+                <a:pos x="connsiteX4" y="connsiteY4"/>
+              </a:cxn>
+              <a:cxn ang="0">
+                <a:pos x="connsiteX5" y="connsiteY5"/>
+              </a:cxn>
+              <a:cxn ang="0">
+                <a:pos x="connsiteX6" y="connsiteY6"/>
+              </a:cxn>
+              <a:cxn ang="0">
+                <a:pos x="connsiteX7" y="connsiteY7"/>
+              </a:cxn>
+              <a:cxn ang="0">
+                <a:pos x="connsiteX8" y="connsiteY8"/>
+              </a:cxn>
+              <a:cxn ang="0">
+                <a:pos x="connsiteX9" y="connsiteY9"/>
+              </a:cxn>
+              <a:cxn ang="0">
+                <a:pos x="connsiteX10" y="connsiteY10"/>
+              </a:cxn>
+            </a:cxnLst>
+            <a:rect l="l" t="t" r="r" b="b"/>
+            <a:pathLst>
+              <a:path w="5464879" h="6276841">
+                <a:moveTo>
+                  <a:pt x="3299930" y="0"/>
+                </a:moveTo>
+                <a:cubicBezTo>
+                  <a:pt x="4097274" y="0"/>
+                  <a:pt x="4828569" y="282789"/>
+                  <a:pt x="5398992" y="753544"/>
+                </a:cubicBezTo>
+                <a:lnTo>
+                  <a:pt x="5464879" y="813426"/>
+                </a:lnTo>
+                <a:lnTo>
+                  <a:pt x="5464879" y="5786434"/>
+                </a:lnTo>
+                <a:lnTo>
+                  <a:pt x="5398992" y="5846317"/>
+                </a:lnTo>
+                <a:cubicBezTo>
+                  <a:pt x="5236014" y="5980818"/>
+                  <a:pt x="5059904" y="6099975"/>
+                  <a:pt x="4872873" y="6201577"/>
+                </a:cubicBezTo>
+                <a:lnTo>
+                  <a:pt x="4716632" y="6276841"/>
+                </a:lnTo>
+                <a:lnTo>
+                  <a:pt x="1883227" y="6276841"/>
+                </a:lnTo>
+                <a:lnTo>
+                  <a:pt x="1726987" y="6201577"/>
+                </a:lnTo>
+                <a:cubicBezTo>
+                  <a:pt x="698316" y="5642769"/>
+                  <a:pt x="0" y="4552900"/>
+                  <a:pt x="0" y="3299930"/>
+                </a:cubicBezTo>
+                <a:cubicBezTo>
+                  <a:pt x="0" y="1477429"/>
+                  <a:pt x="1477429" y="0"/>
+                  <a:pt x="3299930" y="0"/>
+                </a:cubicBezTo>
+                <a:close/>
+              </a:path>
+            </a:pathLst>
+          </a:custGeom>
+          <a:solidFill>
+            <a:srgbClr val="FFFFFF"/>
+          </a:solidFill>
+          <a:ln>
+            <a:gradFill>
+              <a:gsLst>
+                <a:gs pos="0">
+                  <a:schemeClr val="accent1">
+                    <a:lumMod val="40000"/>
+                    <a:lumOff val="60000"/>
+                  </a:schemeClr>
+                </a:gs>
+                <a:gs pos="23000">
+                  <a:schemeClr val="accent1">
+                    <a:lumMod val="45000"/>
+                    <a:lumOff val="55000"/>
+                  </a:schemeClr>
+                </a:gs>
+                <a:gs pos="83000">
+                  <a:schemeClr val="bg2">
+                    <a:lumMod val="75000"/>
+                  </a:schemeClr>
+                </a:gs>
+                <a:gs pos="100000">
+                  <a:schemeClr val="bg2">
+                    <a:lumMod val="75000"/>
+                  </a:schemeClr>
+                </a:gs>
+              </a:gsLst>
+              <a:lin ang="5400000" scaled="1"/>
+            </a:gradFill>
+          </a:ln>
+        </p:spPr>
+        <p:style>
+          <a:lnRef idx="2">
+            <a:schemeClr val="accent1">
+              <a:shade val="50000"/>
+            </a:schemeClr>
+          </a:lnRef>
+          <a:fillRef idx="1">
+            <a:schemeClr val="accent1"/>
+          </a:fillRef>
+          <a:effectRef idx="0">
+            <a:schemeClr val="accent1"/>
+          </a:effectRef>
+          <a:fontRef idx="minor">
+            <a:schemeClr val="lt1"/>
+          </a:fontRef>
+        </p:style>
+        <p:txBody>
+          <a:bodyPr wrap="square" rtlCol="0" anchor="ctr">
+            <a:noAutofit/>
+          </a:bodyPr>
+          <a:lstStyle/>
+          <a:p>
+            <a:pPr algn="ctr"/>
+            <a:endParaRPr lang="en-US"/>
+          </a:p>
+        </p:txBody>
+      </p:sp>
+      <p:pic>
+        <p:nvPicPr>
+          <p:cNvPr id="3" name="Immagine 2">
+            <a:extLst>
+              <a:ext uri="{FF2B5EF4-FFF2-40B4-BE49-F238E27FC236}">
+                <a16:creationId xmlns:a16="http://schemas.microsoft.com/office/drawing/2014/main" id="{AC0F5BD7-39A8-4814-A55C-1A0C692CC530}"/>
+              </a:ext>
+            </a:extLst>
+          </p:cNvPr>
+          <p:cNvPicPr>
+            <a:picLocks noChangeAspect="1"/>
+          </p:cNvPicPr>
+          <p:nvPr/>
+        </p:nvPicPr>
+        <p:blipFill>
+          <a:blip r:embed="rId3">
+            <a:extLst>
+              <a:ext uri="{28A0092B-C50C-407E-A947-70E740481C1C}">
+                <a14:useLocalDpi xmlns:a14="http://schemas.microsoft.com/office/drawing/2010/main" val="0"/>
+              </a:ext>
+            </a:extLst>
+          </a:blip>
+          <a:stretch>
+            <a:fillRect/>
+          </a:stretch>
+        </p:blipFill>
+        <p:spPr>
+          <a:xfrm>
+            <a:off x="340470" y="1815320"/>
+            <a:ext cx="4141760" cy="4141760"/>
+          </a:xfrm>
+          <a:custGeom>
+            <a:avLst/>
+            <a:gdLst/>
+            <a:ahLst/>
+            <a:cxnLst/>
+            <a:rect l="l" t="t" r="r" b="b"/>
+            <a:pathLst>
+              <a:path w="4141760" h="4377846">
+                <a:moveTo>
+                  <a:pt x="0" y="0"/>
+                </a:moveTo>
+                <a:lnTo>
+                  <a:pt x="4141760" y="0"/>
+                </a:lnTo>
+                <a:lnTo>
+                  <a:pt x="4141760" y="4377846"/>
+                </a:lnTo>
+                <a:lnTo>
+                  <a:pt x="0" y="4377846"/>
+                </a:lnTo>
+                <a:close/>
+              </a:path>
+            </a:pathLst>
+          </a:custGeom>
+        </p:spPr>
+      </p:pic>
     </p:spTree>
     <p:extLst>
       <p:ext uri="{BB962C8B-B14F-4D97-AF65-F5344CB8AC3E}">
@@ -3417,6 +3841,14 @@
 <file path=ppt/slides/slide2.xml><?xml version="1.0" encoding="utf-8"?>
 <p:sld xmlns:a="http://schemas.openxmlformats.org/drawingml/2006/main" xmlns:r="http://schemas.openxmlformats.org/officeDocument/2006/relationships" xmlns:p="http://schemas.openxmlformats.org/presentationml/2006/main">
   <p:cSld>
+    <p:bg>
+      <p:bgPr>
+        <a:solidFill>
+          <a:schemeClr val="bg1"/>
+        </a:solidFill>
+        <a:effectLst/>
+      </p:bgPr>
+    </p:bg>
     <p:spTree>
       <p:nvGrpSpPr>
         <p:cNvPr id="1" name=""/>
@@ -3431,601 +3863,55 @@
           <a:chExt cx="0" cy="0"/>
         </a:xfrm>
       </p:grpSpPr>
-      <p:sp>
-        <p:nvSpPr>
-          <p:cNvPr id="6" name="CasellaDiTesto 5">
-            <a:extLst>
-              <a:ext uri="{FF2B5EF4-FFF2-40B4-BE49-F238E27FC236}">
-                <a16:creationId xmlns:a16="http://schemas.microsoft.com/office/drawing/2014/main" id="{592EF4D9-F4B4-40A1-B494-676DF2AF53DA}"/>
-              </a:ext>
-            </a:extLst>
-          </p:cNvPr>
-          <p:cNvSpPr txBox="1"/>
-          <p:nvPr/>
-        </p:nvSpPr>
-        <p:spPr>
-          <a:xfrm>
-            <a:off x="930673" y="738222"/>
-            <a:ext cx="10999436" cy="369332"/>
+      <p:sp useBgFill="1">
+        <p:nvSpPr>
+          <p:cNvPr id="33" name="Rectangle 32">
+            <a:extLst>
+              <a:ext uri="{FF2B5EF4-FFF2-40B4-BE49-F238E27FC236}">
+                <a16:creationId xmlns:a16="http://schemas.microsoft.com/office/drawing/2014/main" id="{231BF440-39FA-4087-84CC-2EEC0BBDAF29}"/>
+              </a:ext>
+              <a:ext uri="{C183D7F6-B498-43B3-948B-1728B52AA6E4}">
+                <adec:decorative xmlns:adec="http://schemas.microsoft.com/office/drawing/2017/decorative" val="1"/>
+              </a:ext>
+            </a:extLst>
+          </p:cNvPr>
+          <p:cNvSpPr>
+            <a:spLocks noGrp="1" noRot="1" noChangeAspect="1" noMove="1" noResize="1" noEditPoints="1" noAdjustHandles="1" noChangeArrowheads="1" noChangeShapeType="1" noTextEdit="1"/>
+          </p:cNvSpPr>
+          <p:nvPr>
+            <p:extLst>
+              <p:ext uri="{386F3935-93C4-4BCD-93E2-E3B085C9AB24}">
+                <p16:designElem xmlns:p16="http://schemas.microsoft.com/office/powerpoint/2015/main" val="1"/>
+              </p:ext>
+            </p:extLst>
+          </p:nvPr>
+        </p:nvSpPr>
+        <p:spPr>
+          <a:xfrm>
+            <a:off x="0" y="0"/>
+            <a:ext cx="12192000" cy="6858000"/>
           </a:xfrm>
           <a:prstGeom prst="rect">
             <a:avLst/>
           </a:prstGeom>
-          <a:noFill/>
-        </p:spPr>
-        <p:txBody>
-          <a:bodyPr wrap="square" rtlCol="0">
-            <a:spAutoFit/>
-          </a:bodyPr>
-          <a:lstStyle/>
-          <a:p>
-            <a:r>
-              <a:rPr lang="it-IT" dirty="0"/>
-              <a:t>Scopo: Trovare e visualizzare la correlazione tra i sintomi che un’utente manifesta e i cibi assunti</a:t>
-            </a:r>
-          </a:p>
-        </p:txBody>
-      </p:sp>
-      <p:sp>
-        <p:nvSpPr>
-          <p:cNvPr id="7" name="CasellaDiTesto 6">
-            <a:extLst>
-              <a:ext uri="{FF2B5EF4-FFF2-40B4-BE49-F238E27FC236}">
-                <a16:creationId xmlns:a16="http://schemas.microsoft.com/office/drawing/2014/main" id="{E21D24FA-BEC5-473E-9BC9-858D82F5E3E9}"/>
-              </a:ext>
-            </a:extLst>
-          </p:cNvPr>
-          <p:cNvSpPr txBox="1"/>
-          <p:nvPr/>
-        </p:nvSpPr>
-        <p:spPr>
-          <a:xfrm>
-            <a:off x="7605659" y="2782870"/>
-            <a:ext cx="941032" cy="369332"/>
-          </a:xfrm>
-          <a:prstGeom prst="rect">
-            <a:avLst/>
-          </a:prstGeom>
-          <a:noFill/>
-        </p:spPr>
-        <p:txBody>
-          <a:bodyPr wrap="square" rtlCol="0">
-            <a:spAutoFit/>
-          </a:bodyPr>
-          <a:lstStyle/>
-          <a:p>
-            <a:r>
-              <a:rPr lang="en-US" dirty="0" err="1"/>
-              <a:t>Sintomi</a:t>
-            </a:r>
-            <a:endParaRPr lang="en-US" dirty="0"/>
-          </a:p>
-        </p:txBody>
-      </p:sp>
-      <p:sp>
-        <p:nvSpPr>
-          <p:cNvPr id="10" name="CasellaDiTesto 9">
-            <a:extLst>
-              <a:ext uri="{FF2B5EF4-FFF2-40B4-BE49-F238E27FC236}">
-                <a16:creationId xmlns:a16="http://schemas.microsoft.com/office/drawing/2014/main" id="{C1A9CF50-3A6F-4920-9773-61A37E4E60A7}"/>
-              </a:ext>
-            </a:extLst>
-          </p:cNvPr>
-          <p:cNvSpPr txBox="1"/>
-          <p:nvPr/>
-        </p:nvSpPr>
-        <p:spPr>
-          <a:xfrm>
-            <a:off x="8820478" y="3800027"/>
-            <a:ext cx="1282824" cy="369332"/>
-          </a:xfrm>
-          <a:prstGeom prst="rect">
-            <a:avLst/>
-          </a:prstGeom>
-          <a:noFill/>
-        </p:spPr>
-        <p:txBody>
-          <a:bodyPr wrap="square" rtlCol="0">
-            <a:spAutoFit/>
-          </a:bodyPr>
-          <a:lstStyle/>
-          <a:p>
-            <a:r>
-              <a:rPr lang="en-US" dirty="0" err="1"/>
-              <a:t>Ingredienti</a:t>
-            </a:r>
-            <a:endParaRPr lang="en-US" dirty="0"/>
-          </a:p>
-        </p:txBody>
-      </p:sp>
-      <p:sp>
-        <p:nvSpPr>
-          <p:cNvPr id="11" name="CasellaDiTesto 10">
-            <a:extLst>
-              <a:ext uri="{FF2B5EF4-FFF2-40B4-BE49-F238E27FC236}">
-                <a16:creationId xmlns:a16="http://schemas.microsoft.com/office/drawing/2014/main" id="{4DA94C88-2FC0-4EA5-AA10-578E4436D295}"/>
-              </a:ext>
-            </a:extLst>
-          </p:cNvPr>
-          <p:cNvSpPr txBox="1"/>
-          <p:nvPr/>
-        </p:nvSpPr>
-        <p:spPr>
-          <a:xfrm>
-            <a:off x="7424689" y="5091513"/>
-            <a:ext cx="1722267" cy="369332"/>
-          </a:xfrm>
-          <a:prstGeom prst="rect">
-            <a:avLst/>
-          </a:prstGeom>
-          <a:noFill/>
-        </p:spPr>
-        <p:txBody>
-          <a:bodyPr wrap="square" rtlCol="0">
-            <a:spAutoFit/>
-          </a:bodyPr>
-          <a:lstStyle/>
-          <a:p>
-            <a:r>
-              <a:rPr lang="en-US" dirty="0"/>
-              <a:t>Cure </a:t>
-            </a:r>
-            <a:r>
-              <a:rPr lang="en-US" dirty="0" err="1"/>
-              <a:t>mediche</a:t>
-            </a:r>
-            <a:endParaRPr lang="en-US" dirty="0"/>
-          </a:p>
-        </p:txBody>
-      </p:sp>
-      <p:sp>
-        <p:nvSpPr>
-          <p:cNvPr id="12" name="CasellaDiTesto 11">
-            <a:extLst>
-              <a:ext uri="{FF2B5EF4-FFF2-40B4-BE49-F238E27FC236}">
-                <a16:creationId xmlns:a16="http://schemas.microsoft.com/office/drawing/2014/main" id="{B17FF832-2F59-4566-BAA6-FD21EAC44D2F}"/>
-              </a:ext>
-            </a:extLst>
-          </p:cNvPr>
-          <p:cNvSpPr txBox="1"/>
-          <p:nvPr/>
-        </p:nvSpPr>
-        <p:spPr>
-          <a:xfrm>
-            <a:off x="2303755" y="1232004"/>
-            <a:ext cx="2547891" cy="369332"/>
-          </a:xfrm>
-          <a:prstGeom prst="rect">
-            <a:avLst/>
-          </a:prstGeom>
-          <a:noFill/>
-        </p:spPr>
-        <p:txBody>
-          <a:bodyPr wrap="square" rtlCol="0">
-            <a:spAutoFit/>
-          </a:bodyPr>
-          <a:lstStyle/>
-          <a:p>
-            <a:r>
-              <a:rPr lang="it-IT" dirty="0"/>
-              <a:t>Struttura e funzionalità</a:t>
-            </a:r>
-          </a:p>
-        </p:txBody>
-      </p:sp>
-      <p:sp>
-        <p:nvSpPr>
-          <p:cNvPr id="13" name="CasellaDiTesto 12">
-            <a:extLst>
-              <a:ext uri="{FF2B5EF4-FFF2-40B4-BE49-F238E27FC236}">
-                <a16:creationId xmlns:a16="http://schemas.microsoft.com/office/drawing/2014/main" id="{443926E0-C103-4FDA-A013-D968A59FD9AC}"/>
-              </a:ext>
-            </a:extLst>
-          </p:cNvPr>
-          <p:cNvSpPr txBox="1"/>
-          <p:nvPr/>
-        </p:nvSpPr>
-        <p:spPr>
-          <a:xfrm>
-            <a:off x="1622108" y="2200941"/>
-            <a:ext cx="1313895" cy="369332"/>
-          </a:xfrm>
-          <a:prstGeom prst="rect">
-            <a:avLst/>
-          </a:prstGeom>
-          <a:noFill/>
-        </p:spPr>
-        <p:txBody>
-          <a:bodyPr wrap="square" rtlCol="0">
-            <a:spAutoFit/>
-          </a:bodyPr>
-          <a:lstStyle/>
-          <a:p>
-            <a:r>
-              <a:rPr lang="en-US" dirty="0" err="1"/>
-              <a:t>Calendario</a:t>
-            </a:r>
-            <a:endParaRPr lang="en-US" dirty="0"/>
-          </a:p>
-        </p:txBody>
-      </p:sp>
-      <p:sp>
-        <p:nvSpPr>
-          <p:cNvPr id="14" name="CasellaDiTesto 13">
-            <a:extLst>
-              <a:ext uri="{FF2B5EF4-FFF2-40B4-BE49-F238E27FC236}">
-                <a16:creationId xmlns:a16="http://schemas.microsoft.com/office/drawing/2014/main" id="{BDBA45BD-47D8-4C66-B140-3BDCA38D4D24}"/>
-              </a:ext>
-            </a:extLst>
-          </p:cNvPr>
-          <p:cNvSpPr txBox="1"/>
-          <p:nvPr/>
-        </p:nvSpPr>
-        <p:spPr>
-          <a:xfrm>
-            <a:off x="1497819" y="3026591"/>
-            <a:ext cx="1367163" cy="369332"/>
-          </a:xfrm>
-          <a:prstGeom prst="rect">
-            <a:avLst/>
-          </a:prstGeom>
-          <a:noFill/>
-        </p:spPr>
-        <p:txBody>
-          <a:bodyPr wrap="square" rtlCol="0">
-            <a:spAutoFit/>
-          </a:bodyPr>
-          <a:lstStyle/>
-          <a:p>
-            <a:r>
-              <a:rPr lang="en-US" dirty="0" err="1"/>
-              <a:t>Statistiche</a:t>
-            </a:r>
-            <a:endParaRPr lang="en-US" dirty="0"/>
-          </a:p>
-        </p:txBody>
-      </p:sp>
-      <p:sp>
-        <p:nvSpPr>
-          <p:cNvPr id="15" name="CasellaDiTesto 14">
-            <a:extLst>
-              <a:ext uri="{FF2B5EF4-FFF2-40B4-BE49-F238E27FC236}">
-                <a16:creationId xmlns:a16="http://schemas.microsoft.com/office/drawing/2014/main" id="{5AFE68E8-A722-4928-B732-1EB867E38EBC}"/>
-              </a:ext>
-            </a:extLst>
-          </p:cNvPr>
-          <p:cNvSpPr txBox="1"/>
-          <p:nvPr/>
-        </p:nvSpPr>
-        <p:spPr>
-          <a:xfrm>
-            <a:off x="1417921" y="4059854"/>
-            <a:ext cx="1367163" cy="369332"/>
-          </a:xfrm>
-          <a:prstGeom prst="rect">
-            <a:avLst/>
-          </a:prstGeom>
-          <a:noFill/>
-        </p:spPr>
-        <p:txBody>
-          <a:bodyPr wrap="square" rtlCol="0">
-            <a:spAutoFit/>
-          </a:bodyPr>
-          <a:lstStyle/>
-          <a:p>
-            <a:r>
-              <a:rPr lang="en-US" dirty="0" err="1"/>
-              <a:t>Trattamenti</a:t>
-            </a:r>
-            <a:endParaRPr lang="en-US" dirty="0"/>
-          </a:p>
-        </p:txBody>
-      </p:sp>
-      <p:sp>
-        <p:nvSpPr>
-          <p:cNvPr id="16" name="CasellaDiTesto 15">
-            <a:extLst>
-              <a:ext uri="{FF2B5EF4-FFF2-40B4-BE49-F238E27FC236}">
-                <a16:creationId xmlns:a16="http://schemas.microsoft.com/office/drawing/2014/main" id="{7DE852E7-CCA0-4740-AFBE-89641572385A}"/>
-              </a:ext>
-            </a:extLst>
-          </p:cNvPr>
-          <p:cNvSpPr txBox="1"/>
-          <p:nvPr/>
-        </p:nvSpPr>
-        <p:spPr>
-          <a:xfrm>
-            <a:off x="1338024" y="5215794"/>
-            <a:ext cx="1526958" cy="369332"/>
-          </a:xfrm>
-          <a:prstGeom prst="rect">
-            <a:avLst/>
-          </a:prstGeom>
-          <a:noFill/>
-        </p:spPr>
-        <p:txBody>
-          <a:bodyPr wrap="square" rtlCol="0">
-            <a:spAutoFit/>
-          </a:bodyPr>
-          <a:lstStyle/>
-          <a:p>
-            <a:r>
-              <a:rPr lang="en-US" dirty="0"/>
-              <a:t>Login/</a:t>
-            </a:r>
-            <a:r>
-              <a:rPr lang="en-US" dirty="0" err="1"/>
-              <a:t>profilo</a:t>
-            </a:r>
-            <a:endParaRPr lang="en-US" dirty="0"/>
-          </a:p>
-        </p:txBody>
-      </p:sp>
-      <p:sp>
-        <p:nvSpPr>
-          <p:cNvPr id="17" name="CasellaDiTesto 16">
-            <a:extLst>
-              <a:ext uri="{FF2B5EF4-FFF2-40B4-BE49-F238E27FC236}">
-                <a16:creationId xmlns:a16="http://schemas.microsoft.com/office/drawing/2014/main" id="{B8893BFC-FAA9-4FE0-A9F6-540C8655AD85}"/>
-              </a:ext>
-            </a:extLst>
-          </p:cNvPr>
-          <p:cNvSpPr txBox="1"/>
-          <p:nvPr/>
-        </p:nvSpPr>
-        <p:spPr>
-          <a:xfrm>
-            <a:off x="3305905" y="1950588"/>
-            <a:ext cx="2231255" cy="646331"/>
-          </a:xfrm>
-          <a:prstGeom prst="rect">
-            <a:avLst/>
-          </a:prstGeom>
-          <a:noFill/>
-        </p:spPr>
-        <p:txBody>
-          <a:bodyPr wrap="square" rtlCol="0">
-            <a:spAutoFit/>
-          </a:bodyPr>
-          <a:lstStyle/>
-          <a:p>
-            <a:r>
-              <a:rPr lang="en-US" dirty="0" err="1"/>
-              <a:t>Inserimento</a:t>
-            </a:r>
-            <a:r>
-              <a:rPr lang="en-US" dirty="0"/>
-              <a:t> e </a:t>
-            </a:r>
-            <a:r>
-              <a:rPr lang="en-US" dirty="0" err="1"/>
-              <a:t>modifica</a:t>
-            </a:r>
-            <a:r>
-              <a:rPr lang="en-US" dirty="0"/>
-              <a:t> </a:t>
-            </a:r>
-            <a:r>
-              <a:rPr lang="en-US" dirty="0" err="1"/>
-              <a:t>storico</a:t>
-            </a:r>
-            <a:r>
-              <a:rPr lang="en-US" dirty="0"/>
-              <a:t> </a:t>
-            </a:r>
-            <a:r>
-              <a:rPr lang="en-US" dirty="0" err="1"/>
-              <a:t>dati</a:t>
-            </a:r>
-            <a:endParaRPr lang="en-US" dirty="0"/>
-          </a:p>
-        </p:txBody>
-      </p:sp>
-      <p:sp>
-        <p:nvSpPr>
-          <p:cNvPr id="18" name="CasellaDiTesto 17">
-            <a:extLst>
-              <a:ext uri="{FF2B5EF4-FFF2-40B4-BE49-F238E27FC236}">
-                <a16:creationId xmlns:a16="http://schemas.microsoft.com/office/drawing/2014/main" id="{AD30F6AF-54E8-44B6-9FFD-0AD9E6C7CA5B}"/>
-              </a:ext>
-            </a:extLst>
-          </p:cNvPr>
-          <p:cNvSpPr txBox="1"/>
-          <p:nvPr/>
-        </p:nvSpPr>
-        <p:spPr>
-          <a:xfrm>
-            <a:off x="3305905" y="2782870"/>
-            <a:ext cx="2000435" cy="923330"/>
-          </a:xfrm>
-          <a:prstGeom prst="rect">
-            <a:avLst/>
-          </a:prstGeom>
-          <a:noFill/>
-        </p:spPr>
-        <p:txBody>
-          <a:bodyPr wrap="square" rtlCol="0">
-            <a:spAutoFit/>
-          </a:bodyPr>
-          <a:lstStyle/>
-          <a:p>
-            <a:r>
-              <a:rPr lang="en-US" dirty="0" err="1"/>
-              <a:t>Visualizzazione</a:t>
-            </a:r>
-            <a:r>
-              <a:rPr lang="en-US" dirty="0"/>
-              <a:t> </a:t>
-            </a:r>
-            <a:r>
-              <a:rPr lang="en-US" dirty="0" err="1"/>
-              <a:t>dati</a:t>
-            </a:r>
-            <a:r>
-              <a:rPr lang="en-US" dirty="0"/>
-              <a:t> </a:t>
-            </a:r>
-            <a:r>
-              <a:rPr lang="en-US" dirty="0" err="1"/>
-              <a:t>elaborati</a:t>
-            </a:r>
-            <a:r>
-              <a:rPr lang="en-US" dirty="0"/>
-              <a:t> </a:t>
-            </a:r>
-            <a:r>
-              <a:rPr lang="en-US" dirty="0" err="1"/>
-              <a:t>tramite</a:t>
-            </a:r>
-            <a:r>
-              <a:rPr lang="en-US" dirty="0"/>
-              <a:t> </a:t>
-            </a:r>
-            <a:r>
-              <a:rPr lang="en-US" dirty="0" err="1"/>
-              <a:t>grafici</a:t>
-            </a:r>
-            <a:endParaRPr lang="en-US" dirty="0"/>
-          </a:p>
-        </p:txBody>
-      </p:sp>
-      <p:sp>
-        <p:nvSpPr>
-          <p:cNvPr id="19" name="CasellaDiTesto 18">
-            <a:extLst>
-              <a:ext uri="{FF2B5EF4-FFF2-40B4-BE49-F238E27FC236}">
-                <a16:creationId xmlns:a16="http://schemas.microsoft.com/office/drawing/2014/main" id="{F4C4D6F8-0F6F-4096-8E47-D62D12EA3986}"/>
-              </a:ext>
-            </a:extLst>
-          </p:cNvPr>
-          <p:cNvSpPr txBox="1"/>
-          <p:nvPr/>
-        </p:nvSpPr>
-        <p:spPr>
-          <a:xfrm>
-            <a:off x="3150545" y="3916550"/>
-            <a:ext cx="2808304" cy="646331"/>
-          </a:xfrm>
-          <a:prstGeom prst="rect">
-            <a:avLst/>
-          </a:prstGeom>
-          <a:noFill/>
-        </p:spPr>
-        <p:txBody>
-          <a:bodyPr wrap="square" rtlCol="0">
-            <a:spAutoFit/>
-          </a:bodyPr>
-          <a:lstStyle/>
-          <a:p>
-            <a:r>
-              <a:rPr lang="en-US" dirty="0" err="1"/>
-              <a:t>Inserimento</a:t>
-            </a:r>
-            <a:r>
-              <a:rPr lang="en-US" dirty="0"/>
-              <a:t> e </a:t>
-            </a:r>
-            <a:r>
-              <a:rPr lang="en-US" dirty="0" err="1"/>
-              <a:t>visualizzazione</a:t>
-            </a:r>
-            <a:r>
-              <a:rPr lang="en-US" dirty="0"/>
-              <a:t> </a:t>
-            </a:r>
-            <a:r>
-              <a:rPr lang="en-US" dirty="0" err="1"/>
-              <a:t>efficacia</a:t>
-            </a:r>
-            <a:endParaRPr lang="en-US" dirty="0"/>
-          </a:p>
-        </p:txBody>
-      </p:sp>
-      <p:sp>
-        <p:nvSpPr>
-          <p:cNvPr id="20" name="CasellaDiTesto 19">
-            <a:extLst>
-              <a:ext uri="{FF2B5EF4-FFF2-40B4-BE49-F238E27FC236}">
-                <a16:creationId xmlns:a16="http://schemas.microsoft.com/office/drawing/2014/main" id="{024FC4C4-9E05-4C38-8CED-02FFD3BF33C2}"/>
-              </a:ext>
-            </a:extLst>
-          </p:cNvPr>
-          <p:cNvSpPr txBox="1"/>
-          <p:nvPr/>
-        </p:nvSpPr>
-        <p:spPr>
-          <a:xfrm>
-            <a:off x="3305905" y="5025831"/>
-            <a:ext cx="2497585" cy="923330"/>
-          </a:xfrm>
-          <a:prstGeom prst="rect">
-            <a:avLst/>
-          </a:prstGeom>
-          <a:noFill/>
-        </p:spPr>
-        <p:txBody>
-          <a:bodyPr wrap="square" rtlCol="0">
-            <a:spAutoFit/>
-          </a:bodyPr>
-          <a:lstStyle/>
-          <a:p>
-            <a:r>
-              <a:rPr lang="en-US" dirty="0" err="1"/>
-              <a:t>Gestione</a:t>
-            </a:r>
-            <a:r>
-              <a:rPr lang="en-US" dirty="0"/>
-              <a:t> account e recap </a:t>
-            </a:r>
-            <a:r>
-              <a:rPr lang="en-US" dirty="0" err="1"/>
-              <a:t>informazioni</a:t>
-            </a:r>
-            <a:r>
-              <a:rPr lang="en-US" dirty="0"/>
-              <a:t> </a:t>
-            </a:r>
-            <a:r>
-              <a:rPr lang="en-US" dirty="0" err="1"/>
-              <a:t>principali</a:t>
-            </a:r>
-            <a:endParaRPr lang="en-US" dirty="0"/>
-          </a:p>
-        </p:txBody>
-      </p:sp>
-      <p:sp>
-        <p:nvSpPr>
-          <p:cNvPr id="21" name="Parentesi graffa chiusa 20">
-            <a:extLst>
-              <a:ext uri="{FF2B5EF4-FFF2-40B4-BE49-F238E27FC236}">
-                <a16:creationId xmlns:a16="http://schemas.microsoft.com/office/drawing/2014/main" id="{A4091EF8-DCBE-49F7-8876-04CF16E04D53}"/>
-              </a:ext>
-            </a:extLst>
-          </p:cNvPr>
-          <p:cNvSpPr/>
-          <p:nvPr/>
-        </p:nvSpPr>
-        <p:spPr>
-          <a:xfrm>
-            <a:off x="6096000" y="2200941"/>
-            <a:ext cx="769849" cy="3918837"/>
-          </a:xfrm>
-          <a:prstGeom prst="rightBrace">
-            <a:avLst/>
-          </a:prstGeom>
+          <a:ln>
+            <a:noFill/>
+          </a:ln>
         </p:spPr>
         <p:style>
-          <a:lnRef idx="1">
-            <a:schemeClr val="accent1"/>
+          <a:lnRef idx="2">
+            <a:schemeClr val="accent1">
+              <a:shade val="50000"/>
+            </a:schemeClr>
           </a:lnRef>
-          <a:fillRef idx="0">
+          <a:fillRef idx="1">
             <a:schemeClr val="accent1"/>
           </a:fillRef>
           <a:effectRef idx="0">
             <a:schemeClr val="accent1"/>
           </a:effectRef>
           <a:fontRef idx="minor">
-            <a:schemeClr val="tx1"/>
+            <a:schemeClr val="lt1"/>
           </a:fontRef>
         </p:style>
         <p:txBody>
@@ -4037,12 +3923,547 @@
           </a:p>
         </p:txBody>
       </p:sp>
-      <p:sp>
-        <p:nvSpPr>
-          <p:cNvPr id="22" name="CasellaDiTesto 21">
-            <a:extLst>
-              <a:ext uri="{FF2B5EF4-FFF2-40B4-BE49-F238E27FC236}">
-                <a16:creationId xmlns:a16="http://schemas.microsoft.com/office/drawing/2014/main" id="{52A9F115-660D-46F9-8C83-2E194151833D}"/>
+      <p:sp useBgFill="1">
+        <p:nvSpPr>
+          <p:cNvPr id="35" name="Freeform: Shape 34">
+            <a:extLst>
+              <a:ext uri="{FF2B5EF4-FFF2-40B4-BE49-F238E27FC236}">
+                <a16:creationId xmlns:a16="http://schemas.microsoft.com/office/drawing/2014/main" id="{F04E4CBA-303B-48BD-8451-C2701CB0EEBF}"/>
+              </a:ext>
+              <a:ext uri="{C183D7F6-B498-43B3-948B-1728B52AA6E4}">
+                <adec:decorative xmlns:adec="http://schemas.microsoft.com/office/drawing/2017/decorative" val="1"/>
+              </a:ext>
+            </a:extLst>
+          </p:cNvPr>
+          <p:cNvSpPr>
+            <a:spLocks noGrp="1" noRot="1" noChangeAspect="1" noMove="1" noResize="1" noEditPoints="1" noAdjustHandles="1" noChangeArrowheads="1" noChangeShapeType="1" noTextEdit="1"/>
+          </p:cNvSpPr>
+          <p:nvPr>
+            <p:extLst>
+              <p:ext uri="{386F3935-93C4-4BCD-93E2-E3B085C9AB24}">
+                <p16:designElem xmlns:p16="http://schemas.microsoft.com/office/powerpoint/2015/main" val="1"/>
+              </p:ext>
+            </p:extLst>
+          </p:nvPr>
+        </p:nvSpPr>
+        <p:spPr>
+          <a:xfrm>
+            <a:off x="0" y="0"/>
+            <a:ext cx="6096001" cy="6858000"/>
+          </a:xfrm>
+          <a:custGeom>
+            <a:avLst/>
+            <a:gdLst>
+              <a:gd name="connsiteX0" fmla="*/ 0 w 6096001"/>
+              <a:gd name="connsiteY0" fmla="*/ 0 h 6858000"/>
+              <a:gd name="connsiteX1" fmla="*/ 4883024 w 6096001"/>
+              <a:gd name="connsiteY1" fmla="*/ 0 h 6858000"/>
+              <a:gd name="connsiteX2" fmla="*/ 4946006 w 6096001"/>
+              <a:gd name="connsiteY2" fmla="*/ 69271 h 6858000"/>
+              <a:gd name="connsiteX3" fmla="*/ 6096001 w 6096001"/>
+              <a:gd name="connsiteY3" fmla="*/ 3429000 h 6858000"/>
+              <a:gd name="connsiteX4" fmla="*/ 4946006 w 6096001"/>
+              <a:gd name="connsiteY4" fmla="*/ 6788730 h 6858000"/>
+              <a:gd name="connsiteX5" fmla="*/ 4883024 w 6096001"/>
+              <a:gd name="connsiteY5" fmla="*/ 6858000 h 6858000"/>
+              <a:gd name="connsiteX6" fmla="*/ 0 w 6096001"/>
+              <a:gd name="connsiteY6" fmla="*/ 6858000 h 6858000"/>
+            </a:gdLst>
+            <a:ahLst/>
+            <a:cxnLst>
+              <a:cxn ang="0">
+                <a:pos x="connsiteX0" y="connsiteY0"/>
+              </a:cxn>
+              <a:cxn ang="0">
+                <a:pos x="connsiteX1" y="connsiteY1"/>
+              </a:cxn>
+              <a:cxn ang="0">
+                <a:pos x="connsiteX2" y="connsiteY2"/>
+              </a:cxn>
+              <a:cxn ang="0">
+                <a:pos x="connsiteX3" y="connsiteY3"/>
+              </a:cxn>
+              <a:cxn ang="0">
+                <a:pos x="connsiteX4" y="connsiteY4"/>
+              </a:cxn>
+              <a:cxn ang="0">
+                <a:pos x="connsiteX5" y="connsiteY5"/>
+              </a:cxn>
+              <a:cxn ang="0">
+                <a:pos x="connsiteX6" y="connsiteY6"/>
+              </a:cxn>
+            </a:cxnLst>
+            <a:rect l="l" t="t" r="r" b="b"/>
+            <a:pathLst>
+              <a:path w="6096001" h="6858000">
+                <a:moveTo>
+                  <a:pt x="0" y="0"/>
+                </a:moveTo>
+                <a:lnTo>
+                  <a:pt x="4883024" y="0"/>
+                </a:lnTo>
+                <a:lnTo>
+                  <a:pt x="4946006" y="69271"/>
+                </a:lnTo>
+                <a:cubicBezTo>
+                  <a:pt x="5656532" y="929100"/>
+                  <a:pt x="6096001" y="2116944"/>
+                  <a:pt x="6096001" y="3429000"/>
+                </a:cubicBezTo>
+                <a:cubicBezTo>
+                  <a:pt x="6096001" y="4741056"/>
+                  <a:pt x="5656532" y="5928900"/>
+                  <a:pt x="4946006" y="6788730"/>
+                </a:cubicBezTo>
+                <a:lnTo>
+                  <a:pt x="4883024" y="6858000"/>
+                </a:lnTo>
+                <a:lnTo>
+                  <a:pt x="0" y="6858000"/>
+                </a:lnTo>
+                <a:close/>
+              </a:path>
+            </a:pathLst>
+          </a:custGeom>
+          <a:ln w="9525">
+            <a:solidFill>
+              <a:srgbClr val="EFEFEF"/>
+            </a:solidFill>
+          </a:ln>
+          <a:effectLst>
+            <a:outerShdw blurRad="50800" dist="38100" algn="l" rotWithShape="0">
+              <a:schemeClr val="bg1">
+                <a:lumMod val="85000"/>
+                <a:alpha val="30000"/>
+              </a:schemeClr>
+            </a:outerShdw>
+          </a:effectLst>
+        </p:spPr>
+        <p:style>
+          <a:lnRef idx="2">
+            <a:schemeClr val="accent1">
+              <a:shade val="50000"/>
+            </a:schemeClr>
+          </a:lnRef>
+          <a:fillRef idx="1">
+            <a:schemeClr val="accent1"/>
+          </a:fillRef>
+          <a:effectRef idx="0">
+            <a:schemeClr val="accent1"/>
+          </a:effectRef>
+          <a:fontRef idx="minor">
+            <a:schemeClr val="lt1"/>
+          </a:fontRef>
+        </p:style>
+        <p:txBody>
+          <a:bodyPr wrap="square" rtlCol="0" anchor="ctr">
+            <a:noAutofit/>
+          </a:bodyPr>
+          <a:lstStyle/>
+          <a:p>
+            <a:pPr marL="0" marR="0" lvl="0" indent="0" algn="ctr" defTabSz="914400" rtl="0" eaLnBrk="1" fontAlgn="auto" latinLnBrk="0" hangingPunct="1">
+              <a:lnSpc>
+                <a:spcPct val="100000"/>
+              </a:lnSpc>
+              <a:spcBef>
+                <a:spcPts val="0"/>
+              </a:spcBef>
+              <a:spcAft>
+                <a:spcPts val="0"/>
+              </a:spcAft>
+              <a:buClrTx/>
+              <a:buSzTx/>
+              <a:buFontTx/>
+              <a:buNone/>
+              <a:tabLst/>
+              <a:defRPr/>
+            </a:pPr>
+            <a:endParaRPr kumimoji="0" lang="en-US" sz="1800" b="0" i="0" u="none" strike="noStrike" kern="1200" cap="none" spc="0" normalizeH="0" baseline="0" noProof="0">
+              <a:ln>
+                <a:noFill/>
+              </a:ln>
+              <a:solidFill>
+                <a:prstClr val="white"/>
+              </a:solidFill>
+              <a:effectLst/>
+              <a:uLnTx/>
+              <a:uFillTx/>
+              <a:latin typeface="Calibri" panose="020F0502020204030204"/>
+              <a:ea typeface="+mn-ea"/>
+              <a:cs typeface="+mn-cs"/>
+            </a:endParaRPr>
+          </a:p>
+        </p:txBody>
+      </p:sp>
+      <p:sp useBgFill="1">
+        <p:nvSpPr>
+          <p:cNvPr id="37" name="Freeform: Shape 36">
+            <a:extLst>
+              <a:ext uri="{FF2B5EF4-FFF2-40B4-BE49-F238E27FC236}">
+                <a16:creationId xmlns:a16="http://schemas.microsoft.com/office/drawing/2014/main" id="{F6CA58B3-AFCC-4A40-9882-50D5080879B0}"/>
+              </a:ext>
+              <a:ext uri="{C183D7F6-B498-43B3-948B-1728B52AA6E4}">
+                <adec:decorative xmlns:adec="http://schemas.microsoft.com/office/drawing/2017/decorative" val="1"/>
+              </a:ext>
+            </a:extLst>
+          </p:cNvPr>
+          <p:cNvSpPr>
+            <a:spLocks noGrp="1" noRot="1" noChangeAspect="1" noMove="1" noResize="1" noEditPoints="1" noAdjustHandles="1" noChangeArrowheads="1" noChangeShapeType="1" noTextEdit="1"/>
+          </p:cNvSpPr>
+          <p:nvPr>
+            <p:extLst>
+              <p:ext uri="{386F3935-93C4-4BCD-93E2-E3B085C9AB24}">
+                <p16:designElem xmlns:p16="http://schemas.microsoft.com/office/powerpoint/2015/main" val="1"/>
+              </p:ext>
+            </p:extLst>
+          </p:nvPr>
+        </p:nvSpPr>
+        <p:spPr>
+          <a:xfrm>
+            <a:off x="1" y="0"/>
+            <a:ext cx="6087332" cy="6858000"/>
+          </a:xfrm>
+          <a:custGeom>
+            <a:avLst/>
+            <a:gdLst>
+              <a:gd name="connsiteX0" fmla="*/ 0 w 6087332"/>
+              <a:gd name="connsiteY0" fmla="*/ 0 h 6858000"/>
+              <a:gd name="connsiteX1" fmla="*/ 4874355 w 6087332"/>
+              <a:gd name="connsiteY1" fmla="*/ 0 h 6858000"/>
+              <a:gd name="connsiteX2" fmla="*/ 4937337 w 6087332"/>
+              <a:gd name="connsiteY2" fmla="*/ 69271 h 6858000"/>
+              <a:gd name="connsiteX3" fmla="*/ 6087332 w 6087332"/>
+              <a:gd name="connsiteY3" fmla="*/ 3429000 h 6858000"/>
+              <a:gd name="connsiteX4" fmla="*/ 4937337 w 6087332"/>
+              <a:gd name="connsiteY4" fmla="*/ 6788730 h 6858000"/>
+              <a:gd name="connsiteX5" fmla="*/ 4874355 w 6087332"/>
+              <a:gd name="connsiteY5" fmla="*/ 6858000 h 6858000"/>
+              <a:gd name="connsiteX6" fmla="*/ 0 w 6087332"/>
+              <a:gd name="connsiteY6" fmla="*/ 6858000 h 6858000"/>
+            </a:gdLst>
+            <a:ahLst/>
+            <a:cxnLst>
+              <a:cxn ang="0">
+                <a:pos x="connsiteX0" y="connsiteY0"/>
+              </a:cxn>
+              <a:cxn ang="0">
+                <a:pos x="connsiteX1" y="connsiteY1"/>
+              </a:cxn>
+              <a:cxn ang="0">
+                <a:pos x="connsiteX2" y="connsiteY2"/>
+              </a:cxn>
+              <a:cxn ang="0">
+                <a:pos x="connsiteX3" y="connsiteY3"/>
+              </a:cxn>
+              <a:cxn ang="0">
+                <a:pos x="connsiteX4" y="connsiteY4"/>
+              </a:cxn>
+              <a:cxn ang="0">
+                <a:pos x="connsiteX5" y="connsiteY5"/>
+              </a:cxn>
+              <a:cxn ang="0">
+                <a:pos x="connsiteX6" y="connsiteY6"/>
+              </a:cxn>
+            </a:cxnLst>
+            <a:rect l="l" t="t" r="r" b="b"/>
+            <a:pathLst>
+              <a:path w="6087332" h="6858000">
+                <a:moveTo>
+                  <a:pt x="0" y="0"/>
+                </a:moveTo>
+                <a:lnTo>
+                  <a:pt x="4874355" y="0"/>
+                </a:lnTo>
+                <a:lnTo>
+                  <a:pt x="4937337" y="69271"/>
+                </a:lnTo>
+                <a:cubicBezTo>
+                  <a:pt x="5647863" y="929100"/>
+                  <a:pt x="6087332" y="2116944"/>
+                  <a:pt x="6087332" y="3429000"/>
+                </a:cubicBezTo>
+                <a:cubicBezTo>
+                  <a:pt x="6087332" y="4741056"/>
+                  <a:pt x="5647863" y="5928900"/>
+                  <a:pt x="4937337" y="6788730"/>
+                </a:cubicBezTo>
+                <a:lnTo>
+                  <a:pt x="4874355" y="6858000"/>
+                </a:lnTo>
+                <a:lnTo>
+                  <a:pt x="0" y="6858000"/>
+                </a:lnTo>
+                <a:close/>
+              </a:path>
+            </a:pathLst>
+          </a:custGeom>
+          <a:ln>
+            <a:noFill/>
+          </a:ln>
+        </p:spPr>
+        <p:style>
+          <a:lnRef idx="2">
+            <a:schemeClr val="accent1">
+              <a:shade val="50000"/>
+            </a:schemeClr>
+          </a:lnRef>
+          <a:fillRef idx="1">
+            <a:schemeClr val="accent1"/>
+          </a:fillRef>
+          <a:effectRef idx="0">
+            <a:schemeClr val="accent1"/>
+          </a:effectRef>
+          <a:fontRef idx="minor">
+            <a:schemeClr val="lt1"/>
+          </a:fontRef>
+        </p:style>
+        <p:txBody>
+          <a:bodyPr rtlCol="0" anchor="ctr"/>
+          <a:lstStyle/>
+          <a:p>
+            <a:pPr algn="ctr"/>
+            <a:endParaRPr lang="en-US">
+              <a:solidFill>
+                <a:prstClr val="white"/>
+              </a:solidFill>
+              <a:latin typeface="Calibri" panose="020F0502020204030204"/>
+            </a:endParaRPr>
+          </a:p>
+        </p:txBody>
+      </p:sp>
+      <p:sp>
+        <p:nvSpPr>
+          <p:cNvPr id="39" name="Rectangle 38">
+            <a:extLst>
+              <a:ext uri="{FF2B5EF4-FFF2-40B4-BE49-F238E27FC236}">
+                <a16:creationId xmlns:a16="http://schemas.microsoft.com/office/drawing/2014/main" id="{75C56826-D4E5-42ED-8529-079651CB3005}"/>
+              </a:ext>
+              <a:ext uri="{C183D7F6-B498-43B3-948B-1728B52AA6E4}">
+                <adec:decorative xmlns:adec="http://schemas.microsoft.com/office/drawing/2017/decorative" val="1"/>
+              </a:ext>
+            </a:extLst>
+          </p:cNvPr>
+          <p:cNvSpPr>
+            <a:spLocks noGrp="1" noRot="1" noChangeAspect="1" noMove="1" noResize="1" noEditPoints="1" noAdjustHandles="1" noChangeArrowheads="1" noChangeShapeType="1" noTextEdit="1"/>
+          </p:cNvSpPr>
+          <p:nvPr>
+            <p:extLst>
+              <p:ext uri="{386F3935-93C4-4BCD-93E2-E3B085C9AB24}">
+                <p16:designElem xmlns:p16="http://schemas.microsoft.com/office/powerpoint/2015/main" val="1"/>
+              </p:ext>
+            </p:extLst>
+          </p:nvPr>
+        </p:nvSpPr>
+        <p:spPr>
+          <a:xfrm>
+            <a:off x="0" y="1152144"/>
+            <a:ext cx="128016" cy="653903"/>
+          </a:xfrm>
+          <a:prstGeom prst="rect">
+            <a:avLst/>
+          </a:prstGeom>
+          <a:solidFill>
+            <a:schemeClr val="accent2"/>
+          </a:solidFill>
+          <a:ln>
+            <a:noFill/>
+          </a:ln>
+        </p:spPr>
+        <p:style>
+          <a:lnRef idx="2">
+            <a:schemeClr val="accent1">
+              <a:shade val="50000"/>
+            </a:schemeClr>
+          </a:lnRef>
+          <a:fillRef idx="1">
+            <a:schemeClr val="accent1"/>
+          </a:fillRef>
+          <a:effectRef idx="0">
+            <a:schemeClr val="accent1"/>
+          </a:effectRef>
+          <a:fontRef idx="minor">
+            <a:schemeClr val="lt1"/>
+          </a:fontRef>
+        </p:style>
+        <p:txBody>
+          <a:bodyPr rtlCol="0" anchor="ctr"/>
+          <a:lstStyle/>
+          <a:p>
+            <a:pPr algn="ctr"/>
+            <a:endParaRPr lang="en-US">
+              <a:solidFill>
+                <a:prstClr val="white"/>
+              </a:solidFill>
+              <a:latin typeface="Calibri" panose="020F0502020204030204"/>
+            </a:endParaRPr>
+          </a:p>
+        </p:txBody>
+      </p:sp>
+      <p:sp useBgFill="1">
+        <p:nvSpPr>
+          <p:cNvPr id="41" name="Rectangle 40">
+            <a:extLst>
+              <a:ext uri="{FF2B5EF4-FFF2-40B4-BE49-F238E27FC236}">
+                <a16:creationId xmlns:a16="http://schemas.microsoft.com/office/drawing/2014/main" id="{82095FCE-EF05-4443-B97A-85DEE3A5CA17}"/>
+              </a:ext>
+              <a:ext uri="{C183D7F6-B498-43B3-948B-1728B52AA6E4}">
+                <adec:decorative xmlns:adec="http://schemas.microsoft.com/office/drawing/2017/decorative" val="1"/>
+              </a:ext>
+            </a:extLst>
+          </p:cNvPr>
+          <p:cNvSpPr>
+            <a:spLocks noGrp="1" noRot="1" noChangeAspect="1" noMove="1" noResize="1" noEditPoints="1" noAdjustHandles="1" noChangeArrowheads="1" noChangeShapeType="1" noTextEdit="1"/>
+          </p:cNvSpPr>
+          <p:nvPr>
+            <p:extLst>
+              <p:ext uri="{386F3935-93C4-4BCD-93E2-E3B085C9AB24}">
+                <p16:designElem xmlns:p16="http://schemas.microsoft.com/office/powerpoint/2015/main" val="1"/>
+              </p:ext>
+            </p:extLst>
+          </p:nvPr>
+        </p:nvSpPr>
+        <p:spPr>
+          <a:xfrm>
+            <a:off x="449544" y="2194560"/>
+            <a:ext cx="4892040" cy="18288"/>
+          </a:xfrm>
+          <a:prstGeom prst="rect">
+            <a:avLst/>
+          </a:prstGeom>
+          <a:ln w="3175">
+            <a:noFill/>
+          </a:ln>
+          <a:effectLst/>
+        </p:spPr>
+        <p:style>
+          <a:lnRef idx="2">
+            <a:schemeClr val="accent1">
+              <a:shade val="50000"/>
+            </a:schemeClr>
+          </a:lnRef>
+          <a:fillRef idx="1">
+            <a:schemeClr val="accent1"/>
+          </a:fillRef>
+          <a:effectRef idx="0">
+            <a:schemeClr val="accent1"/>
+          </a:effectRef>
+          <a:fontRef idx="minor">
+            <a:schemeClr val="lt1"/>
+          </a:fontRef>
+        </p:style>
+        <p:txBody>
+          <a:bodyPr rtlCol="0" anchor="ctr"/>
+          <a:lstStyle/>
+          <a:p>
+            <a:pPr marL="0" marR="0" lvl="0" indent="0" algn="ctr" defTabSz="914400" rtl="0" eaLnBrk="1" fontAlgn="auto" latinLnBrk="0" hangingPunct="1">
+              <a:lnSpc>
+                <a:spcPct val="100000"/>
+              </a:lnSpc>
+              <a:spcBef>
+                <a:spcPts val="0"/>
+              </a:spcBef>
+              <a:spcAft>
+                <a:spcPts val="0"/>
+              </a:spcAft>
+              <a:buClrTx/>
+              <a:buSzTx/>
+              <a:buFontTx/>
+              <a:buNone/>
+              <a:tabLst/>
+              <a:defRPr/>
+            </a:pPr>
+            <a:endParaRPr kumimoji="0" lang="en-US" sz="1800" b="0" i="0" u="none" strike="noStrike" kern="1200" cap="none" spc="0" normalizeH="0" baseline="0" noProof="0">
+              <a:ln>
+                <a:noFill/>
+              </a:ln>
+              <a:solidFill>
+                <a:prstClr val="white"/>
+              </a:solidFill>
+              <a:effectLst/>
+              <a:uLnTx/>
+              <a:uFillTx/>
+              <a:latin typeface="Calibri" panose="020F0502020204030204"/>
+              <a:ea typeface="+mn-ea"/>
+              <a:cs typeface="+mn-cs"/>
+            </a:endParaRPr>
+          </a:p>
+        </p:txBody>
+      </p:sp>
+      <p:sp>
+        <p:nvSpPr>
+          <p:cNvPr id="43" name="Rectangle 42">
+            <a:extLst>
+              <a:ext uri="{FF2B5EF4-FFF2-40B4-BE49-F238E27FC236}">
+                <a16:creationId xmlns:a16="http://schemas.microsoft.com/office/drawing/2014/main" id="{CA00AE6B-AA30-4CF8-BA6F-339B780AD76C}"/>
+              </a:ext>
+              <a:ext uri="{C183D7F6-B498-43B3-948B-1728B52AA6E4}">
+                <adec:decorative xmlns:adec="http://schemas.microsoft.com/office/drawing/2017/decorative" val="1"/>
+              </a:ext>
+            </a:extLst>
+          </p:cNvPr>
+          <p:cNvSpPr>
+            <a:spLocks noGrp="1" noRot="1" noChangeAspect="1" noMove="1" noResize="1" noEditPoints="1" noAdjustHandles="1" noChangeArrowheads="1" noChangeShapeType="1" noTextEdit="1"/>
+          </p:cNvSpPr>
+          <p:nvPr>
+            <p:extLst>
+              <p:ext uri="{386F3935-93C4-4BCD-93E2-E3B085C9AB24}">
+                <p16:designElem xmlns:p16="http://schemas.microsoft.com/office/powerpoint/2015/main" val="1"/>
+              </p:ext>
+            </p:extLst>
+          </p:nvPr>
+        </p:nvSpPr>
+        <p:spPr>
+          <a:xfrm>
+            <a:off x="449544" y="2194560"/>
+            <a:ext cx="4892040" cy="18288"/>
+          </a:xfrm>
+          <a:prstGeom prst="rect">
+            <a:avLst/>
+          </a:prstGeom>
+          <a:solidFill>
+            <a:srgbClr val="D5D5D5"/>
+          </a:solidFill>
+          <a:ln w="3175">
+            <a:noFill/>
+          </a:ln>
+          <a:effectLst/>
+        </p:spPr>
+        <p:style>
+          <a:lnRef idx="2">
+            <a:schemeClr val="accent1">
+              <a:shade val="50000"/>
+            </a:schemeClr>
+          </a:lnRef>
+          <a:fillRef idx="1">
+            <a:schemeClr val="accent1"/>
+          </a:fillRef>
+          <a:effectRef idx="0">
+            <a:schemeClr val="accent1"/>
+          </a:effectRef>
+          <a:fontRef idx="minor">
+            <a:schemeClr val="lt1"/>
+          </a:fontRef>
+        </p:style>
+        <p:txBody>
+          <a:bodyPr rtlCol="0" anchor="ctr"/>
+          <a:lstStyle/>
+          <a:p>
+            <a:pPr algn="ctr"/>
+            <a:endParaRPr lang="en-US">
+              <a:solidFill>
+                <a:prstClr val="white"/>
+              </a:solidFill>
+              <a:latin typeface="Calibri" panose="020F0502020204030204"/>
+            </a:endParaRPr>
+          </a:p>
+        </p:txBody>
+      </p:sp>
+      <p:sp>
+        <p:nvSpPr>
+          <p:cNvPr id="6" name="CasellaDiTesto 5">
+            <a:extLst>
+              <a:ext uri="{FF2B5EF4-FFF2-40B4-BE49-F238E27FC236}">
+                <a16:creationId xmlns:a16="http://schemas.microsoft.com/office/drawing/2014/main" id="{592EF4D9-F4B4-40A1-B494-676DF2AF53DA}"/>
               </a:ext>
             </a:extLst>
           </p:cNvPr>
@@ -4051,8 +4472,53 @@
         </p:nvSpPr>
         <p:spPr>
           <a:xfrm>
-            <a:off x="8666884" y="1382630"/>
-            <a:ext cx="1378712" cy="369332"/>
+            <a:off x="448056" y="2512612"/>
+            <a:ext cx="4832803" cy="2458884"/>
+          </a:xfrm>
+          <a:prstGeom prst="rect">
+            <a:avLst/>
+          </a:prstGeom>
+        </p:spPr>
+        <p:txBody>
+          <a:bodyPr vert="horz" lIns="91440" tIns="45720" rIns="91440" bIns="45720" rtlCol="0">
+            <a:normAutofit/>
+          </a:bodyPr>
+          <a:lstStyle/>
+          <a:p>
+            <a:pPr indent="-228600">
+              <a:lnSpc>
+                <a:spcPct val="90000"/>
+              </a:lnSpc>
+              <a:spcAft>
+                <a:spcPts val="600"/>
+              </a:spcAft>
+              <a:buFont typeface="Arial" panose="020B0604020202020204" pitchFamily="34" charset="0"/>
+              <a:buChar char="•"/>
+            </a:pPr>
+            <a:r>
+              <a:rPr lang="en-GB" sz="2000" dirty="0"/>
+              <a:t>Find and visualize the correlation between the digestion symptoms and the foods a user consumes</a:t>
+            </a:r>
+            <a:endParaRPr lang="en-US" sz="2000" dirty="0"/>
+          </a:p>
+        </p:txBody>
+      </p:sp>
+      <p:sp>
+        <p:nvSpPr>
+          <p:cNvPr id="28" name="CasellaDiTesto 27">
+            <a:extLst>
+              <a:ext uri="{FF2B5EF4-FFF2-40B4-BE49-F238E27FC236}">
+                <a16:creationId xmlns:a16="http://schemas.microsoft.com/office/drawing/2014/main" id="{0C5863D0-7B72-4BB4-A035-DBFA127B3AE8}"/>
+              </a:ext>
+            </a:extLst>
+          </p:cNvPr>
+          <p:cNvSpPr txBox="1"/>
+          <p:nvPr/>
+        </p:nvSpPr>
+        <p:spPr>
+          <a:xfrm>
+            <a:off x="1137637" y="1217485"/>
+            <a:ext cx="2723224" cy="646331"/>
           </a:xfrm>
           <a:prstGeom prst="rect">
             <a:avLst/>
@@ -4060,187 +4526,144 @@
           <a:noFill/>
         </p:spPr>
         <p:txBody>
-          <a:bodyPr wrap="square" rtlCol="0">
+          <a:bodyPr wrap="square">
             <a:spAutoFit/>
           </a:bodyPr>
           <a:lstStyle/>
           <a:p>
-            <a:r>
-              <a:rPr lang="en-US" dirty="0"/>
-              <a:t>DATI</a:t>
-            </a:r>
-          </a:p>
-        </p:txBody>
-      </p:sp>
-      <p:sp>
-        <p:nvSpPr>
-          <p:cNvPr id="24" name="CasellaDiTesto 23">
-            <a:extLst>
-              <a:ext uri="{FF2B5EF4-FFF2-40B4-BE49-F238E27FC236}">
-                <a16:creationId xmlns:a16="http://schemas.microsoft.com/office/drawing/2014/main" id="{B794FF44-0FA8-449E-939B-AB396B3D244E}"/>
-              </a:ext>
-            </a:extLst>
-          </p:cNvPr>
-          <p:cNvSpPr txBox="1"/>
+            <a:pPr algn="ctr">
+              <a:spcAft>
+                <a:spcPts val="600"/>
+              </a:spcAft>
+            </a:pPr>
+            <a:r>
+              <a:rPr lang="it-IT" sz="3600" dirty="0"/>
+              <a:t>Scope:</a:t>
+            </a:r>
+            <a:endParaRPr lang="en-US" sz="3600" dirty="0"/>
+          </a:p>
+        </p:txBody>
+      </p:sp>
+      <p:pic>
+        <p:nvPicPr>
+          <p:cNvPr id="31" name="Immagine 30">
+            <a:extLst>
+              <a:ext uri="{FF2B5EF4-FFF2-40B4-BE49-F238E27FC236}">
+                <a16:creationId xmlns:a16="http://schemas.microsoft.com/office/drawing/2014/main" id="{C240C57A-1B3F-4755-AA00-C11F2EFC500F}"/>
+              </a:ext>
+            </a:extLst>
+          </p:cNvPr>
+          <p:cNvPicPr>
+            <a:picLocks noChangeAspect="1"/>
+          </p:cNvPicPr>
           <p:nvPr/>
-        </p:nvSpPr>
-        <p:spPr>
-          <a:xfrm>
-            <a:off x="7650049" y="3800027"/>
-            <a:ext cx="941032" cy="369332"/>
+        </p:nvPicPr>
+        <p:blipFill>
+          <a:blip r:embed="rId2">
+            <a:extLst>
+              <a:ext uri="{28A0092B-C50C-407E-A947-70E740481C1C}">
+                <a14:useLocalDpi xmlns:a14="http://schemas.microsoft.com/office/drawing/2010/main" val="0"/>
+              </a:ext>
+            </a:extLst>
+          </a:blip>
+          <a:stretch>
+            <a:fillRect/>
+          </a:stretch>
+        </p:blipFill>
+        <p:spPr>
+          <a:xfrm>
+            <a:off x="6803147" y="4474678"/>
+            <a:ext cx="5033818" cy="2221172"/>
           </a:xfrm>
           <a:prstGeom prst="rect">
             <a:avLst/>
           </a:prstGeom>
-          <a:noFill/>
-        </p:spPr>
-        <p:txBody>
-          <a:bodyPr wrap="square" rtlCol="0">
-            <a:spAutoFit/>
-          </a:bodyPr>
-          <a:lstStyle/>
-          <a:p>
-            <a:r>
-              <a:rPr lang="en-US" dirty="0" err="1"/>
-              <a:t>Piatto</a:t>
-            </a:r>
-            <a:endParaRPr lang="en-US" dirty="0"/>
-          </a:p>
-        </p:txBody>
-      </p:sp>
-      <p:sp>
-        <p:nvSpPr>
-          <p:cNvPr id="25" name="CasellaDiTesto 24">
-            <a:extLst>
-              <a:ext uri="{FF2B5EF4-FFF2-40B4-BE49-F238E27FC236}">
-                <a16:creationId xmlns:a16="http://schemas.microsoft.com/office/drawing/2014/main" id="{997C23FF-3965-4374-83FB-7E777B7129F5}"/>
-              </a:ext>
-            </a:extLst>
-          </p:cNvPr>
-          <p:cNvSpPr txBox="1"/>
+        </p:spPr>
+      </p:pic>
+      <p:pic>
+        <p:nvPicPr>
+          <p:cNvPr id="34" name="Immagine 33">
+            <a:extLst>
+              <a:ext uri="{FF2B5EF4-FFF2-40B4-BE49-F238E27FC236}">
+                <a16:creationId xmlns:a16="http://schemas.microsoft.com/office/drawing/2014/main" id="{BAFCE656-8AEE-4439-8E9B-6A5EFD38CD44}"/>
+              </a:ext>
+            </a:extLst>
+          </p:cNvPr>
+          <p:cNvPicPr>
+            <a:picLocks noChangeAspect="1"/>
+          </p:cNvPicPr>
           <p:nvPr/>
-        </p:nvSpPr>
-        <p:spPr>
-          <a:xfrm>
-            <a:off x="8832315" y="2598204"/>
-            <a:ext cx="1213281" cy="923330"/>
+        </p:nvPicPr>
+        <p:blipFill>
+          <a:blip r:embed="rId3">
+            <a:extLst>
+              <a:ext uri="{28A0092B-C50C-407E-A947-70E740481C1C}">
+                <a14:useLocalDpi xmlns:a14="http://schemas.microsoft.com/office/drawing/2010/main" val="0"/>
+              </a:ext>
+            </a:extLst>
+          </a:blip>
+          <a:stretch>
+            <a:fillRect/>
+          </a:stretch>
+        </p:blipFill>
+        <p:spPr>
+          <a:xfrm>
+            <a:off x="8094131" y="253170"/>
+            <a:ext cx="2451849" cy="2451849"/>
           </a:xfrm>
           <a:prstGeom prst="rect">
             <a:avLst/>
           </a:prstGeom>
-          <a:noFill/>
-        </p:spPr>
-        <p:txBody>
-          <a:bodyPr wrap="square" rtlCol="0">
-            <a:spAutoFit/>
-          </a:bodyPr>
-          <a:lstStyle/>
-          <a:p>
-            <a:r>
-              <a:rPr lang="en-US" dirty="0" err="1"/>
-              <a:t>Intensità</a:t>
-            </a:r>
-            <a:r>
-              <a:rPr lang="en-US" dirty="0"/>
-              <a:t>, </a:t>
-            </a:r>
-            <a:r>
-              <a:rPr lang="en-US" dirty="0" err="1"/>
-              <a:t>frequenza</a:t>
-            </a:r>
-            <a:r>
-              <a:rPr lang="en-US" dirty="0"/>
-              <a:t>,</a:t>
-            </a:r>
-          </a:p>
-          <a:p>
-            <a:r>
-              <a:rPr lang="en-US" dirty="0" err="1"/>
-              <a:t>occorrenza</a:t>
-            </a:r>
-            <a:endParaRPr lang="en-US" dirty="0"/>
-          </a:p>
-        </p:txBody>
-      </p:sp>
-      <p:sp>
-        <p:nvSpPr>
-          <p:cNvPr id="26" name="CasellaDiTesto 25">
-            <a:extLst>
-              <a:ext uri="{FF2B5EF4-FFF2-40B4-BE49-F238E27FC236}">
-                <a16:creationId xmlns:a16="http://schemas.microsoft.com/office/drawing/2014/main" id="{ABB4DC80-F7A1-4B29-A2BD-F0843C67198F}"/>
-              </a:ext>
-            </a:extLst>
-          </p:cNvPr>
-          <p:cNvSpPr txBox="1"/>
+        </p:spPr>
+      </p:pic>
+      <p:cxnSp>
+        <p:nvCxnSpPr>
+          <p:cNvPr id="40" name="Connettore 2 39">
+            <a:extLst>
+              <a:ext uri="{FF2B5EF4-FFF2-40B4-BE49-F238E27FC236}">
+                <a16:creationId xmlns:a16="http://schemas.microsoft.com/office/drawing/2014/main" id="{7BB5F250-5CF2-4467-9EBD-FE2EB68D98E2}"/>
+              </a:ext>
+            </a:extLst>
+          </p:cNvPr>
+          <p:cNvCxnSpPr>
+            <a:cxnSpLocks/>
+          </p:cNvCxnSpPr>
           <p:nvPr/>
-        </p:nvSpPr>
-        <p:spPr>
-          <a:xfrm>
-            <a:off x="8890021" y="4262439"/>
-            <a:ext cx="1213281" cy="369332"/>
-          </a:xfrm>
-          <a:prstGeom prst="rect">
+        </p:nvCxnSpPr>
+        <p:spPr>
+          <a:xfrm flipV="1">
+            <a:off x="9345595" y="2888473"/>
+            <a:ext cx="0" cy="1441580"/>
+          </a:xfrm>
+          <a:prstGeom prst="straightConnector1">
             <a:avLst/>
           </a:prstGeom>
-          <a:noFill/>
-        </p:spPr>
-        <p:txBody>
-          <a:bodyPr wrap="square" rtlCol="0">
-            <a:spAutoFit/>
-          </a:bodyPr>
-          <a:lstStyle/>
-          <a:p>
-            <a:r>
-              <a:rPr lang="en-US" dirty="0" err="1"/>
-              <a:t>Quantità</a:t>
-            </a:r>
-            <a:endParaRPr lang="en-US" dirty="0"/>
-          </a:p>
-        </p:txBody>
-      </p:sp>
-      <p:sp>
-        <p:nvSpPr>
-          <p:cNvPr id="27" name="CasellaDiTesto 26">
-            <a:extLst>
-              <a:ext uri="{FF2B5EF4-FFF2-40B4-BE49-F238E27FC236}">
-                <a16:creationId xmlns:a16="http://schemas.microsoft.com/office/drawing/2014/main" id="{EC82CF2A-1AD8-459B-81EC-1E921BE6A544}"/>
-              </a:ext>
-            </a:extLst>
-          </p:cNvPr>
-          <p:cNvSpPr txBox="1"/>
-          <p:nvPr/>
-        </p:nvSpPr>
-        <p:spPr>
-          <a:xfrm>
-            <a:off x="9314667" y="5091513"/>
-            <a:ext cx="1213281" cy="369332"/>
-          </a:xfrm>
-          <a:prstGeom prst="rect">
-            <a:avLst/>
-          </a:prstGeom>
-          <a:noFill/>
-        </p:spPr>
-        <p:txBody>
-          <a:bodyPr wrap="square" rtlCol="0">
-            <a:spAutoFit/>
-          </a:bodyPr>
-          <a:lstStyle/>
-          <a:p>
-            <a:r>
-              <a:rPr lang="en-US" dirty="0"/>
-              <a:t>Data </a:t>
-            </a:r>
-            <a:r>
-              <a:rPr lang="en-US" dirty="0" err="1"/>
-              <a:t>inizio</a:t>
-            </a:r>
-            <a:r>
-              <a:rPr lang="en-US" dirty="0"/>
-              <a:t> </a:t>
-            </a:r>
-          </a:p>
-        </p:txBody>
-      </p:sp>
+          <a:ln w="44450">
+            <a:solidFill>
+              <a:schemeClr val="tx1">
+                <a:lumMod val="95000"/>
+                <a:lumOff val="5000"/>
+              </a:schemeClr>
+            </a:solidFill>
+            <a:headEnd type="arrow" w="med" len="med"/>
+            <a:tailEnd type="arrow" w="med" len="med"/>
+          </a:ln>
+        </p:spPr>
+        <p:style>
+          <a:lnRef idx="3">
+            <a:schemeClr val="accent5"/>
+          </a:lnRef>
+          <a:fillRef idx="0">
+            <a:schemeClr val="accent5"/>
+          </a:fillRef>
+          <a:effectRef idx="2">
+            <a:schemeClr val="accent5"/>
+          </a:effectRef>
+          <a:fontRef idx="minor">
+            <a:schemeClr val="tx1"/>
+          </a:fontRef>
+        </p:style>
+      </p:cxnSp>
     </p:spTree>
     <p:extLst>
       <p:ext uri="{BB962C8B-B14F-4D97-AF65-F5344CB8AC3E}">
@@ -4257,6 +4680,14 @@
 <file path=ppt/slides/slide3.xml><?xml version="1.0" encoding="utf-8"?>
 <p:sld xmlns:a="http://schemas.openxmlformats.org/drawingml/2006/main" xmlns:r="http://schemas.openxmlformats.org/officeDocument/2006/relationships" xmlns:p="http://schemas.openxmlformats.org/presentationml/2006/main">
   <p:cSld>
+    <p:bg>
+      <p:bgPr>
+        <a:solidFill>
+          <a:schemeClr val="bg1"/>
+        </a:solidFill>
+        <a:effectLst/>
+      </p:bgPr>
+    </p:bg>
     <p:spTree>
       <p:nvGrpSpPr>
         <p:cNvPr id="1" name=""/>
@@ -4271,12 +4702,72 @@
           <a:chExt cx="0" cy="0"/>
         </a:xfrm>
       </p:grpSpPr>
+      <p:sp useBgFill="1">
+        <p:nvSpPr>
+          <p:cNvPr id="38" name="Rectangle 37">
+            <a:extLst>
+              <a:ext uri="{FF2B5EF4-FFF2-40B4-BE49-F238E27FC236}">
+                <a16:creationId xmlns:a16="http://schemas.microsoft.com/office/drawing/2014/main" id="{ADA216DF-C268-4A25-A2DC-51E15F55003F}"/>
+              </a:ext>
+              <a:ext uri="{C183D7F6-B498-43B3-948B-1728B52AA6E4}">
+                <adec:decorative xmlns:adec="http://schemas.microsoft.com/office/drawing/2017/decorative" val="1"/>
+              </a:ext>
+            </a:extLst>
+          </p:cNvPr>
+          <p:cNvSpPr>
+            <a:spLocks noGrp="1" noRot="1" noChangeAspect="1" noMove="1" noResize="1" noEditPoints="1" noAdjustHandles="1" noChangeArrowheads="1" noChangeShapeType="1" noTextEdit="1"/>
+          </p:cNvSpPr>
+          <p:nvPr>
+            <p:extLst>
+              <p:ext uri="{386F3935-93C4-4BCD-93E2-E3B085C9AB24}">
+                <p16:designElem xmlns:p16="http://schemas.microsoft.com/office/powerpoint/2015/main" val="1"/>
+              </p:ext>
+            </p:extLst>
+          </p:nvPr>
+        </p:nvSpPr>
+        <p:spPr>
+          <a:xfrm>
+            <a:off x="0" y="0"/>
+            <a:ext cx="12188952" cy="6858000"/>
+          </a:xfrm>
+          <a:prstGeom prst="rect">
+            <a:avLst/>
+          </a:prstGeom>
+          <a:ln>
+            <a:noFill/>
+          </a:ln>
+        </p:spPr>
+        <p:style>
+          <a:lnRef idx="2">
+            <a:schemeClr val="accent1">
+              <a:shade val="50000"/>
+            </a:schemeClr>
+          </a:lnRef>
+          <a:fillRef idx="1">
+            <a:schemeClr val="accent1"/>
+          </a:fillRef>
+          <a:effectRef idx="0">
+            <a:schemeClr val="accent1"/>
+          </a:effectRef>
+          <a:fontRef idx="minor">
+            <a:schemeClr val="lt1"/>
+          </a:fontRef>
+        </p:style>
+        <p:txBody>
+          <a:bodyPr rtlCol="0" anchor="ctr"/>
+          <a:lstStyle/>
+          <a:p>
+            <a:pPr algn="ctr"/>
+            <a:endParaRPr lang="en-US"/>
+          </a:p>
+        </p:txBody>
+      </p:sp>
       <p:sp>
         <p:nvSpPr>
           <p:cNvPr id="4" name="CasellaDiTesto 3">
             <a:extLst>
               <a:ext uri="{FF2B5EF4-FFF2-40B4-BE49-F238E27FC236}">
-                <a16:creationId xmlns:a16="http://schemas.microsoft.com/office/drawing/2014/main" id="{12C4CCFC-5B67-474C-B902-6CC350199286}"/>
+                <a16:creationId xmlns:a16="http://schemas.microsoft.com/office/drawing/2014/main" id="{9A2A59B1-5B87-4485-8AB7-FB3CD168F83C}"/>
               </a:ext>
             </a:extLst>
           </p:cNvPr>
@@ -4285,8 +4776,538 @@
         </p:nvSpPr>
         <p:spPr>
           <a:xfrm>
-            <a:off x="6621261" y="5129582"/>
-            <a:ext cx="5140171" cy="923330"/>
+            <a:off x="638881" y="4474080"/>
+            <a:ext cx="10909640" cy="1065836"/>
+          </a:xfrm>
+          <a:prstGeom prst="rect">
+            <a:avLst/>
+          </a:prstGeom>
+        </p:spPr>
+        <p:txBody>
+          <a:bodyPr vert="horz" lIns="91440" tIns="45720" rIns="91440" bIns="45720" rtlCol="0" anchor="ctr">
+            <a:normAutofit/>
+          </a:bodyPr>
+          <a:lstStyle/>
+          <a:p>
+            <a:pPr algn="ctr">
+              <a:lnSpc>
+                <a:spcPct val="90000"/>
+              </a:lnSpc>
+              <a:spcBef>
+                <a:spcPct val="0"/>
+              </a:spcBef>
+              <a:spcAft>
+                <a:spcPts val="600"/>
+              </a:spcAft>
+            </a:pPr>
+            <a:r>
+              <a:rPr lang="en-US" sz="6600">
+                <a:latin typeface="+mj-lt"/>
+                <a:ea typeface="+mj-ea"/>
+                <a:cs typeface="+mj-cs"/>
+              </a:rPr>
+              <a:t>Features:</a:t>
+            </a:r>
+          </a:p>
+        </p:txBody>
+      </p:sp>
+      <p:pic>
+        <p:nvPicPr>
+          <p:cNvPr id="16" name="Immagine 15">
+            <a:extLst>
+              <a:ext uri="{FF2B5EF4-FFF2-40B4-BE49-F238E27FC236}">
+                <a16:creationId xmlns:a16="http://schemas.microsoft.com/office/drawing/2014/main" id="{39DE9E87-8B7D-4A08-9899-8B34BC108B88}"/>
+              </a:ext>
+            </a:extLst>
+          </p:cNvPr>
+          <p:cNvPicPr>
+            <a:picLocks noChangeAspect="1"/>
+          </p:cNvPicPr>
+          <p:nvPr/>
+        </p:nvPicPr>
+        <p:blipFill>
+          <a:blip r:embed="rId2">
+            <a:extLst>
+              <a:ext uri="{28A0092B-C50C-407E-A947-70E740481C1C}">
+                <a14:useLocalDpi xmlns:a14="http://schemas.microsoft.com/office/drawing/2010/main" val="0"/>
+              </a:ext>
+            </a:extLst>
+          </a:blip>
+          <a:stretch>
+            <a:fillRect/>
+          </a:stretch>
+        </p:blipFill>
+        <p:spPr>
+          <a:xfrm>
+            <a:off x="9321553" y="416051"/>
+            <a:ext cx="1940496" cy="1940496"/>
+          </a:xfrm>
+          <a:prstGeom prst="rect">
+            <a:avLst/>
+          </a:prstGeom>
+        </p:spPr>
+      </p:pic>
+      <p:pic>
+        <p:nvPicPr>
+          <p:cNvPr id="12" name="Immagine 11">
+            <a:extLst>
+              <a:ext uri="{FF2B5EF4-FFF2-40B4-BE49-F238E27FC236}">
+                <a16:creationId xmlns:a16="http://schemas.microsoft.com/office/drawing/2014/main" id="{C3997867-589B-4A69-AFE7-3B3A3E599441}"/>
+              </a:ext>
+            </a:extLst>
+          </p:cNvPr>
+          <p:cNvPicPr>
+            <a:picLocks noChangeAspect="1"/>
+          </p:cNvPicPr>
+          <p:nvPr/>
+        </p:nvPicPr>
+        <p:blipFill>
+          <a:blip r:embed="rId3">
+            <a:extLst>
+              <a:ext uri="{28A0092B-C50C-407E-A947-70E740481C1C}">
+                <a14:useLocalDpi xmlns:a14="http://schemas.microsoft.com/office/drawing/2010/main" val="0"/>
+              </a:ext>
+            </a:extLst>
+          </a:blip>
+          <a:stretch>
+            <a:fillRect/>
+          </a:stretch>
+        </p:blipFill>
+        <p:spPr>
+          <a:xfrm>
+            <a:off x="4876298" y="416051"/>
+            <a:ext cx="2250362" cy="2250362"/>
+          </a:xfrm>
+          <a:prstGeom prst="rect">
+            <a:avLst/>
+          </a:prstGeom>
+        </p:spPr>
+      </p:pic>
+      <p:pic>
+        <p:nvPicPr>
+          <p:cNvPr id="10" name="Immagine 9">
+            <a:extLst>
+              <a:ext uri="{FF2B5EF4-FFF2-40B4-BE49-F238E27FC236}">
+                <a16:creationId xmlns:a16="http://schemas.microsoft.com/office/drawing/2014/main" id="{92A22316-882D-4EF8-AF1A-FA7C44B2EBE6}"/>
+              </a:ext>
+            </a:extLst>
+          </p:cNvPr>
+          <p:cNvPicPr>
+            <a:picLocks noChangeAspect="1"/>
+          </p:cNvPicPr>
+          <p:nvPr/>
+        </p:nvPicPr>
+        <p:blipFill>
+          <a:blip r:embed="rId4">
+            <a:extLst>
+              <a:ext uri="{28A0092B-C50C-407E-A947-70E740481C1C}">
+                <a14:useLocalDpi xmlns:a14="http://schemas.microsoft.com/office/drawing/2010/main" val="0"/>
+              </a:ext>
+            </a:extLst>
+          </a:blip>
+          <a:stretch>
+            <a:fillRect/>
+          </a:stretch>
+        </p:blipFill>
+        <p:spPr>
+          <a:xfrm>
+            <a:off x="929951" y="301375"/>
+            <a:ext cx="2169847" cy="2169847"/>
+          </a:xfrm>
+          <a:prstGeom prst="rect">
+            <a:avLst/>
+          </a:prstGeom>
+        </p:spPr>
+      </p:pic>
+      <p:sp>
+        <p:nvSpPr>
+          <p:cNvPr id="40" name="sketch line">
+            <a:extLst>
+              <a:ext uri="{FF2B5EF4-FFF2-40B4-BE49-F238E27FC236}">
+                <a16:creationId xmlns:a16="http://schemas.microsoft.com/office/drawing/2014/main" id="{DE127D07-37F2-4FE3-9F47-F0CD6740D5D8}"/>
+              </a:ext>
+              <a:ext uri="{C183D7F6-B498-43B3-948B-1728B52AA6E4}">
+                <adec:decorative xmlns:adec="http://schemas.microsoft.com/office/drawing/2017/decorative" val="1"/>
+              </a:ext>
+            </a:extLst>
+          </p:cNvPr>
+          <p:cNvSpPr>
+            <a:spLocks noGrp="1" noRot="1" noChangeAspect="1" noMove="1" noResize="1" noEditPoints="1" noAdjustHandles="1" noChangeArrowheads="1" noChangeShapeType="1" noTextEdit="1"/>
+          </p:cNvSpPr>
+          <p:nvPr>
+            <p:extLst>
+              <p:ext uri="{386F3935-93C4-4BCD-93E2-E3B085C9AB24}">
+                <p16:designElem xmlns:p16="http://schemas.microsoft.com/office/powerpoint/2015/main" val="1"/>
+              </p:ext>
+            </p:extLst>
+          </p:nvPr>
+        </p:nvSpPr>
+        <p:spPr>
+          <a:xfrm>
+            <a:off x="3389376" y="5634765"/>
+            <a:ext cx="5410200" cy="18288"/>
+          </a:xfrm>
+          <a:custGeom>
+            <a:avLst/>
+            <a:gdLst>
+              <a:gd name="connsiteX0" fmla="*/ 0 w 5410200"/>
+              <a:gd name="connsiteY0" fmla="*/ 0 h 18288"/>
+              <a:gd name="connsiteX1" fmla="*/ 568071 w 5410200"/>
+              <a:gd name="connsiteY1" fmla="*/ 0 h 18288"/>
+              <a:gd name="connsiteX2" fmla="*/ 1298448 w 5410200"/>
+              <a:gd name="connsiteY2" fmla="*/ 0 h 18288"/>
+              <a:gd name="connsiteX3" fmla="*/ 1920621 w 5410200"/>
+              <a:gd name="connsiteY3" fmla="*/ 0 h 18288"/>
+              <a:gd name="connsiteX4" fmla="*/ 2488692 w 5410200"/>
+              <a:gd name="connsiteY4" fmla="*/ 0 h 18288"/>
+              <a:gd name="connsiteX5" fmla="*/ 3219069 w 5410200"/>
+              <a:gd name="connsiteY5" fmla="*/ 0 h 18288"/>
+              <a:gd name="connsiteX6" fmla="*/ 3895344 w 5410200"/>
+              <a:gd name="connsiteY6" fmla="*/ 0 h 18288"/>
+              <a:gd name="connsiteX7" fmla="*/ 4571619 w 5410200"/>
+              <a:gd name="connsiteY7" fmla="*/ 0 h 18288"/>
+              <a:gd name="connsiteX8" fmla="*/ 5410200 w 5410200"/>
+              <a:gd name="connsiteY8" fmla="*/ 0 h 18288"/>
+              <a:gd name="connsiteX9" fmla="*/ 5410200 w 5410200"/>
+              <a:gd name="connsiteY9" fmla="*/ 18288 h 18288"/>
+              <a:gd name="connsiteX10" fmla="*/ 4842129 w 5410200"/>
+              <a:gd name="connsiteY10" fmla="*/ 18288 h 18288"/>
+              <a:gd name="connsiteX11" fmla="*/ 4328160 w 5410200"/>
+              <a:gd name="connsiteY11" fmla="*/ 18288 h 18288"/>
+              <a:gd name="connsiteX12" fmla="*/ 3597783 w 5410200"/>
+              <a:gd name="connsiteY12" fmla="*/ 18288 h 18288"/>
+              <a:gd name="connsiteX13" fmla="*/ 3029712 w 5410200"/>
+              <a:gd name="connsiteY13" fmla="*/ 18288 h 18288"/>
+              <a:gd name="connsiteX14" fmla="*/ 2299335 w 5410200"/>
+              <a:gd name="connsiteY14" fmla="*/ 18288 h 18288"/>
+              <a:gd name="connsiteX15" fmla="*/ 1514856 w 5410200"/>
+              <a:gd name="connsiteY15" fmla="*/ 18288 h 18288"/>
+              <a:gd name="connsiteX16" fmla="*/ 892683 w 5410200"/>
+              <a:gd name="connsiteY16" fmla="*/ 18288 h 18288"/>
+              <a:gd name="connsiteX17" fmla="*/ 0 w 5410200"/>
+              <a:gd name="connsiteY17" fmla="*/ 18288 h 18288"/>
+              <a:gd name="connsiteX18" fmla="*/ 0 w 5410200"/>
+              <a:gd name="connsiteY18" fmla="*/ 0 h 18288"/>
+            </a:gdLst>
+            <a:ahLst/>
+            <a:cxnLst>
+              <a:cxn ang="0">
+                <a:pos x="connsiteX0" y="connsiteY0"/>
+              </a:cxn>
+              <a:cxn ang="0">
+                <a:pos x="connsiteX1" y="connsiteY1"/>
+              </a:cxn>
+              <a:cxn ang="0">
+                <a:pos x="connsiteX2" y="connsiteY2"/>
+              </a:cxn>
+              <a:cxn ang="0">
+                <a:pos x="connsiteX3" y="connsiteY3"/>
+              </a:cxn>
+              <a:cxn ang="0">
+                <a:pos x="connsiteX4" y="connsiteY4"/>
+              </a:cxn>
+              <a:cxn ang="0">
+                <a:pos x="connsiteX5" y="connsiteY5"/>
+              </a:cxn>
+              <a:cxn ang="0">
+                <a:pos x="connsiteX6" y="connsiteY6"/>
+              </a:cxn>
+              <a:cxn ang="0">
+                <a:pos x="connsiteX7" y="connsiteY7"/>
+              </a:cxn>
+              <a:cxn ang="0">
+                <a:pos x="connsiteX8" y="connsiteY8"/>
+              </a:cxn>
+              <a:cxn ang="0">
+                <a:pos x="connsiteX9" y="connsiteY9"/>
+              </a:cxn>
+              <a:cxn ang="0">
+                <a:pos x="connsiteX10" y="connsiteY10"/>
+              </a:cxn>
+              <a:cxn ang="0">
+                <a:pos x="connsiteX11" y="connsiteY11"/>
+              </a:cxn>
+              <a:cxn ang="0">
+                <a:pos x="connsiteX12" y="connsiteY12"/>
+              </a:cxn>
+              <a:cxn ang="0">
+                <a:pos x="connsiteX13" y="connsiteY13"/>
+              </a:cxn>
+              <a:cxn ang="0">
+                <a:pos x="connsiteX14" y="connsiteY14"/>
+              </a:cxn>
+              <a:cxn ang="0">
+                <a:pos x="connsiteX15" y="connsiteY15"/>
+              </a:cxn>
+              <a:cxn ang="0">
+                <a:pos x="connsiteX16" y="connsiteY16"/>
+              </a:cxn>
+              <a:cxn ang="0">
+                <a:pos x="connsiteX17" y="connsiteY17"/>
+              </a:cxn>
+              <a:cxn ang="0">
+                <a:pos x="connsiteX18" y="connsiteY18"/>
+              </a:cxn>
+            </a:cxnLst>
+            <a:rect l="l" t="t" r="r" b="b"/>
+            <a:pathLst>
+              <a:path w="5410200" h="18288" fill="none" extrusionOk="0">
+                <a:moveTo>
+                  <a:pt x="0" y="0"/>
+                </a:moveTo>
+                <a:cubicBezTo>
+                  <a:pt x="163050" y="-18707"/>
+                  <a:pt x="319321" y="-16364"/>
+                  <a:pt x="568071" y="0"/>
+                </a:cubicBezTo>
+                <a:cubicBezTo>
+                  <a:pt x="816821" y="16364"/>
+                  <a:pt x="1013224" y="-7268"/>
+                  <a:pt x="1298448" y="0"/>
+                </a:cubicBezTo>
+                <a:cubicBezTo>
+                  <a:pt x="1583672" y="7268"/>
+                  <a:pt x="1631711" y="-3367"/>
+                  <a:pt x="1920621" y="0"/>
+                </a:cubicBezTo>
+                <a:cubicBezTo>
+                  <a:pt x="2209531" y="3367"/>
+                  <a:pt x="2364420" y="-19184"/>
+                  <a:pt x="2488692" y="0"/>
+                </a:cubicBezTo>
+                <a:cubicBezTo>
+                  <a:pt x="2612964" y="19184"/>
+                  <a:pt x="3023298" y="-34627"/>
+                  <a:pt x="3219069" y="0"/>
+                </a:cubicBezTo>
+                <a:cubicBezTo>
+                  <a:pt x="3414840" y="34627"/>
+                  <a:pt x="3656810" y="24043"/>
+                  <a:pt x="3895344" y="0"/>
+                </a:cubicBezTo>
+                <a:cubicBezTo>
+                  <a:pt x="4133879" y="-24043"/>
+                  <a:pt x="4393984" y="-19577"/>
+                  <a:pt x="4571619" y="0"/>
+                </a:cubicBezTo>
+                <a:cubicBezTo>
+                  <a:pt x="4749255" y="19577"/>
+                  <a:pt x="5179928" y="-6281"/>
+                  <a:pt x="5410200" y="0"/>
+                </a:cubicBezTo>
+                <a:cubicBezTo>
+                  <a:pt x="5410730" y="6954"/>
+                  <a:pt x="5410934" y="12839"/>
+                  <a:pt x="5410200" y="18288"/>
+                </a:cubicBezTo>
+                <a:cubicBezTo>
+                  <a:pt x="5139060" y="6751"/>
+                  <a:pt x="5121593" y="31035"/>
+                  <a:pt x="4842129" y="18288"/>
+                </a:cubicBezTo>
+                <a:cubicBezTo>
+                  <a:pt x="4562665" y="5541"/>
+                  <a:pt x="4448273" y="9487"/>
+                  <a:pt x="4328160" y="18288"/>
+                </a:cubicBezTo>
+                <a:cubicBezTo>
+                  <a:pt x="4208047" y="27089"/>
+                  <a:pt x="3760936" y="22567"/>
+                  <a:pt x="3597783" y="18288"/>
+                </a:cubicBezTo>
+                <a:cubicBezTo>
+                  <a:pt x="3434630" y="14009"/>
+                  <a:pt x="3299718" y="33213"/>
+                  <a:pt x="3029712" y="18288"/>
+                </a:cubicBezTo>
+                <a:cubicBezTo>
+                  <a:pt x="2759706" y="3363"/>
+                  <a:pt x="2640159" y="27394"/>
+                  <a:pt x="2299335" y="18288"/>
+                </a:cubicBezTo>
+                <a:cubicBezTo>
+                  <a:pt x="1958511" y="9182"/>
+                  <a:pt x="1801186" y="28985"/>
+                  <a:pt x="1514856" y="18288"/>
+                </a:cubicBezTo>
+                <a:cubicBezTo>
+                  <a:pt x="1228526" y="7591"/>
+                  <a:pt x="1063509" y="-5305"/>
+                  <a:pt x="892683" y="18288"/>
+                </a:cubicBezTo>
+                <a:cubicBezTo>
+                  <a:pt x="721857" y="41881"/>
+                  <a:pt x="186945" y="-20897"/>
+                  <a:pt x="0" y="18288"/>
+                </a:cubicBezTo>
+                <a:cubicBezTo>
+                  <a:pt x="-570" y="9279"/>
+                  <a:pt x="132" y="5100"/>
+                  <a:pt x="0" y="0"/>
+                </a:cubicBezTo>
+                <a:close/>
+              </a:path>
+              <a:path w="5410200" h="18288" stroke="0" extrusionOk="0">
+                <a:moveTo>
+                  <a:pt x="0" y="0"/>
+                </a:moveTo>
+                <a:cubicBezTo>
+                  <a:pt x="285096" y="-4925"/>
+                  <a:pt x="376456" y="22268"/>
+                  <a:pt x="622173" y="0"/>
+                </a:cubicBezTo>
+                <a:cubicBezTo>
+                  <a:pt x="867890" y="-22268"/>
+                  <a:pt x="1031392" y="7228"/>
+                  <a:pt x="1136142" y="0"/>
+                </a:cubicBezTo>
+                <a:cubicBezTo>
+                  <a:pt x="1240892" y="-7228"/>
+                  <a:pt x="1561853" y="9877"/>
+                  <a:pt x="1920621" y="0"/>
+                </a:cubicBezTo>
+                <a:cubicBezTo>
+                  <a:pt x="2279389" y="-9877"/>
+                  <a:pt x="2367255" y="19546"/>
+                  <a:pt x="2542794" y="0"/>
+                </a:cubicBezTo>
+                <a:cubicBezTo>
+                  <a:pt x="2718333" y="-19546"/>
+                  <a:pt x="2866732" y="-22226"/>
+                  <a:pt x="3164967" y="0"/>
+                </a:cubicBezTo>
+                <a:cubicBezTo>
+                  <a:pt x="3463202" y="22226"/>
+                  <a:pt x="3568055" y="-2765"/>
+                  <a:pt x="3949446" y="0"/>
+                </a:cubicBezTo>
+                <a:cubicBezTo>
+                  <a:pt x="4330837" y="2765"/>
+                  <a:pt x="4287895" y="10557"/>
+                  <a:pt x="4517517" y="0"/>
+                </a:cubicBezTo>
+                <a:cubicBezTo>
+                  <a:pt x="4747139" y="-10557"/>
+                  <a:pt x="5149588" y="8716"/>
+                  <a:pt x="5410200" y="0"/>
+                </a:cubicBezTo>
+                <a:cubicBezTo>
+                  <a:pt x="5409517" y="5414"/>
+                  <a:pt x="5409480" y="12510"/>
+                  <a:pt x="5410200" y="18288"/>
+                </a:cubicBezTo>
+                <a:cubicBezTo>
+                  <a:pt x="5163327" y="41494"/>
+                  <a:pt x="5008749" y="10693"/>
+                  <a:pt x="4842129" y="18288"/>
+                </a:cubicBezTo>
+                <a:cubicBezTo>
+                  <a:pt x="4675509" y="25883"/>
+                  <a:pt x="4433401" y="-615"/>
+                  <a:pt x="4165854" y="18288"/>
+                </a:cubicBezTo>
+                <a:cubicBezTo>
+                  <a:pt x="3898308" y="37191"/>
+                  <a:pt x="3809032" y="-8710"/>
+                  <a:pt x="3543681" y="18288"/>
+                </a:cubicBezTo>
+                <a:cubicBezTo>
+                  <a:pt x="3278330" y="45286"/>
+                  <a:pt x="3073876" y="-15917"/>
+                  <a:pt x="2759202" y="18288"/>
+                </a:cubicBezTo>
+                <a:cubicBezTo>
+                  <a:pt x="2444528" y="52493"/>
+                  <a:pt x="2204144" y="3372"/>
+                  <a:pt x="1974723" y="18288"/>
+                </a:cubicBezTo>
+                <a:cubicBezTo>
+                  <a:pt x="1745302" y="33204"/>
+                  <a:pt x="1602335" y="31490"/>
+                  <a:pt x="1406652" y="18288"/>
+                </a:cubicBezTo>
+                <a:cubicBezTo>
+                  <a:pt x="1210969" y="5086"/>
+                  <a:pt x="923948" y="3161"/>
+                  <a:pt x="730377" y="18288"/>
+                </a:cubicBezTo>
+                <a:cubicBezTo>
+                  <a:pt x="536806" y="33415"/>
+                  <a:pt x="336496" y="-141"/>
+                  <a:pt x="0" y="18288"/>
+                </a:cubicBezTo>
+                <a:cubicBezTo>
+                  <a:pt x="-306" y="11061"/>
+                  <a:pt x="-655" y="7751"/>
+                  <a:pt x="0" y="0"/>
+                </a:cubicBezTo>
+                <a:close/>
+              </a:path>
+            </a:pathLst>
+          </a:custGeom>
+          <a:solidFill>
+            <a:schemeClr val="accent2"/>
+          </a:solidFill>
+          <a:ln w="41275" cap="rnd">
+            <a:solidFill>
+              <a:schemeClr val="accent2"/>
+            </a:solidFill>
+            <a:round/>
+            <a:extLst>
+              <a:ext uri="{C807C97D-BFC1-408E-A445-0C87EB9F89A2}">
+                <ask:lineSketchStyleProps xmlns:ask="http://schemas.microsoft.com/office/drawing/2018/sketchyshapes" sd="1219033472">
+                  <a:prstGeom prst="rect">
+                    <a:avLst/>
+                  </a:prstGeom>
+                  <ask:type>
+                    <ask:lineSketchFreehand/>
+                  </ask:type>
+                </ask:lineSketchStyleProps>
+              </a:ext>
+            </a:extLst>
+          </a:ln>
+        </p:spPr>
+        <p:style>
+          <a:lnRef idx="2">
+            <a:schemeClr val="accent1">
+              <a:shade val="50000"/>
+            </a:schemeClr>
+          </a:lnRef>
+          <a:fillRef idx="1">
+            <a:schemeClr val="accent1"/>
+          </a:fillRef>
+          <a:effectRef idx="0">
+            <a:schemeClr val="accent1"/>
+          </a:effectRef>
+          <a:fontRef idx="minor">
+            <a:schemeClr val="lt1"/>
+          </a:fontRef>
+        </p:style>
+        <p:txBody>
+          <a:bodyPr rtlCol="0" anchor="ctr"/>
+          <a:lstStyle/>
+          <a:p>
+            <a:pPr algn="ctr"/>
+            <a:endParaRPr lang="en-US"/>
+          </a:p>
+        </p:txBody>
+      </p:sp>
+      <p:sp>
+        <p:nvSpPr>
+          <p:cNvPr id="29" name="CasellaDiTesto 28">
+            <a:extLst>
+              <a:ext uri="{FF2B5EF4-FFF2-40B4-BE49-F238E27FC236}">
+                <a16:creationId xmlns:a16="http://schemas.microsoft.com/office/drawing/2014/main" id="{A5E072DF-A256-4791-9876-4E6783F92B2E}"/>
+              </a:ext>
+            </a:extLst>
+          </p:cNvPr>
+          <p:cNvSpPr txBox="1"/>
+          <p:nvPr/>
+        </p:nvSpPr>
+        <p:spPr>
+          <a:xfrm>
+            <a:off x="650278" y="2595156"/>
+            <a:ext cx="2771948" cy="646331"/>
           </a:xfrm>
           <a:prstGeom prst="rect">
             <a:avLst/>
@@ -4300,65 +5321,19 @@
           <a:lstStyle/>
           <a:p>
             <a:r>
-              <a:rPr lang="en-US" dirty="0"/>
-              <a:t>Why flutter -&gt; package </a:t>
-            </a:r>
-            <a:r>
-              <a:rPr lang="en-US" dirty="0" err="1"/>
-              <a:t>già</a:t>
-            </a:r>
-            <a:r>
-              <a:rPr lang="en-US" dirty="0"/>
-              <a:t> </a:t>
-            </a:r>
-            <a:r>
-              <a:rPr lang="en-US" dirty="0" err="1"/>
-              <a:t>fatti</a:t>
-            </a:r>
-            <a:r>
-              <a:rPr lang="en-US" dirty="0"/>
-              <a:t> e multi </a:t>
-            </a:r>
-            <a:r>
-              <a:rPr lang="en-US" dirty="0" err="1"/>
-              <a:t>piattaforma</a:t>
+              <a:rPr lang="en-GB" dirty="0"/>
+              <a:t>Enter and edit data during the day</a:t>
             </a:r>
             <a:endParaRPr lang="en-US" dirty="0"/>
           </a:p>
-          <a:p>
-            <a:endParaRPr lang="en-US" dirty="0"/>
-          </a:p>
-          <a:p>
-            <a:r>
-              <a:rPr lang="en-US" dirty="0" err="1"/>
-              <a:t>Architettura</a:t>
-            </a:r>
-            <a:r>
-              <a:rPr lang="en-US" dirty="0"/>
-              <a:t> / </a:t>
-            </a:r>
-            <a:r>
-              <a:rPr lang="en-US" dirty="0" err="1"/>
-              <a:t>servizi</a:t>
-            </a:r>
-            <a:r>
-              <a:rPr lang="en-US" dirty="0"/>
-              <a:t> </a:t>
-            </a:r>
-            <a:r>
-              <a:rPr lang="en-US" dirty="0" err="1"/>
-              <a:t>esterni</a:t>
-            </a:r>
-            <a:endParaRPr lang="en-US" dirty="0"/>
-          </a:p>
-        </p:txBody>
-      </p:sp>
-      <p:sp>
-        <p:nvSpPr>
-          <p:cNvPr id="5" name="CasellaDiTesto 4">
-            <a:extLst>
-              <a:ext uri="{FF2B5EF4-FFF2-40B4-BE49-F238E27FC236}">
-                <a16:creationId xmlns:a16="http://schemas.microsoft.com/office/drawing/2014/main" id="{0542B91D-0C2F-4AAC-9356-1071A20A818F}"/>
+        </p:txBody>
+      </p:sp>
+      <p:sp>
+        <p:nvSpPr>
+          <p:cNvPr id="32" name="CasellaDiTesto 31">
+            <a:extLst>
+              <a:ext uri="{FF2B5EF4-FFF2-40B4-BE49-F238E27FC236}">
+                <a16:creationId xmlns:a16="http://schemas.microsoft.com/office/drawing/2014/main" id="{BCAE7D5A-6E19-4D03-B791-5766BC8840FA}"/>
               </a:ext>
             </a:extLst>
           </p:cNvPr>
@@ -4367,8 +5342,8 @@
         </p:nvSpPr>
         <p:spPr>
           <a:xfrm>
-            <a:off x="2539014" y="658738"/>
-            <a:ext cx="2204621" cy="369332"/>
+            <a:off x="4561716" y="2815527"/>
+            <a:ext cx="3063969" cy="369332"/>
           </a:xfrm>
           <a:prstGeom prst="rect">
             <a:avLst/>
@@ -4376,24 +5351,24 @@
           <a:noFill/>
         </p:spPr>
         <p:txBody>
-          <a:bodyPr wrap="square" rtlCol="0">
+          <a:bodyPr wrap="square">
             <a:spAutoFit/>
           </a:bodyPr>
           <a:lstStyle/>
           <a:p>
             <a:r>
               <a:rPr lang="en-US" dirty="0"/>
-              <a:t>Two tier architecture</a:t>
-            </a:r>
-          </a:p>
-        </p:txBody>
-      </p:sp>
-      <p:sp>
-        <p:nvSpPr>
-          <p:cNvPr id="6" name="CasellaDiTesto 5">
-            <a:extLst>
-              <a:ext uri="{FF2B5EF4-FFF2-40B4-BE49-F238E27FC236}">
-                <a16:creationId xmlns:a16="http://schemas.microsoft.com/office/drawing/2014/main" id="{DD4BAD20-5C09-4DD3-B36B-2D963C68F1DE}"/>
+              <a:t>Analyze data using graphs</a:t>
+            </a:r>
+          </a:p>
+        </p:txBody>
+      </p:sp>
+      <p:sp>
+        <p:nvSpPr>
+          <p:cNvPr id="34" name="CasellaDiTesto 33">
+            <a:extLst>
+              <a:ext uri="{FF2B5EF4-FFF2-40B4-BE49-F238E27FC236}">
+                <a16:creationId xmlns:a16="http://schemas.microsoft.com/office/drawing/2014/main" id="{334DBDB0-B976-4DE0-A68C-D8FEEC78E4FE}"/>
               </a:ext>
             </a:extLst>
           </p:cNvPr>
@@ -4402,8 +5377,8 @@
         </p:nvSpPr>
         <p:spPr>
           <a:xfrm>
-            <a:off x="1695637" y="1612203"/>
-            <a:ext cx="958788" cy="369332"/>
+            <a:off x="9079757" y="2497642"/>
+            <a:ext cx="2607815" cy="646331"/>
           </a:xfrm>
           <a:prstGeom prst="rect">
             <a:avLst/>
@@ -4411,268 +5386,14 @@
           <a:noFill/>
         </p:spPr>
         <p:txBody>
-          <a:bodyPr wrap="square" rtlCol="0">
+          <a:bodyPr wrap="square">
             <a:spAutoFit/>
           </a:bodyPr>
           <a:lstStyle/>
           <a:p>
             <a:r>
               <a:rPr lang="en-US" dirty="0"/>
-              <a:t>Mobile</a:t>
-            </a:r>
-          </a:p>
-        </p:txBody>
-      </p:sp>
-      <p:sp>
-        <p:nvSpPr>
-          <p:cNvPr id="7" name="CasellaDiTesto 6">
-            <a:extLst>
-              <a:ext uri="{FF2B5EF4-FFF2-40B4-BE49-F238E27FC236}">
-                <a16:creationId xmlns:a16="http://schemas.microsoft.com/office/drawing/2014/main" id="{7BF00D5C-8F96-4FA5-A1E7-EDBEE7743498}"/>
-              </a:ext>
-            </a:extLst>
-          </p:cNvPr>
-          <p:cNvSpPr txBox="1"/>
-          <p:nvPr/>
-        </p:nvSpPr>
-        <p:spPr>
-          <a:xfrm>
-            <a:off x="4102963" y="1612203"/>
-            <a:ext cx="1677879" cy="369332"/>
-          </a:xfrm>
-          <a:prstGeom prst="rect">
-            <a:avLst/>
-          </a:prstGeom>
-          <a:noFill/>
-        </p:spPr>
-        <p:txBody>
-          <a:bodyPr wrap="square" rtlCol="0">
-            <a:spAutoFit/>
-          </a:bodyPr>
-          <a:lstStyle/>
-          <a:p>
-            <a:r>
-              <a:rPr lang="en-US" dirty="0"/>
-              <a:t>Database</a:t>
-            </a:r>
-          </a:p>
-        </p:txBody>
-      </p:sp>
-      <p:sp>
-        <p:nvSpPr>
-          <p:cNvPr id="8" name="CasellaDiTesto 7">
-            <a:extLst>
-              <a:ext uri="{FF2B5EF4-FFF2-40B4-BE49-F238E27FC236}">
-                <a16:creationId xmlns:a16="http://schemas.microsoft.com/office/drawing/2014/main" id="{EF59D562-0DF0-4BCE-A9AA-372BC4C15DED}"/>
-              </a:ext>
-            </a:extLst>
-          </p:cNvPr>
-          <p:cNvSpPr txBox="1"/>
-          <p:nvPr/>
-        </p:nvSpPr>
-        <p:spPr>
-          <a:xfrm>
-            <a:off x="639192" y="2760955"/>
-            <a:ext cx="2911876" cy="923330"/>
-          </a:xfrm>
-          <a:prstGeom prst="rect">
-            <a:avLst/>
-          </a:prstGeom>
-          <a:noFill/>
-        </p:spPr>
-        <p:txBody>
-          <a:bodyPr wrap="square" rtlCol="0">
-            <a:spAutoFit/>
-          </a:bodyPr>
-          <a:lstStyle/>
-          <a:p>
-            <a:r>
-              <a:rPr lang="en-US" dirty="0" err="1"/>
-              <a:t>Realizzata</a:t>
-            </a:r>
-            <a:r>
-              <a:rPr lang="en-US" dirty="0"/>
-              <a:t> in flutter con widget </a:t>
-            </a:r>
-            <a:r>
-              <a:rPr lang="en-US" dirty="0" err="1"/>
-              <a:t>personalizzabili</a:t>
-            </a:r>
-            <a:r>
-              <a:rPr lang="en-US" dirty="0"/>
-              <a:t>, </a:t>
-            </a:r>
-            <a:r>
-              <a:rPr lang="en-US" dirty="0" err="1"/>
-              <a:t>multipiattaforma</a:t>
-            </a:r>
-            <a:r>
-              <a:rPr lang="en-US" dirty="0"/>
-              <a:t> </a:t>
-            </a:r>
-          </a:p>
-        </p:txBody>
-      </p:sp>
-      <p:sp>
-        <p:nvSpPr>
-          <p:cNvPr id="9" name="CasellaDiTesto 8">
-            <a:extLst>
-              <a:ext uri="{FF2B5EF4-FFF2-40B4-BE49-F238E27FC236}">
-                <a16:creationId xmlns:a16="http://schemas.microsoft.com/office/drawing/2014/main" id="{EB29AFE8-FBB3-4B60-90C7-00AB96312E21}"/>
-              </a:ext>
-            </a:extLst>
-          </p:cNvPr>
-          <p:cNvSpPr txBox="1"/>
-          <p:nvPr/>
-        </p:nvSpPr>
-        <p:spPr>
-          <a:xfrm>
-            <a:off x="639192" y="4206252"/>
-            <a:ext cx="2166151" cy="923330"/>
-          </a:xfrm>
-          <a:prstGeom prst="rect">
-            <a:avLst/>
-          </a:prstGeom>
-          <a:noFill/>
-        </p:spPr>
-        <p:txBody>
-          <a:bodyPr wrap="square" rtlCol="0">
-            <a:spAutoFit/>
-          </a:bodyPr>
-          <a:lstStyle/>
-          <a:p>
-            <a:r>
-              <a:rPr lang="en-US" dirty="0" err="1"/>
-              <a:t>Gestione</a:t>
-            </a:r>
-            <a:r>
-              <a:rPr lang="en-US" dirty="0"/>
-              <a:t> </a:t>
-            </a:r>
-            <a:r>
-              <a:rPr lang="en-US" dirty="0" err="1"/>
-              <a:t>dello</a:t>
-            </a:r>
-            <a:r>
-              <a:rPr lang="en-US" dirty="0"/>
-              <a:t> </a:t>
-            </a:r>
-            <a:r>
-              <a:rPr lang="en-US" dirty="0" err="1"/>
-              <a:t>stato</a:t>
-            </a:r>
-            <a:r>
-              <a:rPr lang="en-US" dirty="0"/>
-              <a:t> in modo </a:t>
-            </a:r>
-            <a:r>
-              <a:rPr lang="en-US" dirty="0" err="1"/>
-              <a:t>dinamico</a:t>
-            </a:r>
-            <a:r>
-              <a:rPr lang="en-US" dirty="0"/>
-              <a:t> </a:t>
-            </a:r>
-            <a:r>
-              <a:rPr lang="en-US" dirty="0" err="1"/>
-              <a:t>tramite</a:t>
-            </a:r>
-            <a:r>
-              <a:rPr lang="en-US" dirty="0"/>
-              <a:t> </a:t>
-            </a:r>
-            <a:r>
-              <a:rPr lang="en-US" dirty="0" err="1"/>
-              <a:t>MobX</a:t>
-            </a:r>
-            <a:endParaRPr lang="en-US" dirty="0"/>
-          </a:p>
-        </p:txBody>
-      </p:sp>
-      <p:sp>
-        <p:nvSpPr>
-          <p:cNvPr id="10" name="CasellaDiTesto 9">
-            <a:extLst>
-              <a:ext uri="{FF2B5EF4-FFF2-40B4-BE49-F238E27FC236}">
-                <a16:creationId xmlns:a16="http://schemas.microsoft.com/office/drawing/2014/main" id="{1CBE7FB3-D2AC-42F1-84C3-D281D64E226A}"/>
-              </a:ext>
-            </a:extLst>
-          </p:cNvPr>
-          <p:cNvSpPr txBox="1"/>
-          <p:nvPr/>
-        </p:nvSpPr>
-        <p:spPr>
-          <a:xfrm>
-            <a:off x="3778927" y="2690336"/>
-            <a:ext cx="2166151" cy="1754326"/>
-          </a:xfrm>
-          <a:prstGeom prst="rect">
-            <a:avLst/>
-          </a:prstGeom>
-          <a:noFill/>
-        </p:spPr>
-        <p:txBody>
-          <a:bodyPr wrap="square" rtlCol="0">
-            <a:spAutoFit/>
-          </a:bodyPr>
-          <a:lstStyle/>
-          <a:p>
-            <a:r>
-              <a:rPr lang="en-US" dirty="0"/>
-              <a:t>Main database hosted by Firebase.</a:t>
-            </a:r>
-          </a:p>
-          <a:p>
-            <a:r>
-              <a:rPr lang="en-US" dirty="0"/>
-              <a:t>No-</a:t>
-            </a:r>
-            <a:r>
-              <a:rPr lang="en-US" dirty="0" err="1"/>
-              <a:t>sql</a:t>
-            </a:r>
-            <a:r>
-              <a:rPr lang="en-US" dirty="0"/>
-              <a:t> read e write, google security e google authentication</a:t>
-            </a:r>
-          </a:p>
-        </p:txBody>
-      </p:sp>
-      <p:sp>
-        <p:nvSpPr>
-          <p:cNvPr id="12" name="CasellaDiTesto 11">
-            <a:extLst>
-              <a:ext uri="{FF2B5EF4-FFF2-40B4-BE49-F238E27FC236}">
-                <a16:creationId xmlns:a16="http://schemas.microsoft.com/office/drawing/2014/main" id="{24FB0BFE-5255-4ECF-B8A2-8BD050BAC381}"/>
-              </a:ext>
-            </a:extLst>
-          </p:cNvPr>
-          <p:cNvSpPr txBox="1"/>
-          <p:nvPr/>
-        </p:nvSpPr>
-        <p:spPr>
-          <a:xfrm>
-            <a:off x="6621261" y="1929959"/>
-            <a:ext cx="2166151" cy="1477328"/>
-          </a:xfrm>
-          <a:prstGeom prst="rect">
-            <a:avLst/>
-          </a:prstGeom>
-          <a:noFill/>
-        </p:spPr>
-        <p:txBody>
-          <a:bodyPr wrap="square" rtlCol="0">
-            <a:spAutoFit/>
-          </a:bodyPr>
-          <a:lstStyle/>
-          <a:p>
-            <a:r>
-              <a:rPr lang="en-US" dirty="0" err="1"/>
-              <a:t>Openfoodfacts</a:t>
-            </a:r>
-            <a:r>
-              <a:rPr lang="en-US" dirty="0"/>
-              <a:t> open-database for searching query about global product with json response</a:t>
+              <a:t>Add and view medical treatment effectiveness</a:t>
             </a:r>
           </a:p>
         </p:txBody>
@@ -4680,7 +5401,7 @@
     </p:spTree>
     <p:extLst>
       <p:ext uri="{BB962C8B-B14F-4D97-AF65-F5344CB8AC3E}">
-        <p14:creationId xmlns:p14="http://schemas.microsoft.com/office/powerpoint/2010/main" val="4177577823"/>
+        <p14:creationId xmlns:p14="http://schemas.microsoft.com/office/powerpoint/2010/main" val="3300878468"/>
       </p:ext>
     </p:extLst>
   </p:cSld>
@@ -4707,663 +5428,10 @@
           <a:chExt cx="0" cy="0"/>
         </a:xfrm>
       </p:grpSpPr>
-      <p:sp>
-        <p:nvSpPr>
-          <p:cNvPr id="4" name="CasellaDiTesto 3">
-            <a:extLst>
-              <a:ext uri="{FF2B5EF4-FFF2-40B4-BE49-F238E27FC236}">
-                <a16:creationId xmlns:a16="http://schemas.microsoft.com/office/drawing/2014/main" id="{FC9C0C2D-08D8-4D63-8CD5-50E2460CF74F}"/>
-              </a:ext>
-            </a:extLst>
-          </p:cNvPr>
-          <p:cNvSpPr txBox="1"/>
-          <p:nvPr/>
-        </p:nvSpPr>
-        <p:spPr>
-          <a:xfrm>
-            <a:off x="9462116" y="4015369"/>
-            <a:ext cx="2586361" cy="2862322"/>
-          </a:xfrm>
-          <a:prstGeom prst="rect">
-            <a:avLst/>
-          </a:prstGeom>
-          <a:noFill/>
-        </p:spPr>
-        <p:txBody>
-          <a:bodyPr wrap="square" rtlCol="0">
-            <a:spAutoFit/>
-          </a:bodyPr>
-          <a:lstStyle/>
-          <a:p>
-            <a:r>
-              <a:rPr lang="en-US" dirty="0"/>
-              <a:t>Package </a:t>
-            </a:r>
-            <a:r>
-              <a:rPr lang="en-US" dirty="0" err="1"/>
-              <a:t>principali</a:t>
-            </a:r>
-            <a:endParaRPr lang="en-US" dirty="0"/>
-          </a:p>
-          <a:p>
-            <a:endParaRPr lang="en-US" dirty="0"/>
-          </a:p>
-          <a:p>
-            <a:r>
-              <a:rPr lang="en-US" dirty="0" err="1"/>
-              <a:t>Mobx</a:t>
-            </a:r>
-            <a:endParaRPr lang="en-US" dirty="0"/>
-          </a:p>
-          <a:p>
-            <a:endParaRPr lang="en-US" dirty="0"/>
-          </a:p>
-          <a:p>
-            <a:r>
-              <a:rPr lang="en-US" dirty="0"/>
-              <a:t>Firebase</a:t>
-            </a:r>
-          </a:p>
-          <a:p>
-            <a:endParaRPr lang="en-US" dirty="0"/>
-          </a:p>
-          <a:p>
-            <a:r>
-              <a:rPr lang="en-US" dirty="0" err="1"/>
-              <a:t>OpenFoodFacts</a:t>
-            </a:r>
-            <a:endParaRPr lang="en-US" dirty="0"/>
-          </a:p>
-          <a:p>
-            <a:endParaRPr lang="en-US" dirty="0"/>
-          </a:p>
-          <a:p>
-            <a:r>
-              <a:rPr lang="en-US" dirty="0"/>
-              <a:t>E </a:t>
-            </a:r>
-            <a:r>
-              <a:rPr lang="en-US" dirty="0" err="1"/>
-              <a:t>molti</a:t>
-            </a:r>
-            <a:r>
-              <a:rPr lang="en-US" dirty="0"/>
-              <a:t> </a:t>
-            </a:r>
-            <a:r>
-              <a:rPr lang="en-US" dirty="0" err="1"/>
-              <a:t>altri</a:t>
-            </a:r>
-            <a:r>
-              <a:rPr lang="en-US" dirty="0"/>
-              <a:t>!!!</a:t>
-            </a:r>
-          </a:p>
-          <a:p>
-            <a:endParaRPr lang="en-US" dirty="0"/>
-          </a:p>
-        </p:txBody>
-      </p:sp>
-      <p:sp>
-        <p:nvSpPr>
-          <p:cNvPr id="5" name="CasellaDiTesto 4">
-            <a:extLst>
-              <a:ext uri="{FF2B5EF4-FFF2-40B4-BE49-F238E27FC236}">
-                <a16:creationId xmlns:a16="http://schemas.microsoft.com/office/drawing/2014/main" id="{4AA6C257-34E9-4C73-9933-3097D150BCB9}"/>
-              </a:ext>
-            </a:extLst>
-          </p:cNvPr>
-          <p:cNvSpPr txBox="1"/>
-          <p:nvPr/>
-        </p:nvSpPr>
-        <p:spPr>
-          <a:xfrm>
-            <a:off x="4678532" y="124287"/>
-            <a:ext cx="2183907" cy="369332"/>
-          </a:xfrm>
-          <a:prstGeom prst="rect">
-            <a:avLst/>
-          </a:prstGeom>
-          <a:noFill/>
-        </p:spPr>
-        <p:txBody>
-          <a:bodyPr wrap="square" rtlCol="0">
-            <a:spAutoFit/>
-          </a:bodyPr>
-          <a:lstStyle/>
-          <a:p>
-            <a:r>
-              <a:rPr lang="en-US" dirty="0"/>
-              <a:t>Package </a:t>
-            </a:r>
-            <a:r>
-              <a:rPr lang="en-US" dirty="0" err="1"/>
-              <a:t>usati</a:t>
-            </a:r>
-            <a:endParaRPr lang="en-US" dirty="0"/>
-          </a:p>
-        </p:txBody>
-      </p:sp>
-      <p:sp>
-        <p:nvSpPr>
-          <p:cNvPr id="6" name="CasellaDiTesto 5">
-            <a:extLst>
-              <a:ext uri="{FF2B5EF4-FFF2-40B4-BE49-F238E27FC236}">
-                <a16:creationId xmlns:a16="http://schemas.microsoft.com/office/drawing/2014/main" id="{2BB80F56-B378-4D47-92C6-337963DC6D2C}"/>
-              </a:ext>
-            </a:extLst>
-          </p:cNvPr>
-          <p:cNvSpPr txBox="1"/>
-          <p:nvPr/>
-        </p:nvSpPr>
-        <p:spPr>
-          <a:xfrm>
-            <a:off x="488272" y="1091954"/>
-            <a:ext cx="2991775" cy="3693319"/>
-          </a:xfrm>
-          <a:prstGeom prst="rect">
-            <a:avLst/>
-          </a:prstGeom>
-          <a:noFill/>
-        </p:spPr>
-        <p:txBody>
-          <a:bodyPr wrap="square" rtlCol="0">
-            <a:spAutoFit/>
-          </a:bodyPr>
-          <a:lstStyle/>
-          <a:p>
-            <a:r>
-              <a:rPr lang="en-US" dirty="0" err="1"/>
-              <a:t>Mobx+provider</a:t>
-            </a:r>
-            <a:r>
-              <a:rPr lang="en-US" dirty="0"/>
-              <a:t>: </a:t>
-            </a:r>
-          </a:p>
-          <a:p>
-            <a:br>
-              <a:rPr lang="en-US" dirty="0"/>
-            </a:br>
-            <a:r>
-              <a:rPr lang="en-US" dirty="0"/>
-              <a:t>State management. </a:t>
-            </a:r>
-            <a:r>
-              <a:rPr lang="en-US" dirty="0" err="1"/>
-              <a:t>Tramite</a:t>
-            </a:r>
-            <a:r>
-              <a:rPr lang="en-US" dirty="0"/>
-              <a:t> il </a:t>
-            </a:r>
-            <a:r>
-              <a:rPr lang="en-US" dirty="0" err="1"/>
-              <a:t>concetto</a:t>
-            </a:r>
-            <a:r>
-              <a:rPr lang="en-US" dirty="0"/>
-              <a:t> di </a:t>
-            </a:r>
-            <a:r>
-              <a:rPr lang="en-US" dirty="0" err="1"/>
-              <a:t>dati</a:t>
-            </a:r>
-            <a:r>
-              <a:rPr lang="en-US" dirty="0"/>
-              <a:t> </a:t>
-            </a:r>
-            <a:r>
-              <a:rPr lang="en-US" dirty="0" err="1"/>
-              <a:t>osservabili</a:t>
-            </a:r>
-            <a:r>
-              <a:rPr lang="en-US" dirty="0"/>
-              <a:t>, </a:t>
-            </a:r>
-            <a:r>
-              <a:rPr lang="en-US" dirty="0" err="1"/>
-              <a:t>azioni</a:t>
-            </a:r>
-            <a:r>
-              <a:rPr lang="en-US" dirty="0"/>
-              <a:t> e </a:t>
-            </a:r>
-            <a:r>
-              <a:rPr lang="en-US" dirty="0" err="1"/>
-              <a:t>reazioni</a:t>
-            </a:r>
-            <a:r>
-              <a:rPr lang="en-US" dirty="0"/>
-              <a:t>.</a:t>
-            </a:r>
-          </a:p>
-          <a:p>
-            <a:br>
-              <a:rPr lang="en-US" dirty="0"/>
-            </a:br>
-            <a:r>
-              <a:rPr lang="en-US" dirty="0" err="1"/>
-              <a:t>Permette</a:t>
-            </a:r>
-            <a:r>
-              <a:rPr lang="en-US" dirty="0"/>
-              <a:t> di </a:t>
-            </a:r>
-            <a:r>
-              <a:rPr lang="en-US" dirty="0" err="1"/>
-              <a:t>visualizzare</a:t>
-            </a:r>
-            <a:r>
-              <a:rPr lang="en-US" dirty="0"/>
-              <a:t> le </a:t>
-            </a:r>
-            <a:r>
-              <a:rPr lang="en-US" dirty="0" err="1"/>
-              <a:t>modifiche</a:t>
-            </a:r>
-            <a:r>
-              <a:rPr lang="en-US" dirty="0"/>
-              <a:t> ai </a:t>
-            </a:r>
-            <a:r>
-              <a:rPr lang="en-US" dirty="0" err="1"/>
-              <a:t>dati</a:t>
-            </a:r>
-            <a:r>
-              <a:rPr lang="en-US" dirty="0"/>
-              <a:t> senza </a:t>
-            </a:r>
-            <a:r>
-              <a:rPr lang="en-US" dirty="0" err="1"/>
-              <a:t>effettuare</a:t>
-            </a:r>
-            <a:r>
-              <a:rPr lang="en-US" dirty="0"/>
-              <a:t> il rebuild </a:t>
-            </a:r>
-            <a:r>
-              <a:rPr lang="en-US" dirty="0" err="1"/>
-              <a:t>totale</a:t>
-            </a:r>
-            <a:r>
-              <a:rPr lang="en-US" dirty="0"/>
-              <a:t> (set state) ma solo </a:t>
-            </a:r>
-            <a:r>
-              <a:rPr lang="en-US" dirty="0" err="1"/>
-              <a:t>della</a:t>
-            </a:r>
-            <a:r>
-              <a:rPr lang="en-US" dirty="0"/>
-              <a:t> </a:t>
-            </a:r>
-            <a:r>
-              <a:rPr lang="en-US" dirty="0" err="1"/>
-              <a:t>ui</a:t>
-            </a:r>
-            <a:r>
-              <a:rPr lang="en-US" dirty="0"/>
-              <a:t> </a:t>
-            </a:r>
-            <a:r>
-              <a:rPr lang="en-US" dirty="0" err="1"/>
-              <a:t>contenente</a:t>
-            </a:r>
-            <a:r>
-              <a:rPr lang="en-US" dirty="0"/>
-              <a:t> il </a:t>
-            </a:r>
-            <a:r>
-              <a:rPr lang="en-US" dirty="0" err="1"/>
-              <a:t>dato</a:t>
-            </a:r>
-            <a:r>
-              <a:rPr lang="en-US" dirty="0"/>
-              <a:t> </a:t>
-            </a:r>
-            <a:r>
-              <a:rPr lang="en-US" dirty="0" err="1"/>
-              <a:t>interessato</a:t>
-            </a:r>
-            <a:r>
-              <a:rPr lang="en-US" dirty="0"/>
-              <a:t> </a:t>
-            </a:r>
-            <a:r>
-              <a:rPr lang="en-US" dirty="0" err="1"/>
-              <a:t>sfruttando</a:t>
-            </a:r>
-            <a:r>
-              <a:rPr lang="en-US" dirty="0"/>
-              <a:t> il widget “observer” </a:t>
-            </a:r>
-          </a:p>
-        </p:txBody>
-      </p:sp>
-      <p:sp>
-        <p:nvSpPr>
-          <p:cNvPr id="7" name="CasellaDiTesto 6">
-            <a:extLst>
-              <a:ext uri="{FF2B5EF4-FFF2-40B4-BE49-F238E27FC236}">
-                <a16:creationId xmlns:a16="http://schemas.microsoft.com/office/drawing/2014/main" id="{A97FABD3-06F6-40FF-A7CC-75412BAC71EF}"/>
-              </a:ext>
-            </a:extLst>
-          </p:cNvPr>
-          <p:cNvSpPr txBox="1"/>
-          <p:nvPr/>
-        </p:nvSpPr>
-        <p:spPr>
-          <a:xfrm>
-            <a:off x="4600112" y="1091954"/>
-            <a:ext cx="2991775" cy="4247317"/>
-          </a:xfrm>
-          <a:prstGeom prst="rect">
-            <a:avLst/>
-          </a:prstGeom>
-          <a:noFill/>
-        </p:spPr>
-        <p:txBody>
-          <a:bodyPr wrap="square" rtlCol="0">
-            <a:spAutoFit/>
-          </a:bodyPr>
-          <a:lstStyle/>
-          <a:p>
-            <a:r>
-              <a:rPr lang="en-US" dirty="0" err="1"/>
-              <a:t>FlutterFire</a:t>
-            </a:r>
-            <a:r>
-              <a:rPr lang="en-US" dirty="0"/>
-              <a:t>: </a:t>
-            </a:r>
-          </a:p>
-          <a:p>
-            <a:endParaRPr lang="en-US" dirty="0"/>
-          </a:p>
-          <a:p>
-            <a:r>
-              <a:rPr lang="en-US" dirty="0" err="1"/>
-              <a:t>Autenticazione</a:t>
-            </a:r>
-            <a:r>
-              <a:rPr lang="en-US" dirty="0"/>
-              <a:t> </a:t>
-            </a:r>
-            <a:r>
-              <a:rPr lang="en-US" dirty="0" err="1"/>
-              <a:t>tramite</a:t>
-            </a:r>
-            <a:r>
-              <a:rPr lang="en-US" dirty="0"/>
-              <a:t> </a:t>
-            </a:r>
-            <a:r>
-              <a:rPr lang="en-US" dirty="0" err="1"/>
-              <a:t>servizio</a:t>
-            </a:r>
-            <a:r>
-              <a:rPr lang="en-US" dirty="0"/>
-              <a:t> </a:t>
-            </a:r>
-            <a:r>
-              <a:rPr lang="en-US" dirty="0" err="1"/>
-              <a:t>interno</a:t>
-            </a:r>
-            <a:r>
-              <a:rPr lang="en-US" dirty="0"/>
-              <a:t> di firebase  (email/google/</a:t>
-            </a:r>
-            <a:r>
-              <a:rPr lang="en-US" dirty="0" err="1"/>
-              <a:t>github</a:t>
-            </a:r>
-            <a:r>
-              <a:rPr lang="en-US" dirty="0"/>
-              <a:t>/twitter)</a:t>
-            </a:r>
-          </a:p>
-          <a:p>
-            <a:endParaRPr lang="en-US" dirty="0"/>
-          </a:p>
-          <a:p>
-            <a:r>
-              <a:rPr lang="en-US" dirty="0"/>
-              <a:t>Storage </a:t>
-            </a:r>
-            <a:r>
-              <a:rPr lang="en-US" dirty="0" err="1"/>
-              <a:t>dei</a:t>
-            </a:r>
-            <a:r>
-              <a:rPr lang="en-US" dirty="0"/>
-              <a:t> </a:t>
-            </a:r>
-            <a:r>
-              <a:rPr lang="en-US" dirty="0" err="1"/>
-              <a:t>dati</a:t>
-            </a:r>
-            <a:r>
-              <a:rPr lang="en-US" dirty="0"/>
-              <a:t> </a:t>
-            </a:r>
-            <a:r>
-              <a:rPr lang="en-US" dirty="0" err="1"/>
-              <a:t>utente</a:t>
-            </a:r>
-            <a:r>
-              <a:rPr lang="en-US" dirty="0"/>
-              <a:t> </a:t>
-            </a:r>
-            <a:r>
-              <a:rPr lang="en-US" dirty="0" err="1"/>
-              <a:t>su</a:t>
-            </a:r>
-            <a:r>
-              <a:rPr lang="en-US" dirty="0"/>
-              <a:t> database </a:t>
-            </a:r>
-            <a:r>
-              <a:rPr lang="en-US" dirty="0" err="1"/>
-              <a:t>NoSql</a:t>
-            </a:r>
-            <a:endParaRPr lang="en-US" dirty="0"/>
-          </a:p>
-          <a:p>
-            <a:endParaRPr lang="en-US" dirty="0"/>
-          </a:p>
-          <a:p>
-            <a:r>
-              <a:rPr lang="en-US" dirty="0" err="1"/>
-              <a:t>Lettura</a:t>
-            </a:r>
-            <a:r>
-              <a:rPr lang="en-US" dirty="0"/>
-              <a:t> di </a:t>
-            </a:r>
-            <a:r>
-              <a:rPr lang="en-US" dirty="0" err="1"/>
-              <a:t>dati</a:t>
-            </a:r>
-            <a:r>
-              <a:rPr lang="en-US" dirty="0"/>
-              <a:t> </a:t>
-            </a:r>
-            <a:r>
-              <a:rPr lang="en-US" dirty="0" err="1"/>
-              <a:t>generali</a:t>
-            </a:r>
-            <a:r>
-              <a:rPr lang="en-US" dirty="0"/>
-              <a:t> </a:t>
-            </a:r>
-            <a:r>
-              <a:rPr lang="en-US" dirty="0" err="1"/>
-              <a:t>condivisi</a:t>
-            </a:r>
-            <a:r>
-              <a:rPr lang="en-US" dirty="0"/>
-              <a:t> </a:t>
-            </a:r>
-            <a:r>
-              <a:rPr lang="en-US" dirty="0" err="1"/>
-              <a:t>tra</a:t>
-            </a:r>
-            <a:r>
-              <a:rPr lang="en-US" dirty="0"/>
-              <a:t> tutti </a:t>
-            </a:r>
-            <a:r>
-              <a:rPr lang="en-US" dirty="0" err="1"/>
-              <a:t>gli</a:t>
-            </a:r>
-            <a:r>
-              <a:rPr lang="en-US" dirty="0"/>
-              <a:t> </a:t>
-            </a:r>
-            <a:r>
-              <a:rPr lang="en-US" dirty="0" err="1"/>
-              <a:t>utenti</a:t>
-            </a:r>
-            <a:r>
-              <a:rPr lang="en-US" dirty="0"/>
-              <a:t>.</a:t>
-            </a:r>
-          </a:p>
-          <a:p>
-            <a:endParaRPr lang="en-US" dirty="0"/>
-          </a:p>
-          <a:p>
-            <a:r>
-              <a:rPr lang="en-US" dirty="0" err="1"/>
-              <a:t>Salvataggio</a:t>
-            </a:r>
-            <a:r>
-              <a:rPr lang="en-US" dirty="0"/>
-              <a:t> di file </a:t>
-            </a:r>
-            <a:r>
-              <a:rPr lang="en-US" dirty="0" err="1"/>
-              <a:t>sullo</a:t>
-            </a:r>
-            <a:r>
-              <a:rPr lang="en-US" dirty="0"/>
-              <a:t> storage di firebase</a:t>
-            </a:r>
-          </a:p>
-          <a:p>
-            <a:r>
-              <a:rPr lang="en-US" dirty="0"/>
-              <a:t> </a:t>
-            </a:r>
-          </a:p>
-        </p:txBody>
-      </p:sp>
-      <p:sp>
-        <p:nvSpPr>
-          <p:cNvPr id="8" name="CasellaDiTesto 7">
-            <a:extLst>
-              <a:ext uri="{FF2B5EF4-FFF2-40B4-BE49-F238E27FC236}">
-                <a16:creationId xmlns:a16="http://schemas.microsoft.com/office/drawing/2014/main" id="{5DECB01B-2C18-4D4B-8164-92AD4331FC7C}"/>
-              </a:ext>
-            </a:extLst>
-          </p:cNvPr>
-          <p:cNvSpPr txBox="1"/>
-          <p:nvPr/>
-        </p:nvSpPr>
-        <p:spPr>
-          <a:xfrm>
-            <a:off x="7966229" y="1091954"/>
-            <a:ext cx="2991775" cy="2031325"/>
-          </a:xfrm>
-          <a:prstGeom prst="rect">
-            <a:avLst/>
-          </a:prstGeom>
-          <a:noFill/>
-        </p:spPr>
-        <p:txBody>
-          <a:bodyPr wrap="square" rtlCol="0">
-            <a:spAutoFit/>
-          </a:bodyPr>
-          <a:lstStyle/>
-          <a:p>
-            <a:r>
-              <a:rPr lang="en-US" dirty="0" err="1"/>
-              <a:t>OpenFoodFacts</a:t>
-            </a:r>
-            <a:r>
-              <a:rPr lang="en-US" dirty="0"/>
-              <a:t>:</a:t>
-            </a:r>
-          </a:p>
-          <a:p>
-            <a:endParaRPr lang="en-US" dirty="0"/>
-          </a:p>
-          <a:p>
-            <a:r>
-              <a:rPr lang="en-US" dirty="0"/>
-              <a:t>Package </a:t>
-            </a:r>
-            <a:r>
-              <a:rPr lang="en-US" dirty="0" err="1"/>
-              <a:t>contentente</a:t>
-            </a:r>
-            <a:r>
-              <a:rPr lang="en-US" dirty="0"/>
-              <a:t> </a:t>
-            </a:r>
-            <a:r>
-              <a:rPr lang="en-US" dirty="0" err="1"/>
-              <a:t>Api</a:t>
-            </a:r>
-            <a:r>
-              <a:rPr lang="en-US" dirty="0"/>
-              <a:t> remote per </a:t>
-            </a:r>
-            <a:r>
-              <a:rPr lang="en-US" dirty="0" err="1"/>
-              <a:t>accedere</a:t>
-            </a:r>
-            <a:r>
-              <a:rPr lang="en-US" dirty="0"/>
-              <a:t> al database ed </a:t>
-            </a:r>
-            <a:r>
-              <a:rPr lang="en-US" dirty="0" err="1"/>
-              <a:t>effettuarvi</a:t>
-            </a:r>
-            <a:r>
-              <a:rPr lang="en-US" dirty="0"/>
-              <a:t> query di </a:t>
-            </a:r>
-            <a:r>
-              <a:rPr lang="en-US" dirty="0" err="1"/>
-              <a:t>ricerca</a:t>
-            </a:r>
-            <a:r>
-              <a:rPr lang="en-US" dirty="0"/>
-              <a:t> e </a:t>
-            </a:r>
-            <a:r>
-              <a:rPr lang="en-US" dirty="0" err="1"/>
-              <a:t>ottenere</a:t>
-            </a:r>
-            <a:r>
-              <a:rPr lang="en-US" dirty="0"/>
-              <a:t> un file json in </a:t>
-            </a:r>
-            <a:r>
-              <a:rPr lang="en-US" dirty="0" err="1"/>
-              <a:t>risposta</a:t>
-            </a:r>
-            <a:endParaRPr lang="en-US" dirty="0"/>
-          </a:p>
-        </p:txBody>
-      </p:sp>
     </p:spTree>
     <p:extLst>
       <p:ext uri="{BB962C8B-B14F-4D97-AF65-F5344CB8AC3E}">
-        <p14:creationId xmlns:p14="http://schemas.microsoft.com/office/powerpoint/2010/main" val="1188227383"/>
+        <p14:creationId xmlns:p14="http://schemas.microsoft.com/office/powerpoint/2010/main" val="2308564679"/>
       </p:ext>
     </p:extLst>
   </p:cSld>
@@ -5390,10 +5458,3269 @@
           <a:chExt cx="0" cy="0"/>
         </a:xfrm>
       </p:grpSpPr>
+      <p:sp>
+        <p:nvSpPr>
+          <p:cNvPr id="2" name="CasellaDiTesto 1">
+            <a:extLst>
+              <a:ext uri="{FF2B5EF4-FFF2-40B4-BE49-F238E27FC236}">
+                <a16:creationId xmlns:a16="http://schemas.microsoft.com/office/drawing/2014/main" id="{E818459F-1EC4-4306-8685-C3C387738B6B}"/>
+              </a:ext>
+            </a:extLst>
+          </p:cNvPr>
+          <p:cNvSpPr txBox="1"/>
+          <p:nvPr/>
+        </p:nvSpPr>
+        <p:spPr>
+          <a:xfrm>
+            <a:off x="7605659" y="2782870"/>
+            <a:ext cx="941032" cy="369332"/>
+          </a:xfrm>
+          <a:prstGeom prst="rect">
+            <a:avLst/>
+          </a:prstGeom>
+          <a:noFill/>
+        </p:spPr>
+        <p:txBody>
+          <a:bodyPr wrap="square" rtlCol="0">
+            <a:spAutoFit/>
+          </a:bodyPr>
+          <a:lstStyle/>
+          <a:p>
+            <a:r>
+              <a:rPr lang="en-US" dirty="0" err="1"/>
+              <a:t>Sintomi</a:t>
+            </a:r>
+            <a:endParaRPr lang="en-US" dirty="0"/>
+          </a:p>
+        </p:txBody>
+      </p:sp>
+      <p:sp>
+        <p:nvSpPr>
+          <p:cNvPr id="3" name="CasellaDiTesto 2">
+            <a:extLst>
+              <a:ext uri="{FF2B5EF4-FFF2-40B4-BE49-F238E27FC236}">
+                <a16:creationId xmlns:a16="http://schemas.microsoft.com/office/drawing/2014/main" id="{C49E0463-5828-4E24-9F47-7D8930D21033}"/>
+              </a:ext>
+            </a:extLst>
+          </p:cNvPr>
+          <p:cNvSpPr txBox="1"/>
+          <p:nvPr/>
+        </p:nvSpPr>
+        <p:spPr>
+          <a:xfrm>
+            <a:off x="8820478" y="3800027"/>
+            <a:ext cx="1282824" cy="369332"/>
+          </a:xfrm>
+          <a:prstGeom prst="rect">
+            <a:avLst/>
+          </a:prstGeom>
+          <a:noFill/>
+        </p:spPr>
+        <p:txBody>
+          <a:bodyPr wrap="square" rtlCol="0">
+            <a:spAutoFit/>
+          </a:bodyPr>
+          <a:lstStyle/>
+          <a:p>
+            <a:r>
+              <a:rPr lang="en-US" dirty="0" err="1"/>
+              <a:t>Ingredienti</a:t>
+            </a:r>
+            <a:endParaRPr lang="en-US" dirty="0"/>
+          </a:p>
+        </p:txBody>
+      </p:sp>
+      <p:sp>
+        <p:nvSpPr>
+          <p:cNvPr id="4" name="CasellaDiTesto 3">
+            <a:extLst>
+              <a:ext uri="{FF2B5EF4-FFF2-40B4-BE49-F238E27FC236}">
+                <a16:creationId xmlns:a16="http://schemas.microsoft.com/office/drawing/2014/main" id="{BE2D7AED-0B76-4D07-96CF-990985F9D537}"/>
+              </a:ext>
+            </a:extLst>
+          </p:cNvPr>
+          <p:cNvSpPr txBox="1"/>
+          <p:nvPr/>
+        </p:nvSpPr>
+        <p:spPr>
+          <a:xfrm>
+            <a:off x="7424689" y="5091513"/>
+            <a:ext cx="1722267" cy="369332"/>
+          </a:xfrm>
+          <a:prstGeom prst="rect">
+            <a:avLst/>
+          </a:prstGeom>
+          <a:noFill/>
+        </p:spPr>
+        <p:txBody>
+          <a:bodyPr wrap="square" rtlCol="0">
+            <a:spAutoFit/>
+          </a:bodyPr>
+          <a:lstStyle/>
+          <a:p>
+            <a:r>
+              <a:rPr lang="en-US" dirty="0"/>
+              <a:t>Cure </a:t>
+            </a:r>
+            <a:r>
+              <a:rPr lang="en-US" dirty="0" err="1"/>
+              <a:t>mediche</a:t>
+            </a:r>
+            <a:endParaRPr lang="en-US" dirty="0"/>
+          </a:p>
+        </p:txBody>
+      </p:sp>
+      <p:sp>
+        <p:nvSpPr>
+          <p:cNvPr id="5" name="CasellaDiTesto 4">
+            <a:extLst>
+              <a:ext uri="{FF2B5EF4-FFF2-40B4-BE49-F238E27FC236}">
+                <a16:creationId xmlns:a16="http://schemas.microsoft.com/office/drawing/2014/main" id="{7446847F-A40C-4822-9BD2-8A676C68D0B9}"/>
+              </a:ext>
+            </a:extLst>
+          </p:cNvPr>
+          <p:cNvSpPr txBox="1"/>
+          <p:nvPr/>
+        </p:nvSpPr>
+        <p:spPr>
+          <a:xfrm>
+            <a:off x="2303755" y="1232004"/>
+            <a:ext cx="2547891" cy="369332"/>
+          </a:xfrm>
+          <a:prstGeom prst="rect">
+            <a:avLst/>
+          </a:prstGeom>
+          <a:noFill/>
+        </p:spPr>
+        <p:txBody>
+          <a:bodyPr wrap="square" rtlCol="0">
+            <a:spAutoFit/>
+          </a:bodyPr>
+          <a:lstStyle/>
+          <a:p>
+            <a:r>
+              <a:rPr lang="it-IT" dirty="0"/>
+              <a:t>Struttura e funzionalità</a:t>
+            </a:r>
+          </a:p>
+        </p:txBody>
+      </p:sp>
+      <p:sp>
+        <p:nvSpPr>
+          <p:cNvPr id="6" name="CasellaDiTesto 5">
+            <a:extLst>
+              <a:ext uri="{FF2B5EF4-FFF2-40B4-BE49-F238E27FC236}">
+                <a16:creationId xmlns:a16="http://schemas.microsoft.com/office/drawing/2014/main" id="{CF38CFFC-C7FE-49A0-8811-1AE6C469AEE9}"/>
+              </a:ext>
+            </a:extLst>
+          </p:cNvPr>
+          <p:cNvSpPr txBox="1"/>
+          <p:nvPr/>
+        </p:nvSpPr>
+        <p:spPr>
+          <a:xfrm>
+            <a:off x="1622108" y="2200941"/>
+            <a:ext cx="1313895" cy="369332"/>
+          </a:xfrm>
+          <a:prstGeom prst="rect">
+            <a:avLst/>
+          </a:prstGeom>
+          <a:noFill/>
+        </p:spPr>
+        <p:txBody>
+          <a:bodyPr wrap="square" rtlCol="0">
+            <a:spAutoFit/>
+          </a:bodyPr>
+          <a:lstStyle/>
+          <a:p>
+            <a:r>
+              <a:rPr lang="en-US" dirty="0" err="1"/>
+              <a:t>Calendario</a:t>
+            </a:r>
+            <a:endParaRPr lang="en-US" dirty="0"/>
+          </a:p>
+        </p:txBody>
+      </p:sp>
+      <p:sp>
+        <p:nvSpPr>
+          <p:cNvPr id="7" name="CasellaDiTesto 6">
+            <a:extLst>
+              <a:ext uri="{FF2B5EF4-FFF2-40B4-BE49-F238E27FC236}">
+                <a16:creationId xmlns:a16="http://schemas.microsoft.com/office/drawing/2014/main" id="{129FE936-C6AB-4E6E-AF10-FB8ECDDA4737}"/>
+              </a:ext>
+            </a:extLst>
+          </p:cNvPr>
+          <p:cNvSpPr txBox="1"/>
+          <p:nvPr/>
+        </p:nvSpPr>
+        <p:spPr>
+          <a:xfrm>
+            <a:off x="1497819" y="3026591"/>
+            <a:ext cx="1367163" cy="369332"/>
+          </a:xfrm>
+          <a:prstGeom prst="rect">
+            <a:avLst/>
+          </a:prstGeom>
+          <a:noFill/>
+        </p:spPr>
+        <p:txBody>
+          <a:bodyPr wrap="square" rtlCol="0">
+            <a:spAutoFit/>
+          </a:bodyPr>
+          <a:lstStyle/>
+          <a:p>
+            <a:r>
+              <a:rPr lang="en-US" dirty="0" err="1"/>
+              <a:t>Statistiche</a:t>
+            </a:r>
+            <a:endParaRPr lang="en-US" dirty="0"/>
+          </a:p>
+        </p:txBody>
+      </p:sp>
+      <p:sp>
+        <p:nvSpPr>
+          <p:cNvPr id="8" name="CasellaDiTesto 7">
+            <a:extLst>
+              <a:ext uri="{FF2B5EF4-FFF2-40B4-BE49-F238E27FC236}">
+                <a16:creationId xmlns:a16="http://schemas.microsoft.com/office/drawing/2014/main" id="{F9E6F6C8-F5D5-4B2F-B9C1-D2EDF988AF51}"/>
+              </a:ext>
+            </a:extLst>
+          </p:cNvPr>
+          <p:cNvSpPr txBox="1"/>
+          <p:nvPr/>
+        </p:nvSpPr>
+        <p:spPr>
+          <a:xfrm>
+            <a:off x="1417921" y="4059854"/>
+            <a:ext cx="1367163" cy="369332"/>
+          </a:xfrm>
+          <a:prstGeom prst="rect">
+            <a:avLst/>
+          </a:prstGeom>
+          <a:noFill/>
+        </p:spPr>
+        <p:txBody>
+          <a:bodyPr wrap="square" rtlCol="0">
+            <a:spAutoFit/>
+          </a:bodyPr>
+          <a:lstStyle/>
+          <a:p>
+            <a:r>
+              <a:rPr lang="en-US" dirty="0" err="1"/>
+              <a:t>Trattamenti</a:t>
+            </a:r>
+            <a:endParaRPr lang="en-US" dirty="0"/>
+          </a:p>
+        </p:txBody>
+      </p:sp>
+      <p:sp>
+        <p:nvSpPr>
+          <p:cNvPr id="9" name="CasellaDiTesto 8">
+            <a:extLst>
+              <a:ext uri="{FF2B5EF4-FFF2-40B4-BE49-F238E27FC236}">
+                <a16:creationId xmlns:a16="http://schemas.microsoft.com/office/drawing/2014/main" id="{34B0913C-D764-4628-AF1F-B875A278CA8E}"/>
+              </a:ext>
+            </a:extLst>
+          </p:cNvPr>
+          <p:cNvSpPr txBox="1"/>
+          <p:nvPr/>
+        </p:nvSpPr>
+        <p:spPr>
+          <a:xfrm>
+            <a:off x="1338024" y="5215794"/>
+            <a:ext cx="1526958" cy="369332"/>
+          </a:xfrm>
+          <a:prstGeom prst="rect">
+            <a:avLst/>
+          </a:prstGeom>
+          <a:noFill/>
+        </p:spPr>
+        <p:txBody>
+          <a:bodyPr wrap="square" rtlCol="0">
+            <a:spAutoFit/>
+          </a:bodyPr>
+          <a:lstStyle/>
+          <a:p>
+            <a:r>
+              <a:rPr lang="en-US" dirty="0"/>
+              <a:t>Login/</a:t>
+            </a:r>
+            <a:r>
+              <a:rPr lang="en-US" dirty="0" err="1"/>
+              <a:t>profilo</a:t>
+            </a:r>
+            <a:endParaRPr lang="en-US" dirty="0"/>
+          </a:p>
+        </p:txBody>
+      </p:sp>
+      <p:sp>
+        <p:nvSpPr>
+          <p:cNvPr id="10" name="CasellaDiTesto 9">
+            <a:extLst>
+              <a:ext uri="{FF2B5EF4-FFF2-40B4-BE49-F238E27FC236}">
+                <a16:creationId xmlns:a16="http://schemas.microsoft.com/office/drawing/2014/main" id="{334CD1A2-D58C-432E-A3B7-83592BBFFF69}"/>
+              </a:ext>
+            </a:extLst>
+          </p:cNvPr>
+          <p:cNvSpPr txBox="1"/>
+          <p:nvPr/>
+        </p:nvSpPr>
+        <p:spPr>
+          <a:xfrm>
+            <a:off x="3305905" y="1950588"/>
+            <a:ext cx="2231255" cy="646331"/>
+          </a:xfrm>
+          <a:prstGeom prst="rect">
+            <a:avLst/>
+          </a:prstGeom>
+          <a:noFill/>
+        </p:spPr>
+        <p:txBody>
+          <a:bodyPr wrap="square" rtlCol="0">
+            <a:spAutoFit/>
+          </a:bodyPr>
+          <a:lstStyle/>
+          <a:p>
+            <a:r>
+              <a:rPr lang="en-US" dirty="0" err="1"/>
+              <a:t>Inserimento</a:t>
+            </a:r>
+            <a:r>
+              <a:rPr lang="en-US" dirty="0"/>
+              <a:t> e </a:t>
+            </a:r>
+            <a:r>
+              <a:rPr lang="en-US" dirty="0" err="1"/>
+              <a:t>modifica</a:t>
+            </a:r>
+            <a:r>
+              <a:rPr lang="en-US" dirty="0"/>
+              <a:t> </a:t>
+            </a:r>
+            <a:r>
+              <a:rPr lang="en-US" dirty="0" err="1"/>
+              <a:t>storico</a:t>
+            </a:r>
+            <a:r>
+              <a:rPr lang="en-US" dirty="0"/>
+              <a:t> </a:t>
+            </a:r>
+            <a:r>
+              <a:rPr lang="en-US" dirty="0" err="1"/>
+              <a:t>dati</a:t>
+            </a:r>
+            <a:endParaRPr lang="en-US" dirty="0"/>
+          </a:p>
+        </p:txBody>
+      </p:sp>
+      <p:sp>
+        <p:nvSpPr>
+          <p:cNvPr id="11" name="CasellaDiTesto 10">
+            <a:extLst>
+              <a:ext uri="{FF2B5EF4-FFF2-40B4-BE49-F238E27FC236}">
+                <a16:creationId xmlns:a16="http://schemas.microsoft.com/office/drawing/2014/main" id="{BC93DC9B-CB1D-4EA6-B6B5-8123DDAAE040}"/>
+              </a:ext>
+            </a:extLst>
+          </p:cNvPr>
+          <p:cNvSpPr txBox="1"/>
+          <p:nvPr/>
+        </p:nvSpPr>
+        <p:spPr>
+          <a:xfrm>
+            <a:off x="3305905" y="2782870"/>
+            <a:ext cx="2000435" cy="923330"/>
+          </a:xfrm>
+          <a:prstGeom prst="rect">
+            <a:avLst/>
+          </a:prstGeom>
+          <a:noFill/>
+        </p:spPr>
+        <p:txBody>
+          <a:bodyPr wrap="square" rtlCol="0">
+            <a:spAutoFit/>
+          </a:bodyPr>
+          <a:lstStyle/>
+          <a:p>
+            <a:r>
+              <a:rPr lang="en-US" dirty="0" err="1"/>
+              <a:t>Visualizzazione</a:t>
+            </a:r>
+            <a:r>
+              <a:rPr lang="en-US" dirty="0"/>
+              <a:t> </a:t>
+            </a:r>
+            <a:r>
+              <a:rPr lang="en-US" dirty="0" err="1"/>
+              <a:t>dati</a:t>
+            </a:r>
+            <a:r>
+              <a:rPr lang="en-US" dirty="0"/>
+              <a:t> </a:t>
+            </a:r>
+            <a:r>
+              <a:rPr lang="en-US" dirty="0" err="1"/>
+              <a:t>elaborati</a:t>
+            </a:r>
+            <a:r>
+              <a:rPr lang="en-US" dirty="0"/>
+              <a:t> </a:t>
+            </a:r>
+            <a:r>
+              <a:rPr lang="en-US" dirty="0" err="1"/>
+              <a:t>tramite</a:t>
+            </a:r>
+            <a:r>
+              <a:rPr lang="en-US" dirty="0"/>
+              <a:t> </a:t>
+            </a:r>
+            <a:r>
+              <a:rPr lang="en-US" dirty="0" err="1"/>
+              <a:t>grafici</a:t>
+            </a:r>
+            <a:endParaRPr lang="en-US" dirty="0"/>
+          </a:p>
+        </p:txBody>
+      </p:sp>
+      <p:sp>
+        <p:nvSpPr>
+          <p:cNvPr id="12" name="CasellaDiTesto 11">
+            <a:extLst>
+              <a:ext uri="{FF2B5EF4-FFF2-40B4-BE49-F238E27FC236}">
+                <a16:creationId xmlns:a16="http://schemas.microsoft.com/office/drawing/2014/main" id="{A6E0E470-BC6F-4D60-BF3D-8E96FC49C502}"/>
+              </a:ext>
+            </a:extLst>
+          </p:cNvPr>
+          <p:cNvSpPr txBox="1"/>
+          <p:nvPr/>
+        </p:nvSpPr>
+        <p:spPr>
+          <a:xfrm>
+            <a:off x="3150545" y="3916550"/>
+            <a:ext cx="2808304" cy="646331"/>
+          </a:xfrm>
+          <a:prstGeom prst="rect">
+            <a:avLst/>
+          </a:prstGeom>
+          <a:noFill/>
+        </p:spPr>
+        <p:txBody>
+          <a:bodyPr wrap="square" rtlCol="0">
+            <a:spAutoFit/>
+          </a:bodyPr>
+          <a:lstStyle/>
+          <a:p>
+            <a:r>
+              <a:rPr lang="en-US" dirty="0" err="1"/>
+              <a:t>Inserimento</a:t>
+            </a:r>
+            <a:r>
+              <a:rPr lang="en-US" dirty="0"/>
+              <a:t> e </a:t>
+            </a:r>
+            <a:r>
+              <a:rPr lang="en-US" dirty="0" err="1"/>
+              <a:t>visualizzazione</a:t>
+            </a:r>
+            <a:r>
+              <a:rPr lang="en-US" dirty="0"/>
+              <a:t> </a:t>
+            </a:r>
+            <a:r>
+              <a:rPr lang="en-US" dirty="0" err="1"/>
+              <a:t>efficacia</a:t>
+            </a:r>
+            <a:endParaRPr lang="en-US" dirty="0"/>
+          </a:p>
+        </p:txBody>
+      </p:sp>
+      <p:sp>
+        <p:nvSpPr>
+          <p:cNvPr id="13" name="CasellaDiTesto 12">
+            <a:extLst>
+              <a:ext uri="{FF2B5EF4-FFF2-40B4-BE49-F238E27FC236}">
+                <a16:creationId xmlns:a16="http://schemas.microsoft.com/office/drawing/2014/main" id="{C04FCBD8-B7FB-4B3E-939B-DD1871C3C7F1}"/>
+              </a:ext>
+            </a:extLst>
+          </p:cNvPr>
+          <p:cNvSpPr txBox="1"/>
+          <p:nvPr/>
+        </p:nvSpPr>
+        <p:spPr>
+          <a:xfrm>
+            <a:off x="3305905" y="5025831"/>
+            <a:ext cx="2497585" cy="923330"/>
+          </a:xfrm>
+          <a:prstGeom prst="rect">
+            <a:avLst/>
+          </a:prstGeom>
+          <a:noFill/>
+        </p:spPr>
+        <p:txBody>
+          <a:bodyPr wrap="square" rtlCol="0">
+            <a:spAutoFit/>
+          </a:bodyPr>
+          <a:lstStyle/>
+          <a:p>
+            <a:r>
+              <a:rPr lang="en-US" dirty="0" err="1"/>
+              <a:t>Gestione</a:t>
+            </a:r>
+            <a:r>
+              <a:rPr lang="en-US" dirty="0"/>
+              <a:t> account e recap </a:t>
+            </a:r>
+            <a:r>
+              <a:rPr lang="en-US" dirty="0" err="1"/>
+              <a:t>informazioni</a:t>
+            </a:r>
+            <a:r>
+              <a:rPr lang="en-US" dirty="0"/>
+              <a:t> </a:t>
+            </a:r>
+            <a:r>
+              <a:rPr lang="en-US" dirty="0" err="1"/>
+              <a:t>principali</a:t>
+            </a:r>
+            <a:endParaRPr lang="en-US" dirty="0"/>
+          </a:p>
+        </p:txBody>
+      </p:sp>
+      <p:sp>
+        <p:nvSpPr>
+          <p:cNvPr id="14" name="Parentesi graffa chiusa 13">
+            <a:extLst>
+              <a:ext uri="{FF2B5EF4-FFF2-40B4-BE49-F238E27FC236}">
+                <a16:creationId xmlns:a16="http://schemas.microsoft.com/office/drawing/2014/main" id="{1D7C74D4-AA7D-4F0D-818D-22E11989CC96}"/>
+              </a:ext>
+            </a:extLst>
+          </p:cNvPr>
+          <p:cNvSpPr/>
+          <p:nvPr/>
+        </p:nvSpPr>
+        <p:spPr>
+          <a:xfrm>
+            <a:off x="6096000" y="2200941"/>
+            <a:ext cx="769849" cy="3918837"/>
+          </a:xfrm>
+          <a:prstGeom prst="rightBrace">
+            <a:avLst/>
+          </a:prstGeom>
+        </p:spPr>
+        <p:style>
+          <a:lnRef idx="1">
+            <a:schemeClr val="accent1"/>
+          </a:lnRef>
+          <a:fillRef idx="0">
+            <a:schemeClr val="accent1"/>
+          </a:fillRef>
+          <a:effectRef idx="0">
+            <a:schemeClr val="accent1"/>
+          </a:effectRef>
+          <a:fontRef idx="minor">
+            <a:schemeClr val="tx1"/>
+          </a:fontRef>
+        </p:style>
+        <p:txBody>
+          <a:bodyPr rtlCol="0" anchor="ctr"/>
+          <a:lstStyle/>
+          <a:p>
+            <a:pPr algn="ctr"/>
+            <a:endParaRPr lang="en-US"/>
+          </a:p>
+        </p:txBody>
+      </p:sp>
+      <p:sp>
+        <p:nvSpPr>
+          <p:cNvPr id="15" name="CasellaDiTesto 14">
+            <a:extLst>
+              <a:ext uri="{FF2B5EF4-FFF2-40B4-BE49-F238E27FC236}">
+                <a16:creationId xmlns:a16="http://schemas.microsoft.com/office/drawing/2014/main" id="{146A0F85-CE8A-4499-896C-0EAE2E02471E}"/>
+              </a:ext>
+            </a:extLst>
+          </p:cNvPr>
+          <p:cNvSpPr txBox="1"/>
+          <p:nvPr/>
+        </p:nvSpPr>
+        <p:spPr>
+          <a:xfrm>
+            <a:off x="8666884" y="1382630"/>
+            <a:ext cx="1378712" cy="369332"/>
+          </a:xfrm>
+          <a:prstGeom prst="rect">
+            <a:avLst/>
+          </a:prstGeom>
+          <a:noFill/>
+        </p:spPr>
+        <p:txBody>
+          <a:bodyPr wrap="square" rtlCol="0">
+            <a:spAutoFit/>
+          </a:bodyPr>
+          <a:lstStyle/>
+          <a:p>
+            <a:r>
+              <a:rPr lang="en-US" dirty="0"/>
+              <a:t>DATI</a:t>
+            </a:r>
+          </a:p>
+        </p:txBody>
+      </p:sp>
+      <p:sp>
+        <p:nvSpPr>
+          <p:cNvPr id="16" name="CasellaDiTesto 15">
+            <a:extLst>
+              <a:ext uri="{FF2B5EF4-FFF2-40B4-BE49-F238E27FC236}">
+                <a16:creationId xmlns:a16="http://schemas.microsoft.com/office/drawing/2014/main" id="{01A8C3E0-B020-47C9-8D79-003E5A6EF98F}"/>
+              </a:ext>
+            </a:extLst>
+          </p:cNvPr>
+          <p:cNvSpPr txBox="1"/>
+          <p:nvPr/>
+        </p:nvSpPr>
+        <p:spPr>
+          <a:xfrm>
+            <a:off x="7650049" y="3800027"/>
+            <a:ext cx="941032" cy="369332"/>
+          </a:xfrm>
+          <a:prstGeom prst="rect">
+            <a:avLst/>
+          </a:prstGeom>
+          <a:noFill/>
+        </p:spPr>
+        <p:txBody>
+          <a:bodyPr wrap="square" rtlCol="0">
+            <a:spAutoFit/>
+          </a:bodyPr>
+          <a:lstStyle/>
+          <a:p>
+            <a:r>
+              <a:rPr lang="en-US" dirty="0" err="1"/>
+              <a:t>Piatto</a:t>
+            </a:r>
+            <a:endParaRPr lang="en-US" dirty="0"/>
+          </a:p>
+        </p:txBody>
+      </p:sp>
+      <p:sp>
+        <p:nvSpPr>
+          <p:cNvPr id="17" name="CasellaDiTesto 16">
+            <a:extLst>
+              <a:ext uri="{FF2B5EF4-FFF2-40B4-BE49-F238E27FC236}">
+                <a16:creationId xmlns:a16="http://schemas.microsoft.com/office/drawing/2014/main" id="{7AD22396-404D-449D-9740-3CC5C07B5F6C}"/>
+              </a:ext>
+            </a:extLst>
+          </p:cNvPr>
+          <p:cNvSpPr txBox="1"/>
+          <p:nvPr/>
+        </p:nvSpPr>
+        <p:spPr>
+          <a:xfrm>
+            <a:off x="8832315" y="2598204"/>
+            <a:ext cx="1213281" cy="923330"/>
+          </a:xfrm>
+          <a:prstGeom prst="rect">
+            <a:avLst/>
+          </a:prstGeom>
+          <a:noFill/>
+        </p:spPr>
+        <p:txBody>
+          <a:bodyPr wrap="square" rtlCol="0">
+            <a:spAutoFit/>
+          </a:bodyPr>
+          <a:lstStyle/>
+          <a:p>
+            <a:r>
+              <a:rPr lang="en-US" dirty="0" err="1"/>
+              <a:t>Intensità</a:t>
+            </a:r>
+            <a:r>
+              <a:rPr lang="en-US" dirty="0"/>
+              <a:t>, </a:t>
+            </a:r>
+            <a:r>
+              <a:rPr lang="en-US" dirty="0" err="1"/>
+              <a:t>frequenza</a:t>
+            </a:r>
+            <a:r>
+              <a:rPr lang="en-US" dirty="0"/>
+              <a:t>,</a:t>
+            </a:r>
+          </a:p>
+          <a:p>
+            <a:r>
+              <a:rPr lang="en-US" dirty="0" err="1"/>
+              <a:t>occorrenza</a:t>
+            </a:r>
+            <a:endParaRPr lang="en-US" dirty="0"/>
+          </a:p>
+        </p:txBody>
+      </p:sp>
+      <p:sp>
+        <p:nvSpPr>
+          <p:cNvPr id="18" name="CasellaDiTesto 17">
+            <a:extLst>
+              <a:ext uri="{FF2B5EF4-FFF2-40B4-BE49-F238E27FC236}">
+                <a16:creationId xmlns:a16="http://schemas.microsoft.com/office/drawing/2014/main" id="{51FC3FEC-8D4E-4AFB-AA3E-B5C4CEA0A8EB}"/>
+              </a:ext>
+            </a:extLst>
+          </p:cNvPr>
+          <p:cNvSpPr txBox="1"/>
+          <p:nvPr/>
+        </p:nvSpPr>
+        <p:spPr>
+          <a:xfrm>
+            <a:off x="8890021" y="4262439"/>
+            <a:ext cx="1213281" cy="369332"/>
+          </a:xfrm>
+          <a:prstGeom prst="rect">
+            <a:avLst/>
+          </a:prstGeom>
+          <a:noFill/>
+        </p:spPr>
+        <p:txBody>
+          <a:bodyPr wrap="square" rtlCol="0">
+            <a:spAutoFit/>
+          </a:bodyPr>
+          <a:lstStyle/>
+          <a:p>
+            <a:r>
+              <a:rPr lang="en-US" dirty="0" err="1"/>
+              <a:t>Quantità</a:t>
+            </a:r>
+            <a:endParaRPr lang="en-US" dirty="0"/>
+          </a:p>
+        </p:txBody>
+      </p:sp>
+      <p:sp>
+        <p:nvSpPr>
+          <p:cNvPr id="19" name="CasellaDiTesto 18">
+            <a:extLst>
+              <a:ext uri="{FF2B5EF4-FFF2-40B4-BE49-F238E27FC236}">
+                <a16:creationId xmlns:a16="http://schemas.microsoft.com/office/drawing/2014/main" id="{CFFBE95F-521C-4C4D-A2A1-A6D9536A0691}"/>
+              </a:ext>
+            </a:extLst>
+          </p:cNvPr>
+          <p:cNvSpPr txBox="1"/>
+          <p:nvPr/>
+        </p:nvSpPr>
+        <p:spPr>
+          <a:xfrm>
+            <a:off x="9314667" y="5091513"/>
+            <a:ext cx="1213281" cy="369332"/>
+          </a:xfrm>
+          <a:prstGeom prst="rect">
+            <a:avLst/>
+          </a:prstGeom>
+          <a:noFill/>
+        </p:spPr>
+        <p:txBody>
+          <a:bodyPr wrap="square" rtlCol="0">
+            <a:spAutoFit/>
+          </a:bodyPr>
+          <a:lstStyle/>
+          <a:p>
+            <a:r>
+              <a:rPr lang="en-US" dirty="0"/>
+              <a:t>Data </a:t>
+            </a:r>
+            <a:r>
+              <a:rPr lang="en-US" dirty="0" err="1"/>
+              <a:t>inizio</a:t>
+            </a:r>
+            <a:r>
+              <a:rPr lang="en-US" dirty="0"/>
+              <a:t> </a:t>
+            </a:r>
+          </a:p>
+        </p:txBody>
+      </p:sp>
     </p:spTree>
     <p:extLst>
       <p:ext uri="{BB962C8B-B14F-4D97-AF65-F5344CB8AC3E}">
         <p14:creationId xmlns:p14="http://schemas.microsoft.com/office/powerpoint/2010/main" val="1535074261"/>
+      </p:ext>
+    </p:extLst>
+  </p:cSld>
+  <p:clrMapOvr>
+    <a:masterClrMapping/>
+  </p:clrMapOvr>
+</p:sld>
+</file>
+
+<file path=ppt/slides/slide6.xml><?xml version="1.0" encoding="utf-8"?>
+<p:sld xmlns:a="http://schemas.openxmlformats.org/drawingml/2006/main" xmlns:r="http://schemas.openxmlformats.org/officeDocument/2006/relationships" xmlns:p="http://schemas.openxmlformats.org/presentationml/2006/main">
+  <p:cSld>
+    <p:spTree>
+      <p:nvGrpSpPr>
+        <p:cNvPr id="1" name=""/>
+        <p:cNvGrpSpPr/>
+        <p:nvPr/>
+      </p:nvGrpSpPr>
+      <p:grpSpPr>
+        <a:xfrm>
+          <a:off x="0" y="0"/>
+          <a:ext cx="0" cy="0"/>
+          <a:chOff x="0" y="0"/>
+          <a:chExt cx="0" cy="0"/>
+        </a:xfrm>
+      </p:grpSpPr>
+      <p:pic>
+        <p:nvPicPr>
+          <p:cNvPr id="25" name="Immagine 24" descr="Immagine che contiene bolla, microscopio&#10;&#10;Descrizione generata automaticamente">
+            <a:extLst>
+              <a:ext uri="{FF2B5EF4-FFF2-40B4-BE49-F238E27FC236}">
+                <a16:creationId xmlns:a16="http://schemas.microsoft.com/office/drawing/2014/main" id="{23766867-85D1-4F5E-A5B9-B4584C1FA833}"/>
+              </a:ext>
+            </a:extLst>
+          </p:cNvPr>
+          <p:cNvPicPr>
+            <a:picLocks noChangeAspect="1"/>
+          </p:cNvPicPr>
+          <p:nvPr/>
+        </p:nvPicPr>
+        <p:blipFill rotWithShape="1">
+          <a:blip r:embed="rId2">
+            <a:extLst>
+              <a:ext uri="{28A0092B-C50C-407E-A947-70E740481C1C}">
+                <a14:useLocalDpi xmlns:a14="http://schemas.microsoft.com/office/drawing/2010/main" val="0"/>
+              </a:ext>
+            </a:extLst>
+          </a:blip>
+          <a:srcRect l="10234" t="4976" r="7495" b="11075"/>
+          <a:stretch/>
+        </p:blipFill>
+        <p:spPr>
+          <a:xfrm rot="16200000">
+            <a:off x="7606910" y="1628745"/>
+            <a:ext cx="4161734" cy="4206735"/>
+          </a:xfrm>
+          <a:prstGeom prst="rect">
+            <a:avLst/>
+          </a:prstGeom>
+        </p:spPr>
+      </p:pic>
+      <p:pic>
+        <p:nvPicPr>
+          <p:cNvPr id="7" name="Immagine 6" descr="Immagine che contiene bolla, microscopio&#10;&#10;Descrizione generata automaticamente">
+            <a:extLst>
+              <a:ext uri="{FF2B5EF4-FFF2-40B4-BE49-F238E27FC236}">
+                <a16:creationId xmlns:a16="http://schemas.microsoft.com/office/drawing/2014/main" id="{A0F621AE-A64A-4EE3-86EC-F369C8353B7F}"/>
+              </a:ext>
+            </a:extLst>
+          </p:cNvPr>
+          <p:cNvPicPr>
+            <a:picLocks noChangeAspect="1"/>
+          </p:cNvPicPr>
+          <p:nvPr/>
+        </p:nvPicPr>
+        <p:blipFill rotWithShape="1">
+          <a:blip r:embed="rId2">
+            <a:extLst>
+              <a:ext uri="{28A0092B-C50C-407E-A947-70E740481C1C}">
+                <a14:useLocalDpi xmlns:a14="http://schemas.microsoft.com/office/drawing/2010/main" val="0"/>
+              </a:ext>
+            </a:extLst>
+          </a:blip>
+          <a:srcRect l="9879" t="5140" r="7278" b="10196"/>
+          <a:stretch/>
+        </p:blipFill>
+        <p:spPr>
+          <a:xfrm>
+            <a:off x="170519" y="1195581"/>
+            <a:ext cx="4412203" cy="4466837"/>
+          </a:xfrm>
+          <a:prstGeom prst="rect">
+            <a:avLst/>
+          </a:prstGeom>
+        </p:spPr>
+      </p:pic>
+      <p:pic>
+        <p:nvPicPr>
+          <p:cNvPr id="8" name="Immagine 7">
+            <a:extLst>
+              <a:ext uri="{FF2B5EF4-FFF2-40B4-BE49-F238E27FC236}">
+                <a16:creationId xmlns:a16="http://schemas.microsoft.com/office/drawing/2014/main" id="{F232DF5B-4F13-4739-A6AD-71B38E75C5C0}"/>
+              </a:ext>
+            </a:extLst>
+          </p:cNvPr>
+          <p:cNvPicPr>
+            <a:picLocks noChangeAspect="1"/>
+          </p:cNvPicPr>
+          <p:nvPr/>
+        </p:nvPicPr>
+        <p:blipFill>
+          <a:blip r:embed="rId3">
+            <a:extLst>
+              <a:ext uri="{28A0092B-C50C-407E-A947-70E740481C1C}">
+                <a14:useLocalDpi xmlns:a14="http://schemas.microsoft.com/office/drawing/2010/main" val="0"/>
+              </a:ext>
+            </a:extLst>
+          </a:blip>
+          <a:stretch>
+            <a:fillRect/>
+          </a:stretch>
+        </p:blipFill>
+        <p:spPr>
+          <a:xfrm>
+            <a:off x="8645872" y="2095423"/>
+            <a:ext cx="2083810" cy="3076813"/>
+          </a:xfrm>
+          <a:prstGeom prst="rect">
+            <a:avLst/>
+          </a:prstGeom>
+        </p:spPr>
+      </p:pic>
+      <p:pic>
+        <p:nvPicPr>
+          <p:cNvPr id="9" name="Immagine 8">
+            <a:extLst>
+              <a:ext uri="{FF2B5EF4-FFF2-40B4-BE49-F238E27FC236}">
+                <a16:creationId xmlns:a16="http://schemas.microsoft.com/office/drawing/2014/main" id="{972E1C72-1686-4C81-87ED-333FF83F3E59}"/>
+              </a:ext>
+            </a:extLst>
+          </p:cNvPr>
+          <p:cNvPicPr>
+            <a:picLocks noChangeAspect="1"/>
+          </p:cNvPicPr>
+          <p:nvPr/>
+        </p:nvPicPr>
+        <p:blipFill rotWithShape="1">
+          <a:blip r:embed="rId4">
+            <a:extLst>
+              <a:ext uri="{28A0092B-C50C-407E-A947-70E740481C1C}">
+                <a14:useLocalDpi xmlns:a14="http://schemas.microsoft.com/office/drawing/2010/main" val="0"/>
+              </a:ext>
+            </a:extLst>
+          </a:blip>
+          <a:srcRect l="19686" r="20162"/>
+          <a:stretch/>
+        </p:blipFill>
+        <p:spPr>
+          <a:xfrm>
+            <a:off x="1351199" y="1772816"/>
+            <a:ext cx="1971487" cy="3277514"/>
+          </a:xfrm>
+          <a:prstGeom prst="rect">
+            <a:avLst/>
+          </a:prstGeom>
+        </p:spPr>
+      </p:pic>
+      <p:sp>
+        <p:nvSpPr>
+          <p:cNvPr id="11" name="CasellaDiTesto 10">
+            <a:extLst>
+              <a:ext uri="{FF2B5EF4-FFF2-40B4-BE49-F238E27FC236}">
+                <a16:creationId xmlns:a16="http://schemas.microsoft.com/office/drawing/2014/main" id="{36837DB6-1149-46C7-9142-A45D0BE9DE76}"/>
+              </a:ext>
+            </a:extLst>
+          </p:cNvPr>
+          <p:cNvSpPr txBox="1"/>
+          <p:nvPr/>
+        </p:nvSpPr>
+        <p:spPr>
+          <a:xfrm>
+            <a:off x="3057142" y="214690"/>
+            <a:ext cx="5746284" cy="584775"/>
+          </a:xfrm>
+          <a:prstGeom prst="rect">
+            <a:avLst/>
+          </a:prstGeom>
+          <a:noFill/>
+        </p:spPr>
+        <p:txBody>
+          <a:bodyPr wrap="square" rtlCol="0">
+            <a:spAutoFit/>
+          </a:bodyPr>
+          <a:lstStyle/>
+          <a:p>
+            <a:pPr algn="ctr"/>
+            <a:r>
+              <a:rPr lang="en-US" sz="3200" dirty="0"/>
+              <a:t>Two Tier Fat Client Architecture</a:t>
+            </a:r>
+          </a:p>
+        </p:txBody>
+      </p:sp>
+      <p:cxnSp>
+        <p:nvCxnSpPr>
+          <p:cNvPr id="12" name="Connettore 2 11">
+            <a:extLst>
+              <a:ext uri="{FF2B5EF4-FFF2-40B4-BE49-F238E27FC236}">
+                <a16:creationId xmlns:a16="http://schemas.microsoft.com/office/drawing/2014/main" id="{01D309D2-100B-406F-BCF7-E66FA3427B9D}"/>
+              </a:ext>
+            </a:extLst>
+          </p:cNvPr>
+          <p:cNvCxnSpPr>
+            <a:cxnSpLocks/>
+          </p:cNvCxnSpPr>
+          <p:nvPr/>
+        </p:nvCxnSpPr>
+        <p:spPr>
+          <a:xfrm>
+            <a:off x="3453097" y="2661843"/>
+            <a:ext cx="4432509" cy="0"/>
+          </a:xfrm>
+          <a:prstGeom prst="straightConnector1">
+            <a:avLst/>
+          </a:prstGeom>
+          <a:ln>
+            <a:tailEnd type="triangle"/>
+          </a:ln>
+        </p:spPr>
+        <p:style>
+          <a:lnRef idx="1">
+            <a:schemeClr val="accent1"/>
+          </a:lnRef>
+          <a:fillRef idx="0">
+            <a:schemeClr val="accent1"/>
+          </a:fillRef>
+          <a:effectRef idx="0">
+            <a:schemeClr val="accent1"/>
+          </a:effectRef>
+          <a:fontRef idx="minor">
+            <a:schemeClr val="tx1"/>
+          </a:fontRef>
+        </p:style>
+      </p:cxnSp>
+      <p:cxnSp>
+        <p:nvCxnSpPr>
+          <p:cNvPr id="13" name="Connettore 2 12">
+            <a:extLst>
+              <a:ext uri="{FF2B5EF4-FFF2-40B4-BE49-F238E27FC236}">
+                <a16:creationId xmlns:a16="http://schemas.microsoft.com/office/drawing/2014/main" id="{75C33CB2-A766-4470-855B-54762AFC9B8C}"/>
+              </a:ext>
+            </a:extLst>
+          </p:cNvPr>
+          <p:cNvCxnSpPr>
+            <a:cxnSpLocks/>
+          </p:cNvCxnSpPr>
+          <p:nvPr/>
+        </p:nvCxnSpPr>
+        <p:spPr>
+          <a:xfrm flipH="1">
+            <a:off x="3559946" y="4342708"/>
+            <a:ext cx="4740676" cy="0"/>
+          </a:xfrm>
+          <a:prstGeom prst="straightConnector1">
+            <a:avLst/>
+          </a:prstGeom>
+          <a:ln>
+            <a:tailEnd type="triangle"/>
+          </a:ln>
+        </p:spPr>
+        <p:style>
+          <a:lnRef idx="1">
+            <a:schemeClr val="accent1"/>
+          </a:lnRef>
+          <a:fillRef idx="0">
+            <a:schemeClr val="accent1"/>
+          </a:fillRef>
+          <a:effectRef idx="0">
+            <a:schemeClr val="accent1"/>
+          </a:effectRef>
+          <a:fontRef idx="minor">
+            <a:schemeClr val="tx1"/>
+          </a:fontRef>
+        </p:style>
+      </p:cxnSp>
+      <p:sp>
+        <p:nvSpPr>
+          <p:cNvPr id="14" name="CasellaDiTesto 13">
+            <a:extLst>
+              <a:ext uri="{FF2B5EF4-FFF2-40B4-BE49-F238E27FC236}">
+                <a16:creationId xmlns:a16="http://schemas.microsoft.com/office/drawing/2014/main" id="{CAD2F4BA-90BF-4BC0-A81C-02AAE88CFF59}"/>
+              </a:ext>
+            </a:extLst>
+          </p:cNvPr>
+          <p:cNvSpPr txBox="1"/>
+          <p:nvPr/>
+        </p:nvSpPr>
+        <p:spPr>
+          <a:xfrm>
+            <a:off x="4866125" y="2095423"/>
+            <a:ext cx="2522016" cy="369332"/>
+          </a:xfrm>
+          <a:prstGeom prst="rect">
+            <a:avLst/>
+          </a:prstGeom>
+          <a:noFill/>
+        </p:spPr>
+        <p:txBody>
+          <a:bodyPr wrap="square" rtlCol="0">
+            <a:spAutoFit/>
+          </a:bodyPr>
+          <a:lstStyle/>
+          <a:p>
+            <a:r>
+              <a:rPr lang="en-US" dirty="0"/>
+              <a:t>Asynchronous call</a:t>
+            </a:r>
+          </a:p>
+        </p:txBody>
+      </p:sp>
+      <p:sp>
+        <p:nvSpPr>
+          <p:cNvPr id="15" name="CasellaDiTesto 14">
+            <a:extLst>
+              <a:ext uri="{FF2B5EF4-FFF2-40B4-BE49-F238E27FC236}">
+                <a16:creationId xmlns:a16="http://schemas.microsoft.com/office/drawing/2014/main" id="{3D5B7CA5-562E-4C19-BF2B-99B27E1D4375}"/>
+              </a:ext>
+            </a:extLst>
+          </p:cNvPr>
+          <p:cNvSpPr txBox="1"/>
+          <p:nvPr/>
+        </p:nvSpPr>
+        <p:spPr>
+          <a:xfrm>
+            <a:off x="5055964" y="4477115"/>
+            <a:ext cx="1824230" cy="369332"/>
+          </a:xfrm>
+          <a:prstGeom prst="rect">
+            <a:avLst/>
+          </a:prstGeom>
+          <a:noFill/>
+        </p:spPr>
+        <p:txBody>
+          <a:bodyPr wrap="square" rtlCol="0">
+            <a:spAutoFit/>
+          </a:bodyPr>
+          <a:lstStyle/>
+          <a:p>
+            <a:r>
+              <a:rPr lang="en-US" dirty="0"/>
+              <a:t>Data Snapshot</a:t>
+            </a:r>
+          </a:p>
+        </p:txBody>
+      </p:sp>
+      <p:pic>
+        <p:nvPicPr>
+          <p:cNvPr id="21" name="Immagine 20">
+            <a:extLst>
+              <a:ext uri="{FF2B5EF4-FFF2-40B4-BE49-F238E27FC236}">
+                <a16:creationId xmlns:a16="http://schemas.microsoft.com/office/drawing/2014/main" id="{AB14C9EA-BC99-44DE-8D38-F09B1129D664}"/>
+              </a:ext>
+            </a:extLst>
+          </p:cNvPr>
+          <p:cNvPicPr>
+            <a:picLocks noChangeAspect="1"/>
+          </p:cNvPicPr>
+          <p:nvPr/>
+        </p:nvPicPr>
+        <p:blipFill>
+          <a:blip r:embed="rId5">
+            <a:extLst>
+              <a:ext uri="{28A0092B-C50C-407E-A947-70E740481C1C}">
+                <a14:useLocalDpi xmlns:a14="http://schemas.microsoft.com/office/drawing/2010/main" val="0"/>
+              </a:ext>
+            </a:extLst>
+          </a:blip>
+          <a:stretch>
+            <a:fillRect/>
+          </a:stretch>
+        </p:blipFill>
+        <p:spPr>
+          <a:xfrm>
+            <a:off x="1694719" y="2562257"/>
+            <a:ext cx="1249230" cy="1118475"/>
+          </a:xfrm>
+          <a:prstGeom prst="rect">
+            <a:avLst/>
+          </a:prstGeom>
+        </p:spPr>
+      </p:pic>
+      <p:sp>
+        <p:nvSpPr>
+          <p:cNvPr id="22" name="CasellaDiTesto 21">
+            <a:extLst>
+              <a:ext uri="{FF2B5EF4-FFF2-40B4-BE49-F238E27FC236}">
+                <a16:creationId xmlns:a16="http://schemas.microsoft.com/office/drawing/2014/main" id="{45D9160F-B6DE-4F75-940D-4E78B750D116}"/>
+              </a:ext>
+            </a:extLst>
+          </p:cNvPr>
+          <p:cNvSpPr txBox="1"/>
+          <p:nvPr/>
+        </p:nvSpPr>
+        <p:spPr>
+          <a:xfrm>
+            <a:off x="1616992" y="3775182"/>
+            <a:ext cx="1519259" cy="646331"/>
+          </a:xfrm>
+          <a:prstGeom prst="rect">
+            <a:avLst/>
+          </a:prstGeom>
+          <a:noFill/>
+        </p:spPr>
+        <p:txBody>
+          <a:bodyPr wrap="square" rtlCol="0">
+            <a:spAutoFit/>
+          </a:bodyPr>
+          <a:lstStyle/>
+          <a:p>
+            <a:pPr algn="ctr"/>
+            <a:r>
+              <a:rPr lang="en-US" dirty="0"/>
+              <a:t>Application Logic</a:t>
+            </a:r>
+          </a:p>
+        </p:txBody>
+      </p:sp>
+      <p:sp>
+        <p:nvSpPr>
+          <p:cNvPr id="23" name="CasellaDiTesto 22">
+            <a:extLst>
+              <a:ext uri="{FF2B5EF4-FFF2-40B4-BE49-F238E27FC236}">
+                <a16:creationId xmlns:a16="http://schemas.microsoft.com/office/drawing/2014/main" id="{0F0D82DE-F4D7-4620-B0E4-CAA5CA375FA0}"/>
+              </a:ext>
+            </a:extLst>
+          </p:cNvPr>
+          <p:cNvSpPr txBox="1"/>
+          <p:nvPr/>
+        </p:nvSpPr>
+        <p:spPr>
+          <a:xfrm>
+            <a:off x="1496671" y="5780733"/>
+            <a:ext cx="1807702" cy="461665"/>
+          </a:xfrm>
+          <a:prstGeom prst="rect">
+            <a:avLst/>
+          </a:prstGeom>
+          <a:noFill/>
+        </p:spPr>
+        <p:txBody>
+          <a:bodyPr wrap="square" rtlCol="0">
+            <a:spAutoFit/>
+          </a:bodyPr>
+          <a:lstStyle/>
+          <a:p>
+            <a:pPr algn="ctr"/>
+            <a:r>
+              <a:rPr lang="en-US" sz="2400" dirty="0"/>
+              <a:t>CLIENT</a:t>
+            </a:r>
+          </a:p>
+        </p:txBody>
+      </p:sp>
+      <p:sp>
+        <p:nvSpPr>
+          <p:cNvPr id="24" name="CasellaDiTesto 23">
+            <a:extLst>
+              <a:ext uri="{FF2B5EF4-FFF2-40B4-BE49-F238E27FC236}">
+                <a16:creationId xmlns:a16="http://schemas.microsoft.com/office/drawing/2014/main" id="{65C80375-9BF0-41F7-8742-C112F0270486}"/>
+              </a:ext>
+            </a:extLst>
+          </p:cNvPr>
+          <p:cNvSpPr txBox="1"/>
+          <p:nvPr/>
+        </p:nvSpPr>
+        <p:spPr>
+          <a:xfrm>
+            <a:off x="8645846" y="5825096"/>
+            <a:ext cx="2429501" cy="830997"/>
+          </a:xfrm>
+          <a:prstGeom prst="rect">
+            <a:avLst/>
+          </a:prstGeom>
+          <a:noFill/>
+        </p:spPr>
+        <p:txBody>
+          <a:bodyPr wrap="square" rtlCol="0">
+            <a:spAutoFit/>
+          </a:bodyPr>
+          <a:lstStyle/>
+          <a:p>
+            <a:pPr algn="ctr"/>
+            <a:r>
+              <a:rPr lang="en-US" sz="2400" dirty="0"/>
+              <a:t>REMOTE DATABASE</a:t>
+            </a:r>
+          </a:p>
+        </p:txBody>
+      </p:sp>
+    </p:spTree>
+    <p:extLst>
+      <p:ext uri="{BB962C8B-B14F-4D97-AF65-F5344CB8AC3E}">
+        <p14:creationId xmlns:p14="http://schemas.microsoft.com/office/powerpoint/2010/main" val="1914557649"/>
+      </p:ext>
+    </p:extLst>
+  </p:cSld>
+  <p:clrMapOvr>
+    <a:masterClrMapping/>
+  </p:clrMapOvr>
+</p:sld>
+</file>
+
+<file path=ppt/slides/slide7.xml><?xml version="1.0" encoding="utf-8"?>
+<p:sld xmlns:a="http://schemas.openxmlformats.org/drawingml/2006/main" xmlns:r="http://schemas.openxmlformats.org/officeDocument/2006/relationships" xmlns:p="http://schemas.openxmlformats.org/presentationml/2006/main">
+  <p:cSld>
+    <p:bg>
+      <p:bgPr>
+        <a:solidFill>
+          <a:schemeClr val="bg1"/>
+        </a:solidFill>
+        <a:effectLst/>
+      </p:bgPr>
+    </p:bg>
+    <p:spTree>
+      <p:nvGrpSpPr>
+        <p:cNvPr id="1" name=""/>
+        <p:cNvGrpSpPr/>
+        <p:nvPr/>
+      </p:nvGrpSpPr>
+      <p:grpSpPr>
+        <a:xfrm>
+          <a:off x="0" y="0"/>
+          <a:ext cx="0" cy="0"/>
+          <a:chOff x="0" y="0"/>
+          <a:chExt cx="0" cy="0"/>
+        </a:xfrm>
+      </p:grpSpPr>
+      <p:sp>
+        <p:nvSpPr>
+          <p:cNvPr id="17" name="CasellaDiTesto 16">
+            <a:extLst>
+              <a:ext uri="{FF2B5EF4-FFF2-40B4-BE49-F238E27FC236}">
+                <a16:creationId xmlns:a16="http://schemas.microsoft.com/office/drawing/2014/main" id="{E8D3F4C0-F4C7-4C64-8698-3B8545B4F86D}"/>
+              </a:ext>
+            </a:extLst>
+          </p:cNvPr>
+          <p:cNvSpPr txBox="1"/>
+          <p:nvPr/>
+        </p:nvSpPr>
+        <p:spPr>
+          <a:xfrm>
+            <a:off x="4734198" y="302550"/>
+            <a:ext cx="6894576" cy="1783080"/>
+          </a:xfrm>
+          <a:prstGeom prst="rect">
+            <a:avLst/>
+          </a:prstGeom>
+        </p:spPr>
+        <p:txBody>
+          <a:bodyPr vert="horz" lIns="91440" tIns="45720" rIns="91440" bIns="45720" rtlCol="0" anchor="b">
+            <a:normAutofit/>
+          </a:bodyPr>
+          <a:lstStyle/>
+          <a:p>
+            <a:pPr>
+              <a:lnSpc>
+                <a:spcPct val="90000"/>
+              </a:lnSpc>
+              <a:spcBef>
+                <a:spcPct val="0"/>
+              </a:spcBef>
+              <a:spcAft>
+                <a:spcPts val="600"/>
+              </a:spcAft>
+            </a:pPr>
+            <a:r>
+              <a:rPr lang="en-US" sz="5400" dirty="0">
+                <a:latin typeface="+mj-lt"/>
+                <a:ea typeface="+mj-ea"/>
+                <a:cs typeface="+mj-cs"/>
+              </a:rPr>
+              <a:t>Client</a:t>
+            </a:r>
+          </a:p>
+        </p:txBody>
+      </p:sp>
+      <p:sp>
+        <p:nvSpPr>
+          <p:cNvPr id="5" name="CasellaDiTesto 4">
+            <a:extLst>
+              <a:ext uri="{FF2B5EF4-FFF2-40B4-BE49-F238E27FC236}">
+                <a16:creationId xmlns:a16="http://schemas.microsoft.com/office/drawing/2014/main" id="{BB030ACC-FF08-4C55-9DFD-FA6ACFCE0733}"/>
+              </a:ext>
+            </a:extLst>
+          </p:cNvPr>
+          <p:cNvSpPr txBox="1"/>
+          <p:nvPr/>
+        </p:nvSpPr>
+        <p:spPr>
+          <a:xfrm>
+            <a:off x="4965431" y="2438400"/>
+            <a:ext cx="6586489" cy="3785419"/>
+          </a:xfrm>
+          <a:prstGeom prst="rect">
+            <a:avLst/>
+          </a:prstGeom>
+        </p:spPr>
+        <p:txBody>
+          <a:bodyPr vert="horz" lIns="91440" tIns="45720" rIns="91440" bIns="45720" rtlCol="0">
+            <a:normAutofit/>
+          </a:bodyPr>
+          <a:lstStyle/>
+          <a:p>
+            <a:pPr indent="-228600">
+              <a:lnSpc>
+                <a:spcPct val="90000"/>
+              </a:lnSpc>
+              <a:spcAft>
+                <a:spcPts val="600"/>
+              </a:spcAft>
+              <a:buFont typeface="Arial" panose="020B0604020202020204" pitchFamily="34" charset="0"/>
+              <a:buChar char="•"/>
+            </a:pPr>
+            <a:r>
+              <a:rPr lang="en-US" sz="2000" dirty="0"/>
+              <a:t>Made in flutter:</a:t>
+            </a:r>
+          </a:p>
+          <a:p>
+            <a:pPr marL="285750" indent="-228600">
+              <a:lnSpc>
+                <a:spcPct val="90000"/>
+              </a:lnSpc>
+              <a:spcAft>
+                <a:spcPts val="600"/>
+              </a:spcAft>
+              <a:buFont typeface="Arial" panose="020B0604020202020204" pitchFamily="34" charset="0"/>
+              <a:buChar char="•"/>
+            </a:pPr>
+            <a:r>
+              <a:rPr lang="en-US" sz="2000" dirty="0"/>
+              <a:t> customizable widgets</a:t>
+            </a:r>
+          </a:p>
+          <a:p>
+            <a:pPr marL="285750" indent="-228600">
+              <a:lnSpc>
+                <a:spcPct val="90000"/>
+              </a:lnSpc>
+              <a:spcAft>
+                <a:spcPts val="600"/>
+              </a:spcAft>
+              <a:buFont typeface="Arial" panose="020B0604020202020204" pitchFamily="34" charset="0"/>
+              <a:buChar char="•"/>
+            </a:pPr>
+            <a:r>
+              <a:rPr lang="en-US" sz="2000" dirty="0"/>
+              <a:t> cross-platform</a:t>
+            </a:r>
+          </a:p>
+        </p:txBody>
+      </p:sp>
+      <p:pic>
+        <p:nvPicPr>
+          <p:cNvPr id="11" name="Immagine 10">
+            <a:extLst>
+              <a:ext uri="{FF2B5EF4-FFF2-40B4-BE49-F238E27FC236}">
+                <a16:creationId xmlns:a16="http://schemas.microsoft.com/office/drawing/2014/main" id="{8CA51963-6A94-47C6-B573-84FEC7F832AE}"/>
+              </a:ext>
+            </a:extLst>
+          </p:cNvPr>
+          <p:cNvPicPr>
+            <a:picLocks noChangeAspect="1"/>
+          </p:cNvPicPr>
+          <p:nvPr/>
+        </p:nvPicPr>
+        <p:blipFill rotWithShape="1">
+          <a:blip r:embed="rId2">
+            <a:extLst>
+              <a:ext uri="{28A0092B-C50C-407E-A947-70E740481C1C}">
+                <a14:useLocalDpi xmlns:a14="http://schemas.microsoft.com/office/drawing/2010/main" val="0"/>
+              </a:ext>
+            </a:extLst>
+          </a:blip>
+          <a:srcRect t="4260" r="1" b="18441"/>
+          <a:stretch/>
+        </p:blipFill>
+        <p:spPr>
+          <a:xfrm>
+            <a:off x="20" y="10"/>
+            <a:ext cx="4635571" cy="6857990"/>
+          </a:xfrm>
+          <a:prstGeom prst="rect">
+            <a:avLst/>
+          </a:prstGeom>
+          <a:effectLst/>
+        </p:spPr>
+      </p:pic>
+      <p:cxnSp>
+        <p:nvCxnSpPr>
+          <p:cNvPr id="25" name="Straight Connector 24">
+            <a:extLst>
+              <a:ext uri="{FF2B5EF4-FFF2-40B4-BE49-F238E27FC236}">
+                <a16:creationId xmlns:a16="http://schemas.microsoft.com/office/drawing/2014/main" id="{A7F400EE-A8A5-48AF-B4D6-291B52C6F0B0}"/>
+              </a:ext>
+              <a:ext uri="{C183D7F6-B498-43B3-948B-1728B52AA6E4}">
+                <adec:decorative xmlns:adec="http://schemas.microsoft.com/office/drawing/2017/decorative" val="1"/>
+              </a:ext>
+            </a:extLst>
+          </p:cNvPr>
+          <p:cNvCxnSpPr>
+            <a:cxnSpLocks noGrp="1" noRot="1" noChangeAspect="1" noMove="1" noResize="1" noEditPoints="1" noAdjustHandles="1" noChangeArrowheads="1" noChangeShapeType="1"/>
+          </p:cNvCxnSpPr>
+          <p:nvPr>
+            <p:extLst>
+              <p:ext uri="{386F3935-93C4-4BCD-93E2-E3B085C9AB24}">
+                <p16:designElem xmlns:p16="http://schemas.microsoft.com/office/powerpoint/2015/main" val="1"/>
+              </p:ext>
+            </p:extLst>
+          </p:nvPr>
+        </p:nvCxnSpPr>
+        <p:spPr>
+          <a:xfrm>
+            <a:off x="5080934" y="2115117"/>
+            <a:ext cx="6309360" cy="0"/>
+          </a:xfrm>
+          <a:prstGeom prst="line">
+            <a:avLst/>
+          </a:prstGeom>
+          <a:ln w="19050">
+            <a:solidFill>
+              <a:srgbClr val="4FC6FA"/>
+            </a:solidFill>
+          </a:ln>
+        </p:spPr>
+        <p:style>
+          <a:lnRef idx="1">
+            <a:schemeClr val="accent1"/>
+          </a:lnRef>
+          <a:fillRef idx="0">
+            <a:schemeClr val="accent1"/>
+          </a:fillRef>
+          <a:effectRef idx="0">
+            <a:schemeClr val="accent1"/>
+          </a:effectRef>
+          <a:fontRef idx="minor">
+            <a:schemeClr val="tx1"/>
+          </a:fontRef>
+        </p:style>
+      </p:cxnSp>
+      <p:sp>
+        <p:nvSpPr>
+          <p:cNvPr id="6" name="CasellaDiTesto 5">
+            <a:extLst>
+              <a:ext uri="{FF2B5EF4-FFF2-40B4-BE49-F238E27FC236}">
+                <a16:creationId xmlns:a16="http://schemas.microsoft.com/office/drawing/2014/main" id="{80673848-4CC9-4564-8BB6-84DF708E8831}"/>
+              </a:ext>
+            </a:extLst>
+          </p:cNvPr>
+          <p:cNvSpPr txBox="1"/>
+          <p:nvPr/>
+        </p:nvSpPr>
+        <p:spPr>
+          <a:xfrm>
+            <a:off x="8386682" y="2314807"/>
+            <a:ext cx="3003612" cy="1354217"/>
+          </a:xfrm>
+          <a:prstGeom prst="rect">
+            <a:avLst/>
+          </a:prstGeom>
+          <a:noFill/>
+        </p:spPr>
+        <p:txBody>
+          <a:bodyPr wrap="square" rtlCol="0">
+            <a:spAutoFit/>
+          </a:bodyPr>
+          <a:lstStyle/>
+          <a:p>
+            <a:pPr>
+              <a:spcAft>
+                <a:spcPts val="600"/>
+              </a:spcAft>
+            </a:pPr>
+            <a:r>
+              <a:rPr lang="en-US" dirty="0"/>
+              <a:t>Dynamic status management realized with:</a:t>
+            </a:r>
+          </a:p>
+          <a:p>
+            <a:pPr marL="285750" indent="-285750">
+              <a:spcAft>
+                <a:spcPts val="600"/>
+              </a:spcAft>
+              <a:buFont typeface="Arial" panose="020B0604020202020204" pitchFamily="34" charset="0"/>
+              <a:buChar char="•"/>
+            </a:pPr>
+            <a:r>
+              <a:rPr lang="en-US" dirty="0" err="1"/>
+              <a:t>MobX</a:t>
+            </a:r>
+            <a:endParaRPr lang="en-US" dirty="0"/>
+          </a:p>
+          <a:p>
+            <a:pPr marL="285750" indent="-285750">
+              <a:spcAft>
+                <a:spcPts val="600"/>
+              </a:spcAft>
+              <a:buFont typeface="Arial" panose="020B0604020202020204" pitchFamily="34" charset="0"/>
+              <a:buChar char="•"/>
+            </a:pPr>
+            <a:r>
+              <a:rPr lang="en-US" dirty="0"/>
+              <a:t>Provider</a:t>
+            </a:r>
+          </a:p>
+        </p:txBody>
+      </p:sp>
+    </p:spTree>
+    <p:extLst>
+      <p:ext uri="{BB962C8B-B14F-4D97-AF65-F5344CB8AC3E}">
+        <p14:creationId xmlns:p14="http://schemas.microsoft.com/office/powerpoint/2010/main" val="3345111694"/>
+      </p:ext>
+    </p:extLst>
+  </p:cSld>
+  <p:clrMapOvr>
+    <a:masterClrMapping/>
+  </p:clrMapOvr>
+</p:sld>
+</file>
+
+<file path=ppt/slides/slide8.xml><?xml version="1.0" encoding="utf-8"?>
+<p:sld xmlns:a="http://schemas.openxmlformats.org/drawingml/2006/main" xmlns:r="http://schemas.openxmlformats.org/officeDocument/2006/relationships" xmlns:p="http://schemas.openxmlformats.org/presentationml/2006/main">
+  <p:cSld>
+    <p:bg>
+      <p:bgPr>
+        <a:solidFill>
+          <a:schemeClr val="bg1"/>
+        </a:solidFill>
+        <a:effectLst/>
+      </p:bgPr>
+    </p:bg>
+    <p:spTree>
+      <p:nvGrpSpPr>
+        <p:cNvPr id="1" name=""/>
+        <p:cNvGrpSpPr/>
+        <p:nvPr/>
+      </p:nvGrpSpPr>
+      <p:grpSpPr>
+        <a:xfrm>
+          <a:off x="0" y="0"/>
+          <a:ext cx="0" cy="0"/>
+          <a:chOff x="0" y="0"/>
+          <a:chExt cx="0" cy="0"/>
+        </a:xfrm>
+      </p:grpSpPr>
+      <p:sp useBgFill="1">
+        <p:nvSpPr>
+          <p:cNvPr id="31" name="Rectangle 30">
+            <a:extLst>
+              <a:ext uri="{FF2B5EF4-FFF2-40B4-BE49-F238E27FC236}">
+                <a16:creationId xmlns:a16="http://schemas.microsoft.com/office/drawing/2014/main" id="{2C61293E-6EBE-43EF-A52C-9BEBFD7679D4}"/>
+              </a:ext>
+              <a:ext uri="{C183D7F6-B498-43B3-948B-1728B52AA6E4}">
+                <adec:decorative xmlns:adec="http://schemas.microsoft.com/office/drawing/2017/decorative" val="1"/>
+              </a:ext>
+            </a:extLst>
+          </p:cNvPr>
+          <p:cNvSpPr>
+            <a:spLocks noGrp="1" noRot="1" noChangeAspect="1" noMove="1" noResize="1" noEditPoints="1" noAdjustHandles="1" noChangeArrowheads="1" noChangeShapeType="1" noTextEdit="1"/>
+          </p:cNvSpPr>
+          <p:nvPr>
+            <p:extLst>
+              <p:ext uri="{386F3935-93C4-4BCD-93E2-E3B085C9AB24}">
+                <p16:designElem xmlns:p16="http://schemas.microsoft.com/office/powerpoint/2015/main" val="1"/>
+              </p:ext>
+            </p:extLst>
+          </p:nvPr>
+        </p:nvSpPr>
+        <p:spPr>
+          <a:xfrm>
+            <a:off x="0" y="0"/>
+            <a:ext cx="12188952" cy="6858000"/>
+          </a:xfrm>
+          <a:prstGeom prst="rect">
+            <a:avLst/>
+          </a:prstGeom>
+          <a:ln>
+            <a:noFill/>
+          </a:ln>
+        </p:spPr>
+        <p:style>
+          <a:lnRef idx="2">
+            <a:schemeClr val="accent1">
+              <a:shade val="50000"/>
+            </a:schemeClr>
+          </a:lnRef>
+          <a:fillRef idx="1">
+            <a:schemeClr val="accent1"/>
+          </a:fillRef>
+          <a:effectRef idx="0">
+            <a:schemeClr val="accent1"/>
+          </a:effectRef>
+          <a:fontRef idx="minor">
+            <a:schemeClr val="lt1"/>
+          </a:fontRef>
+        </p:style>
+        <p:txBody>
+          <a:bodyPr rtlCol="0" anchor="ctr"/>
+          <a:lstStyle/>
+          <a:p>
+            <a:pPr algn="ctr"/>
+            <a:endParaRPr lang="en-US"/>
+          </a:p>
+        </p:txBody>
+      </p:sp>
+      <p:sp>
+        <p:nvSpPr>
+          <p:cNvPr id="7" name="CasellaDiTesto 6">
+            <a:extLst>
+              <a:ext uri="{FF2B5EF4-FFF2-40B4-BE49-F238E27FC236}">
+                <a16:creationId xmlns:a16="http://schemas.microsoft.com/office/drawing/2014/main" id="{7BF00D5C-8F96-4FA5-A1E7-EDBEE7743498}"/>
+              </a:ext>
+            </a:extLst>
+          </p:cNvPr>
+          <p:cNvSpPr txBox="1"/>
+          <p:nvPr/>
+        </p:nvSpPr>
+        <p:spPr>
+          <a:xfrm>
+            <a:off x="4654296" y="329184"/>
+            <a:ext cx="6894576" cy="1783080"/>
+          </a:xfrm>
+          <a:prstGeom prst="rect">
+            <a:avLst/>
+          </a:prstGeom>
+        </p:spPr>
+        <p:txBody>
+          <a:bodyPr vert="horz" lIns="91440" tIns="45720" rIns="91440" bIns="45720" rtlCol="0" anchor="b">
+            <a:normAutofit/>
+          </a:bodyPr>
+          <a:lstStyle/>
+          <a:p>
+            <a:pPr>
+              <a:lnSpc>
+                <a:spcPct val="90000"/>
+              </a:lnSpc>
+              <a:spcBef>
+                <a:spcPct val="0"/>
+              </a:spcBef>
+              <a:spcAft>
+                <a:spcPts val="600"/>
+              </a:spcAft>
+            </a:pPr>
+            <a:r>
+              <a:rPr lang="en-US" sz="5400" dirty="0">
+                <a:latin typeface="+mj-lt"/>
+                <a:ea typeface="+mj-ea"/>
+                <a:cs typeface="+mj-cs"/>
+              </a:rPr>
+              <a:t>Database</a:t>
+            </a:r>
+          </a:p>
+        </p:txBody>
+      </p:sp>
+      <p:pic>
+        <p:nvPicPr>
+          <p:cNvPr id="3" name="Immagine 2">
+            <a:extLst>
+              <a:ext uri="{FF2B5EF4-FFF2-40B4-BE49-F238E27FC236}">
+                <a16:creationId xmlns:a16="http://schemas.microsoft.com/office/drawing/2014/main" id="{D0C460F3-F587-4493-9F72-B248408FCF48}"/>
+              </a:ext>
+            </a:extLst>
+          </p:cNvPr>
+          <p:cNvPicPr>
+            <a:picLocks noChangeAspect="1"/>
+          </p:cNvPicPr>
+          <p:nvPr/>
+        </p:nvPicPr>
+        <p:blipFill rotWithShape="1">
+          <a:blip r:embed="rId2">
+            <a:extLst>
+              <a:ext uri="{28A0092B-C50C-407E-A947-70E740481C1C}">
+                <a14:useLocalDpi xmlns:a14="http://schemas.microsoft.com/office/drawing/2010/main" val="0"/>
+              </a:ext>
+            </a:extLst>
+          </a:blip>
+          <a:srcRect l="14833" r="13767" b="3"/>
+          <a:stretch/>
+        </p:blipFill>
+        <p:spPr>
+          <a:xfrm>
+            <a:off x="20" y="1"/>
+            <a:ext cx="4052522" cy="6858000"/>
+          </a:xfrm>
+          <a:custGeom>
+            <a:avLst/>
+            <a:gdLst/>
+            <a:ahLst/>
+            <a:cxnLst/>
+            <a:rect l="l" t="t" r="r" b="b"/>
+            <a:pathLst>
+              <a:path w="4052542" h="6858000">
+                <a:moveTo>
+                  <a:pt x="0" y="0"/>
+                </a:moveTo>
+                <a:lnTo>
+                  <a:pt x="4020923" y="0"/>
+                </a:lnTo>
+                <a:lnTo>
+                  <a:pt x="4022656" y="14697"/>
+                </a:lnTo>
+                <a:cubicBezTo>
+                  <a:pt x="4037606" y="98462"/>
+                  <a:pt x="4035072" y="183369"/>
+                  <a:pt x="4039126" y="267642"/>
+                </a:cubicBezTo>
+                <a:cubicBezTo>
+                  <a:pt x="4043941" y="370699"/>
+                  <a:pt x="4037860" y="474136"/>
+                  <a:pt x="4035579" y="577446"/>
+                </a:cubicBezTo>
+                <a:cubicBezTo>
+                  <a:pt x="4033805" y="665399"/>
+                  <a:pt x="4025063" y="753226"/>
+                  <a:pt x="4027724" y="841306"/>
+                </a:cubicBezTo>
+                <a:cubicBezTo>
+                  <a:pt x="4027914" y="844352"/>
+                  <a:pt x="4027914" y="847398"/>
+                  <a:pt x="4027724" y="850444"/>
+                </a:cubicBezTo>
+                <a:cubicBezTo>
+                  <a:pt x="4019615" y="947281"/>
+                  <a:pt x="4019615" y="1044626"/>
+                  <a:pt x="4027724" y="1141464"/>
+                </a:cubicBezTo>
+                <a:cubicBezTo>
+                  <a:pt x="4030296" y="1181772"/>
+                  <a:pt x="4029574" y="1222221"/>
+                  <a:pt x="4025570" y="1262415"/>
+                </a:cubicBezTo>
+                <a:cubicBezTo>
+                  <a:pt x="4021769" y="1313563"/>
+                  <a:pt x="4009606" y="1365472"/>
+                  <a:pt x="4018348" y="1416238"/>
+                </a:cubicBezTo>
+                <a:cubicBezTo>
+                  <a:pt x="4024037" y="1458058"/>
+                  <a:pt x="4027166" y="1500194"/>
+                  <a:pt x="4027724" y="1542394"/>
+                </a:cubicBezTo>
+                <a:cubicBezTo>
+                  <a:pt x="4032158" y="1636820"/>
+                  <a:pt x="4027977" y="1731753"/>
+                  <a:pt x="4026330" y="1826433"/>
+                </a:cubicBezTo>
+                <a:cubicBezTo>
+                  <a:pt x="4024556" y="1936724"/>
+                  <a:pt x="4027344" y="2047015"/>
+                  <a:pt x="4018475" y="2157432"/>
+                </a:cubicBezTo>
+                <a:cubicBezTo>
+                  <a:pt x="4013597" y="2246629"/>
+                  <a:pt x="4013597" y="2336029"/>
+                  <a:pt x="4018475" y="2425226"/>
+                </a:cubicBezTo>
+                <a:cubicBezTo>
+                  <a:pt x="4020882" y="2506961"/>
+                  <a:pt x="4033172" y="2587934"/>
+                  <a:pt x="4031145" y="2670557"/>
+                </a:cubicBezTo>
+                <a:cubicBezTo>
+                  <a:pt x="4028737" y="2766886"/>
+                  <a:pt x="4017335" y="2862962"/>
+                  <a:pt x="4020882" y="2959546"/>
+                </a:cubicBezTo>
+                <a:cubicBezTo>
+                  <a:pt x="4022529" y="3005617"/>
+                  <a:pt x="4022656" y="3051688"/>
+                  <a:pt x="4023543" y="3097758"/>
+                </a:cubicBezTo>
+                <a:cubicBezTo>
+                  <a:pt x="4024683" y="3153221"/>
+                  <a:pt x="4034692" y="3208556"/>
+                  <a:pt x="4029117" y="3263892"/>
+                </a:cubicBezTo>
+                <a:cubicBezTo>
+                  <a:pt x="4019869" y="3356161"/>
+                  <a:pt x="3995923" y="3446906"/>
+                  <a:pt x="4010873" y="3541459"/>
+                </a:cubicBezTo>
+                <a:cubicBezTo>
+                  <a:pt x="4019108" y="3593495"/>
+                  <a:pt x="4028357" y="3645658"/>
+                  <a:pt x="4033172" y="3698201"/>
+                </a:cubicBezTo>
+                <a:cubicBezTo>
+                  <a:pt x="4037353" y="3745160"/>
+                  <a:pt x="4047868" y="3792881"/>
+                  <a:pt x="4039886" y="3839586"/>
+                </a:cubicBezTo>
+                <a:cubicBezTo>
+                  <a:pt x="4033045" y="3879565"/>
+                  <a:pt x="4036592" y="3919544"/>
+                  <a:pt x="4031271" y="3959523"/>
+                </a:cubicBezTo>
+                <a:cubicBezTo>
+                  <a:pt x="4024303" y="4011939"/>
+                  <a:pt x="4020629" y="4065244"/>
+                  <a:pt x="4015308" y="4118042"/>
+                </a:cubicBezTo>
+                <a:cubicBezTo>
+                  <a:pt x="4010620" y="4165889"/>
+                  <a:pt x="4006946" y="4213610"/>
+                  <a:pt x="4019615" y="4258539"/>
+                </a:cubicBezTo>
+                <a:cubicBezTo>
+                  <a:pt x="4050656" y="4371622"/>
+                  <a:pt x="4033679" y="4484070"/>
+                  <a:pt x="4022023" y="4596391"/>
+                </a:cubicBezTo>
+                <a:cubicBezTo>
+                  <a:pt x="4016321" y="4650965"/>
+                  <a:pt x="4007959" y="4708712"/>
+                  <a:pt x="4020629" y="4758718"/>
+                </a:cubicBezTo>
+                <a:cubicBezTo>
+                  <a:pt x="4043941" y="4847432"/>
+                  <a:pt x="4025697" y="4931705"/>
+                  <a:pt x="4015561" y="5016866"/>
+                </a:cubicBezTo>
+                <a:cubicBezTo>
+                  <a:pt x="4003335" y="5100174"/>
+                  <a:pt x="4005096" y="5184929"/>
+                  <a:pt x="4020756" y="5267654"/>
+                </a:cubicBezTo>
+                <a:cubicBezTo>
+                  <a:pt x="4033172" y="5326035"/>
+                  <a:pt x="4033172" y="5385432"/>
+                  <a:pt x="4034692" y="5444194"/>
+                </a:cubicBezTo>
+                <a:cubicBezTo>
+                  <a:pt x="4035579" y="5481001"/>
+                  <a:pt x="4022023" y="5518441"/>
+                  <a:pt x="4013027" y="5555120"/>
+                </a:cubicBezTo>
+                <a:cubicBezTo>
+                  <a:pt x="3996937" y="5621371"/>
+                  <a:pt x="3991109" y="5688636"/>
+                  <a:pt x="4013027" y="5753237"/>
+                </a:cubicBezTo>
+                <a:cubicBezTo>
+                  <a:pt x="4043561" y="5842713"/>
+                  <a:pt x="4061045" y="5932189"/>
+                  <a:pt x="4048375" y="6026870"/>
+                </a:cubicBezTo>
+                <a:cubicBezTo>
+                  <a:pt x="4041027" y="6085251"/>
+                  <a:pt x="4039380" y="6144902"/>
+                  <a:pt x="4028357" y="6202522"/>
+                </a:cubicBezTo>
+                <a:cubicBezTo>
+                  <a:pt x="4010240" y="6298091"/>
+                  <a:pt x="4016701" y="6393024"/>
+                  <a:pt x="4031145" y="6487196"/>
+                </a:cubicBezTo>
+                <a:cubicBezTo>
+                  <a:pt x="4041293" y="6565885"/>
+                  <a:pt x="4042395" y="6645474"/>
+                  <a:pt x="4034439" y="6724403"/>
+                </a:cubicBezTo>
+                <a:lnTo>
+                  <a:pt x="4025206" y="6858000"/>
+                </a:lnTo>
+                <a:lnTo>
+                  <a:pt x="0" y="6858000"/>
+                </a:lnTo>
+                <a:close/>
+              </a:path>
+            </a:pathLst>
+          </a:custGeom>
+        </p:spPr>
+      </p:pic>
+      <p:sp>
+        <p:nvSpPr>
+          <p:cNvPr id="33" name="sketchy line">
+            <a:extLst>
+              <a:ext uri="{FF2B5EF4-FFF2-40B4-BE49-F238E27FC236}">
+                <a16:creationId xmlns:a16="http://schemas.microsoft.com/office/drawing/2014/main" id="{3FCFB1DE-0B7E-48CC-BA90-B2AB0889F9D6}"/>
+              </a:ext>
+              <a:ext uri="{C183D7F6-B498-43B3-948B-1728B52AA6E4}">
+                <adec:decorative xmlns:adec="http://schemas.microsoft.com/office/drawing/2017/decorative" val="1"/>
+              </a:ext>
+            </a:extLst>
+          </p:cNvPr>
+          <p:cNvSpPr>
+            <a:spLocks noGrp="1" noRot="1" noChangeAspect="1" noMove="1" noResize="1" noEditPoints="1" noAdjustHandles="1" noChangeArrowheads="1" noChangeShapeType="1" noTextEdit="1"/>
+          </p:cNvSpPr>
+          <p:nvPr>
+            <p:extLst>
+              <p:ext uri="{386F3935-93C4-4BCD-93E2-E3B085C9AB24}">
+                <p16:designElem xmlns:p16="http://schemas.microsoft.com/office/powerpoint/2015/main" val="1"/>
+              </p:ext>
+            </p:extLst>
+          </p:nvPr>
+        </p:nvSpPr>
+        <p:spPr>
+          <a:xfrm>
+            <a:off x="4654296" y="2395728"/>
+            <a:ext cx="4243589" cy="18288"/>
+          </a:xfrm>
+          <a:custGeom>
+            <a:avLst/>
+            <a:gdLst>
+              <a:gd name="connsiteX0" fmla="*/ 0 w 4243589"/>
+              <a:gd name="connsiteY0" fmla="*/ 0 h 18288"/>
+              <a:gd name="connsiteX1" fmla="*/ 478919 w 4243589"/>
+              <a:gd name="connsiteY1" fmla="*/ 0 h 18288"/>
+              <a:gd name="connsiteX2" fmla="*/ 957839 w 4243589"/>
+              <a:gd name="connsiteY2" fmla="*/ 0 h 18288"/>
+              <a:gd name="connsiteX3" fmla="*/ 1521630 w 4243589"/>
+              <a:gd name="connsiteY3" fmla="*/ 0 h 18288"/>
+              <a:gd name="connsiteX4" fmla="*/ 2212729 w 4243589"/>
+              <a:gd name="connsiteY4" fmla="*/ 0 h 18288"/>
+              <a:gd name="connsiteX5" fmla="*/ 2734084 w 4243589"/>
+              <a:gd name="connsiteY5" fmla="*/ 0 h 18288"/>
+              <a:gd name="connsiteX6" fmla="*/ 3255439 w 4243589"/>
+              <a:gd name="connsiteY6" fmla="*/ 0 h 18288"/>
+              <a:gd name="connsiteX7" fmla="*/ 4243589 w 4243589"/>
+              <a:gd name="connsiteY7" fmla="*/ 0 h 18288"/>
+              <a:gd name="connsiteX8" fmla="*/ 4243589 w 4243589"/>
+              <a:gd name="connsiteY8" fmla="*/ 18288 h 18288"/>
+              <a:gd name="connsiteX9" fmla="*/ 3594926 w 4243589"/>
+              <a:gd name="connsiteY9" fmla="*/ 18288 h 18288"/>
+              <a:gd name="connsiteX10" fmla="*/ 3073571 w 4243589"/>
+              <a:gd name="connsiteY10" fmla="*/ 18288 h 18288"/>
+              <a:gd name="connsiteX11" fmla="*/ 2552216 w 4243589"/>
+              <a:gd name="connsiteY11" fmla="*/ 18288 h 18288"/>
+              <a:gd name="connsiteX12" fmla="*/ 1903553 w 4243589"/>
+              <a:gd name="connsiteY12" fmla="*/ 18288 h 18288"/>
+              <a:gd name="connsiteX13" fmla="*/ 1212454 w 4243589"/>
+              <a:gd name="connsiteY13" fmla="*/ 18288 h 18288"/>
+              <a:gd name="connsiteX14" fmla="*/ 733535 w 4243589"/>
+              <a:gd name="connsiteY14" fmla="*/ 18288 h 18288"/>
+              <a:gd name="connsiteX15" fmla="*/ 0 w 4243589"/>
+              <a:gd name="connsiteY15" fmla="*/ 18288 h 18288"/>
+              <a:gd name="connsiteX16" fmla="*/ 0 w 4243589"/>
+              <a:gd name="connsiteY16" fmla="*/ 0 h 18288"/>
+            </a:gdLst>
+            <a:ahLst/>
+            <a:cxnLst>
+              <a:cxn ang="0">
+                <a:pos x="connsiteX0" y="connsiteY0"/>
+              </a:cxn>
+              <a:cxn ang="0">
+                <a:pos x="connsiteX1" y="connsiteY1"/>
+              </a:cxn>
+              <a:cxn ang="0">
+                <a:pos x="connsiteX2" y="connsiteY2"/>
+              </a:cxn>
+              <a:cxn ang="0">
+                <a:pos x="connsiteX3" y="connsiteY3"/>
+              </a:cxn>
+              <a:cxn ang="0">
+                <a:pos x="connsiteX4" y="connsiteY4"/>
+              </a:cxn>
+              <a:cxn ang="0">
+                <a:pos x="connsiteX5" y="connsiteY5"/>
+              </a:cxn>
+              <a:cxn ang="0">
+                <a:pos x="connsiteX6" y="connsiteY6"/>
+              </a:cxn>
+              <a:cxn ang="0">
+                <a:pos x="connsiteX7" y="connsiteY7"/>
+              </a:cxn>
+              <a:cxn ang="0">
+                <a:pos x="connsiteX8" y="connsiteY8"/>
+              </a:cxn>
+              <a:cxn ang="0">
+                <a:pos x="connsiteX9" y="connsiteY9"/>
+              </a:cxn>
+              <a:cxn ang="0">
+                <a:pos x="connsiteX10" y="connsiteY10"/>
+              </a:cxn>
+              <a:cxn ang="0">
+                <a:pos x="connsiteX11" y="connsiteY11"/>
+              </a:cxn>
+              <a:cxn ang="0">
+                <a:pos x="connsiteX12" y="connsiteY12"/>
+              </a:cxn>
+              <a:cxn ang="0">
+                <a:pos x="connsiteX13" y="connsiteY13"/>
+              </a:cxn>
+              <a:cxn ang="0">
+                <a:pos x="connsiteX14" y="connsiteY14"/>
+              </a:cxn>
+              <a:cxn ang="0">
+                <a:pos x="connsiteX15" y="connsiteY15"/>
+              </a:cxn>
+              <a:cxn ang="0">
+                <a:pos x="connsiteX16" y="connsiteY16"/>
+              </a:cxn>
+            </a:cxnLst>
+            <a:rect l="l" t="t" r="r" b="b"/>
+            <a:pathLst>
+              <a:path w="4243589" h="18288" fill="none" extrusionOk="0">
+                <a:moveTo>
+                  <a:pt x="0" y="0"/>
+                </a:moveTo>
+                <a:cubicBezTo>
+                  <a:pt x="213395" y="-21006"/>
+                  <a:pt x="307421" y="-18116"/>
+                  <a:pt x="478919" y="0"/>
+                </a:cubicBezTo>
+                <a:cubicBezTo>
+                  <a:pt x="650417" y="18116"/>
+                  <a:pt x="831092" y="-21237"/>
+                  <a:pt x="957839" y="0"/>
+                </a:cubicBezTo>
+                <a:cubicBezTo>
+                  <a:pt x="1084586" y="21237"/>
+                  <a:pt x="1301682" y="25124"/>
+                  <a:pt x="1521630" y="0"/>
+                </a:cubicBezTo>
+                <a:cubicBezTo>
+                  <a:pt x="1741578" y="-25124"/>
+                  <a:pt x="1970269" y="-29139"/>
+                  <a:pt x="2212729" y="0"/>
+                </a:cubicBezTo>
+                <a:cubicBezTo>
+                  <a:pt x="2455189" y="29139"/>
+                  <a:pt x="2558847" y="-4796"/>
+                  <a:pt x="2734084" y="0"/>
+                </a:cubicBezTo>
+                <a:cubicBezTo>
+                  <a:pt x="2909321" y="4796"/>
+                  <a:pt x="3097217" y="-13409"/>
+                  <a:pt x="3255439" y="0"/>
+                </a:cubicBezTo>
+                <a:cubicBezTo>
+                  <a:pt x="3413662" y="13409"/>
+                  <a:pt x="3979999" y="-10121"/>
+                  <a:pt x="4243589" y="0"/>
+                </a:cubicBezTo>
+                <a:cubicBezTo>
+                  <a:pt x="4244484" y="8974"/>
+                  <a:pt x="4243043" y="9359"/>
+                  <a:pt x="4243589" y="18288"/>
+                </a:cubicBezTo>
+                <a:cubicBezTo>
+                  <a:pt x="4058777" y="31246"/>
+                  <a:pt x="3910348" y="3158"/>
+                  <a:pt x="3594926" y="18288"/>
+                </a:cubicBezTo>
+                <a:cubicBezTo>
+                  <a:pt x="3279504" y="33418"/>
+                  <a:pt x="3319955" y="-3977"/>
+                  <a:pt x="3073571" y="18288"/>
+                </a:cubicBezTo>
+                <a:cubicBezTo>
+                  <a:pt x="2827187" y="40553"/>
+                  <a:pt x="2767387" y="1863"/>
+                  <a:pt x="2552216" y="18288"/>
+                </a:cubicBezTo>
+                <a:cubicBezTo>
+                  <a:pt x="2337046" y="34713"/>
+                  <a:pt x="2181871" y="19527"/>
+                  <a:pt x="1903553" y="18288"/>
+                </a:cubicBezTo>
+                <a:cubicBezTo>
+                  <a:pt x="1625235" y="17049"/>
+                  <a:pt x="1557672" y="24174"/>
+                  <a:pt x="1212454" y="18288"/>
+                </a:cubicBezTo>
+                <a:cubicBezTo>
+                  <a:pt x="867236" y="12402"/>
+                  <a:pt x="874382" y="15627"/>
+                  <a:pt x="733535" y="18288"/>
+                </a:cubicBezTo>
+                <a:cubicBezTo>
+                  <a:pt x="592688" y="20949"/>
+                  <a:pt x="183477" y="14753"/>
+                  <a:pt x="0" y="18288"/>
+                </a:cubicBezTo>
+                <a:cubicBezTo>
+                  <a:pt x="-229" y="14222"/>
+                  <a:pt x="509" y="5816"/>
+                  <a:pt x="0" y="0"/>
+                </a:cubicBezTo>
+                <a:close/>
+              </a:path>
+              <a:path w="4243589" h="18288" stroke="0" extrusionOk="0">
+                <a:moveTo>
+                  <a:pt x="0" y="0"/>
+                </a:moveTo>
+                <a:cubicBezTo>
+                  <a:pt x="143690" y="16630"/>
+                  <a:pt x="266667" y="14847"/>
+                  <a:pt x="521355" y="0"/>
+                </a:cubicBezTo>
+                <a:cubicBezTo>
+                  <a:pt x="776043" y="-14847"/>
+                  <a:pt x="814491" y="-17363"/>
+                  <a:pt x="1000275" y="0"/>
+                </a:cubicBezTo>
+                <a:cubicBezTo>
+                  <a:pt x="1186059" y="17363"/>
+                  <a:pt x="1352504" y="-23507"/>
+                  <a:pt x="1521630" y="0"/>
+                </a:cubicBezTo>
+                <a:cubicBezTo>
+                  <a:pt x="1690756" y="23507"/>
+                  <a:pt x="1889525" y="5871"/>
+                  <a:pt x="2127857" y="0"/>
+                </a:cubicBezTo>
+                <a:cubicBezTo>
+                  <a:pt x="2366189" y="-5871"/>
+                  <a:pt x="2620628" y="-27997"/>
+                  <a:pt x="2776520" y="0"/>
+                </a:cubicBezTo>
+                <a:cubicBezTo>
+                  <a:pt x="2932412" y="27997"/>
+                  <a:pt x="3131683" y="-25073"/>
+                  <a:pt x="3467618" y="0"/>
+                </a:cubicBezTo>
+                <a:cubicBezTo>
+                  <a:pt x="3803553" y="25073"/>
+                  <a:pt x="4017371" y="3071"/>
+                  <a:pt x="4243589" y="0"/>
+                </a:cubicBezTo>
+                <a:cubicBezTo>
+                  <a:pt x="4243134" y="6162"/>
+                  <a:pt x="4243492" y="11775"/>
+                  <a:pt x="4243589" y="18288"/>
+                </a:cubicBezTo>
+                <a:cubicBezTo>
+                  <a:pt x="4017834" y="-5779"/>
+                  <a:pt x="3834586" y="13376"/>
+                  <a:pt x="3594926" y="18288"/>
+                </a:cubicBezTo>
+                <a:cubicBezTo>
+                  <a:pt x="3355266" y="23200"/>
+                  <a:pt x="3204179" y="2869"/>
+                  <a:pt x="2903827" y="18288"/>
+                </a:cubicBezTo>
+                <a:cubicBezTo>
+                  <a:pt x="2603475" y="33707"/>
+                  <a:pt x="2526187" y="46187"/>
+                  <a:pt x="2212729" y="18288"/>
+                </a:cubicBezTo>
+                <a:cubicBezTo>
+                  <a:pt x="1899271" y="-9611"/>
+                  <a:pt x="1966289" y="29692"/>
+                  <a:pt x="1733809" y="18288"/>
+                </a:cubicBezTo>
+                <a:cubicBezTo>
+                  <a:pt x="1501329" y="6884"/>
+                  <a:pt x="1343612" y="12492"/>
+                  <a:pt x="1085146" y="18288"/>
+                </a:cubicBezTo>
+                <a:cubicBezTo>
+                  <a:pt x="826680" y="24084"/>
+                  <a:pt x="778184" y="35607"/>
+                  <a:pt x="521355" y="18288"/>
+                </a:cubicBezTo>
+                <a:cubicBezTo>
+                  <a:pt x="264526" y="969"/>
+                  <a:pt x="120277" y="4268"/>
+                  <a:pt x="0" y="18288"/>
+                </a:cubicBezTo>
+                <a:cubicBezTo>
+                  <a:pt x="766" y="10800"/>
+                  <a:pt x="-457" y="8180"/>
+                  <a:pt x="0" y="0"/>
+                </a:cubicBezTo>
+                <a:close/>
+              </a:path>
+            </a:pathLst>
+          </a:custGeom>
+          <a:solidFill>
+            <a:schemeClr val="accent2"/>
+          </a:solidFill>
+          <a:ln w="44450" cap="rnd">
+            <a:solidFill>
+              <a:schemeClr val="accent2"/>
+            </a:solidFill>
+            <a:round/>
+            <a:extLst>
+              <a:ext uri="{C807C97D-BFC1-408E-A445-0C87EB9F89A2}">
+                <ask:lineSketchStyleProps xmlns:ask="http://schemas.microsoft.com/office/drawing/2018/sketchyshapes" sd="2727557108">
+                  <a:prstGeom prst="rect">
+                    <a:avLst/>
+                  </a:prstGeom>
+                  <ask:type>
+                    <ask:lineSketchFreehand/>
+                  </ask:type>
+                </ask:lineSketchStyleProps>
+              </a:ext>
+            </a:extLst>
+          </a:ln>
+        </p:spPr>
+        <p:style>
+          <a:lnRef idx="2">
+            <a:schemeClr val="accent1">
+              <a:shade val="50000"/>
+            </a:schemeClr>
+          </a:lnRef>
+          <a:fillRef idx="1">
+            <a:schemeClr val="accent1"/>
+          </a:fillRef>
+          <a:effectRef idx="0">
+            <a:schemeClr val="accent1"/>
+          </a:effectRef>
+          <a:fontRef idx="minor">
+            <a:schemeClr val="lt1"/>
+          </a:fontRef>
+        </p:style>
+        <p:txBody>
+          <a:bodyPr rtlCol="0" anchor="ctr"/>
+          <a:lstStyle/>
+          <a:p>
+            <a:pPr algn="ctr"/>
+            <a:endParaRPr lang="en-US"/>
+          </a:p>
+        </p:txBody>
+      </p:sp>
+      <p:sp>
+        <p:nvSpPr>
+          <p:cNvPr id="10" name="CasellaDiTesto 9">
+            <a:extLst>
+              <a:ext uri="{FF2B5EF4-FFF2-40B4-BE49-F238E27FC236}">
+                <a16:creationId xmlns:a16="http://schemas.microsoft.com/office/drawing/2014/main" id="{1CBE7FB3-D2AC-42F1-84C3-D281D64E226A}"/>
+              </a:ext>
+            </a:extLst>
+          </p:cNvPr>
+          <p:cNvSpPr txBox="1"/>
+          <p:nvPr/>
+        </p:nvSpPr>
+        <p:spPr>
+          <a:xfrm>
+            <a:off x="4654296" y="2706624"/>
+            <a:ext cx="6894576" cy="3483864"/>
+          </a:xfrm>
+          <a:prstGeom prst="rect">
+            <a:avLst/>
+          </a:prstGeom>
+        </p:spPr>
+        <p:txBody>
+          <a:bodyPr vert="horz" lIns="91440" tIns="45720" rIns="91440" bIns="45720" rtlCol="0">
+            <a:normAutofit/>
+          </a:bodyPr>
+          <a:lstStyle/>
+          <a:p>
+            <a:pPr indent="-228600">
+              <a:lnSpc>
+                <a:spcPct val="90000"/>
+              </a:lnSpc>
+              <a:spcAft>
+                <a:spcPts val="600"/>
+              </a:spcAft>
+              <a:buFont typeface="Arial" panose="020B0604020202020204" pitchFamily="34" charset="0"/>
+              <a:buChar char="•"/>
+            </a:pPr>
+            <a:r>
+              <a:rPr lang="en-US" sz="2200"/>
+              <a:t>Firebase</a:t>
+            </a:r>
+            <a:r>
+              <a:rPr lang="en-US" sz="2200" dirty="0"/>
+              <a:t>:</a:t>
+            </a:r>
+          </a:p>
+          <a:p>
+            <a:pPr marL="285750" indent="-228600">
+              <a:lnSpc>
+                <a:spcPct val="90000"/>
+              </a:lnSpc>
+              <a:spcAft>
+                <a:spcPts val="600"/>
+              </a:spcAft>
+              <a:buFont typeface="Arial" panose="020B0604020202020204" pitchFamily="34" charset="0"/>
+              <a:buChar char="•"/>
+            </a:pPr>
+            <a:r>
+              <a:rPr lang="en-US" sz="2200" dirty="0"/>
+              <a:t>No-</a:t>
+            </a:r>
+            <a:r>
+              <a:rPr lang="en-US" sz="2200"/>
+              <a:t>sql</a:t>
+            </a:r>
+            <a:r>
+              <a:rPr lang="en-US" sz="2200" dirty="0"/>
+              <a:t> read e write, </a:t>
+            </a:r>
+          </a:p>
+          <a:p>
+            <a:pPr marL="285750" indent="-228600">
+              <a:lnSpc>
+                <a:spcPct val="90000"/>
+              </a:lnSpc>
+              <a:spcAft>
+                <a:spcPts val="600"/>
+              </a:spcAft>
+              <a:buFont typeface="Arial" panose="020B0604020202020204" pitchFamily="34" charset="0"/>
+              <a:buChar char="•"/>
+            </a:pPr>
+            <a:r>
+              <a:rPr lang="en-US" sz="2200" dirty="0"/>
+              <a:t>google security </a:t>
+            </a:r>
+          </a:p>
+          <a:p>
+            <a:pPr marL="285750" indent="-228600">
+              <a:lnSpc>
+                <a:spcPct val="90000"/>
+              </a:lnSpc>
+              <a:spcAft>
+                <a:spcPts val="600"/>
+              </a:spcAft>
+              <a:buFont typeface="Arial" panose="020B0604020202020204" pitchFamily="34" charset="0"/>
+              <a:buChar char="•"/>
+            </a:pPr>
+            <a:r>
+              <a:rPr lang="en-US" sz="2200" dirty="0"/>
+              <a:t>Google authentication</a:t>
+            </a:r>
+          </a:p>
+        </p:txBody>
+      </p:sp>
+      <p:sp>
+        <p:nvSpPr>
+          <p:cNvPr id="12" name="CasellaDiTesto 11">
+            <a:extLst>
+              <a:ext uri="{FF2B5EF4-FFF2-40B4-BE49-F238E27FC236}">
+                <a16:creationId xmlns:a16="http://schemas.microsoft.com/office/drawing/2014/main" id="{24FB0BFE-5255-4ECF-B8A2-8BD050BAC381}"/>
+              </a:ext>
+            </a:extLst>
+          </p:cNvPr>
+          <p:cNvSpPr txBox="1"/>
+          <p:nvPr/>
+        </p:nvSpPr>
+        <p:spPr>
+          <a:xfrm>
+            <a:off x="8520549" y="2679662"/>
+            <a:ext cx="3348362" cy="1877437"/>
+          </a:xfrm>
+          <a:prstGeom prst="rect">
+            <a:avLst/>
+          </a:prstGeom>
+          <a:noFill/>
+        </p:spPr>
+        <p:txBody>
+          <a:bodyPr wrap="square" rtlCol="0">
+            <a:spAutoFit/>
+          </a:bodyPr>
+          <a:lstStyle/>
+          <a:p>
+            <a:pPr>
+              <a:spcAft>
+                <a:spcPts val="600"/>
+              </a:spcAft>
+            </a:pPr>
+            <a:r>
+              <a:rPr lang="en-US" sz="2000" dirty="0" err="1"/>
+              <a:t>OpenFoodFacts</a:t>
+            </a:r>
+            <a:r>
+              <a:rPr lang="en-US" dirty="0"/>
+              <a:t>:</a:t>
+            </a:r>
+          </a:p>
+          <a:p>
+            <a:pPr marL="285750" indent="-285750">
+              <a:spcAft>
+                <a:spcPts val="600"/>
+              </a:spcAft>
+              <a:buFont typeface="Arial" panose="020B0604020202020204" pitchFamily="34" charset="0"/>
+              <a:buChar char="•"/>
+            </a:pPr>
+            <a:r>
+              <a:rPr lang="en-US" dirty="0"/>
+              <a:t>open-database </a:t>
+            </a:r>
+          </a:p>
+          <a:p>
+            <a:pPr marL="285750" indent="-285750">
+              <a:spcAft>
+                <a:spcPts val="600"/>
+              </a:spcAft>
+              <a:buFont typeface="Arial" panose="020B0604020202020204" pitchFamily="34" charset="0"/>
+              <a:buChar char="•"/>
+            </a:pPr>
+            <a:r>
+              <a:rPr lang="en-US" dirty="0"/>
+              <a:t>hundred thousand of products</a:t>
+            </a:r>
+          </a:p>
+          <a:p>
+            <a:pPr marL="285750" indent="-285750">
+              <a:spcAft>
+                <a:spcPts val="600"/>
+              </a:spcAft>
+              <a:buFont typeface="Arial" panose="020B0604020202020204" pitchFamily="34" charset="0"/>
+              <a:buChar char="•"/>
+            </a:pPr>
+            <a:r>
+              <a:rPr lang="en-US" dirty="0"/>
+              <a:t>API searching query </a:t>
+            </a:r>
+          </a:p>
+          <a:p>
+            <a:pPr marL="285750" indent="-285750">
+              <a:spcAft>
+                <a:spcPts val="600"/>
+              </a:spcAft>
+              <a:buFont typeface="Arial" panose="020B0604020202020204" pitchFamily="34" charset="0"/>
+              <a:buChar char="•"/>
+            </a:pPr>
+            <a:r>
+              <a:rPr lang="en-US" dirty="0"/>
+              <a:t>json response</a:t>
+            </a:r>
+          </a:p>
+        </p:txBody>
+      </p:sp>
+      <p:pic>
+        <p:nvPicPr>
+          <p:cNvPr id="20" name="Immagine 19">
+            <a:extLst>
+              <a:ext uri="{FF2B5EF4-FFF2-40B4-BE49-F238E27FC236}">
+                <a16:creationId xmlns:a16="http://schemas.microsoft.com/office/drawing/2014/main" id="{C5100F8C-177E-4A42-B3C6-367EAB8183F3}"/>
+              </a:ext>
+            </a:extLst>
+          </p:cNvPr>
+          <p:cNvPicPr>
+            <a:picLocks noChangeAspect="1"/>
+          </p:cNvPicPr>
+          <p:nvPr/>
+        </p:nvPicPr>
+        <p:blipFill rotWithShape="1">
+          <a:blip r:embed="rId3">
+            <a:extLst>
+              <a:ext uri="{28A0092B-C50C-407E-A947-70E740481C1C}">
+                <a14:useLocalDpi xmlns:a14="http://schemas.microsoft.com/office/drawing/2010/main" val="0"/>
+              </a:ext>
+            </a:extLst>
+          </a:blip>
+          <a:srcRect l="24026" r="21728"/>
+          <a:stretch/>
+        </p:blipFill>
+        <p:spPr>
+          <a:xfrm>
+            <a:off x="5381770" y="4678323"/>
+            <a:ext cx="1428460" cy="1983463"/>
+          </a:xfrm>
+          <a:prstGeom prst="rect">
+            <a:avLst/>
+          </a:prstGeom>
+        </p:spPr>
+      </p:pic>
+      <p:pic>
+        <p:nvPicPr>
+          <p:cNvPr id="21" name="Immagine 20">
+            <a:extLst>
+              <a:ext uri="{FF2B5EF4-FFF2-40B4-BE49-F238E27FC236}">
+                <a16:creationId xmlns:a16="http://schemas.microsoft.com/office/drawing/2014/main" id="{ECAEDE11-8955-4DAE-94FE-4574DC2D34FD}"/>
+              </a:ext>
+            </a:extLst>
+          </p:cNvPr>
+          <p:cNvPicPr>
+            <a:picLocks noChangeAspect="1"/>
+          </p:cNvPicPr>
+          <p:nvPr/>
+        </p:nvPicPr>
+        <p:blipFill>
+          <a:blip r:embed="rId4">
+            <a:extLst>
+              <a:ext uri="{28A0092B-C50C-407E-A947-70E740481C1C}">
+                <a14:useLocalDpi xmlns:a14="http://schemas.microsoft.com/office/drawing/2010/main" val="0"/>
+              </a:ext>
+            </a:extLst>
+          </a:blip>
+          <a:stretch>
+            <a:fillRect/>
+          </a:stretch>
+        </p:blipFill>
+        <p:spPr>
+          <a:xfrm>
+            <a:off x="9041362" y="5032920"/>
+            <a:ext cx="2078301" cy="1439224"/>
+          </a:xfrm>
+          <a:prstGeom prst="rect">
+            <a:avLst/>
+          </a:prstGeom>
+        </p:spPr>
+      </p:pic>
+    </p:spTree>
+    <p:extLst>
+      <p:ext uri="{BB962C8B-B14F-4D97-AF65-F5344CB8AC3E}">
+        <p14:creationId xmlns:p14="http://schemas.microsoft.com/office/powerpoint/2010/main" val="4177577823"/>
+      </p:ext>
+    </p:extLst>
+  </p:cSld>
+  <p:clrMapOvr>
+    <a:masterClrMapping/>
+  </p:clrMapOvr>
+</p:sld>
+</file>
+
+<file path=ppt/slides/slide9.xml><?xml version="1.0" encoding="utf-8"?>
+<p:sld xmlns:a="http://schemas.openxmlformats.org/drawingml/2006/main" xmlns:r="http://schemas.openxmlformats.org/officeDocument/2006/relationships" xmlns:p="http://schemas.openxmlformats.org/presentationml/2006/main">
+  <p:cSld>
+    <p:spTree>
+      <p:nvGrpSpPr>
+        <p:cNvPr id="1" name=""/>
+        <p:cNvGrpSpPr/>
+        <p:nvPr/>
+      </p:nvGrpSpPr>
+      <p:grpSpPr>
+        <a:xfrm>
+          <a:off x="0" y="0"/>
+          <a:ext cx="0" cy="0"/>
+          <a:chOff x="0" y="0"/>
+          <a:chExt cx="0" cy="0"/>
+        </a:xfrm>
+      </p:grpSpPr>
+      <p:sp>
+        <p:nvSpPr>
+          <p:cNvPr id="4" name="CasellaDiTesto 3">
+            <a:extLst>
+              <a:ext uri="{FF2B5EF4-FFF2-40B4-BE49-F238E27FC236}">
+                <a16:creationId xmlns:a16="http://schemas.microsoft.com/office/drawing/2014/main" id="{FC9C0C2D-08D8-4D63-8CD5-50E2460CF74F}"/>
+              </a:ext>
+            </a:extLst>
+          </p:cNvPr>
+          <p:cNvSpPr txBox="1"/>
+          <p:nvPr/>
+        </p:nvSpPr>
+        <p:spPr>
+          <a:xfrm>
+            <a:off x="9462116" y="4015369"/>
+            <a:ext cx="2586361" cy="2862322"/>
+          </a:xfrm>
+          <a:prstGeom prst="rect">
+            <a:avLst/>
+          </a:prstGeom>
+          <a:noFill/>
+        </p:spPr>
+        <p:txBody>
+          <a:bodyPr wrap="square" rtlCol="0">
+            <a:spAutoFit/>
+          </a:bodyPr>
+          <a:lstStyle/>
+          <a:p>
+            <a:r>
+              <a:rPr lang="en-US" dirty="0"/>
+              <a:t>Package </a:t>
+            </a:r>
+            <a:r>
+              <a:rPr lang="en-US" dirty="0" err="1"/>
+              <a:t>principali</a:t>
+            </a:r>
+            <a:endParaRPr lang="en-US" dirty="0"/>
+          </a:p>
+          <a:p>
+            <a:endParaRPr lang="en-US" dirty="0"/>
+          </a:p>
+          <a:p>
+            <a:r>
+              <a:rPr lang="en-US" dirty="0" err="1"/>
+              <a:t>Mobx</a:t>
+            </a:r>
+            <a:endParaRPr lang="en-US" dirty="0"/>
+          </a:p>
+          <a:p>
+            <a:endParaRPr lang="en-US" dirty="0"/>
+          </a:p>
+          <a:p>
+            <a:r>
+              <a:rPr lang="en-US" dirty="0"/>
+              <a:t>Firebase</a:t>
+            </a:r>
+          </a:p>
+          <a:p>
+            <a:endParaRPr lang="en-US" dirty="0"/>
+          </a:p>
+          <a:p>
+            <a:r>
+              <a:rPr lang="en-US" dirty="0" err="1"/>
+              <a:t>OpenFoodFacts</a:t>
+            </a:r>
+            <a:endParaRPr lang="en-US" dirty="0"/>
+          </a:p>
+          <a:p>
+            <a:endParaRPr lang="en-US" dirty="0"/>
+          </a:p>
+          <a:p>
+            <a:r>
+              <a:rPr lang="en-US" dirty="0"/>
+              <a:t>E </a:t>
+            </a:r>
+            <a:r>
+              <a:rPr lang="en-US" dirty="0" err="1"/>
+              <a:t>molti</a:t>
+            </a:r>
+            <a:r>
+              <a:rPr lang="en-US" dirty="0"/>
+              <a:t> </a:t>
+            </a:r>
+            <a:r>
+              <a:rPr lang="en-US" dirty="0" err="1"/>
+              <a:t>altri</a:t>
+            </a:r>
+            <a:r>
+              <a:rPr lang="en-US" dirty="0"/>
+              <a:t>!!!</a:t>
+            </a:r>
+          </a:p>
+          <a:p>
+            <a:endParaRPr lang="en-US" dirty="0"/>
+          </a:p>
+        </p:txBody>
+      </p:sp>
+      <p:sp>
+        <p:nvSpPr>
+          <p:cNvPr id="5" name="CasellaDiTesto 4">
+            <a:extLst>
+              <a:ext uri="{FF2B5EF4-FFF2-40B4-BE49-F238E27FC236}">
+                <a16:creationId xmlns:a16="http://schemas.microsoft.com/office/drawing/2014/main" id="{4AA6C257-34E9-4C73-9933-3097D150BCB9}"/>
+              </a:ext>
+            </a:extLst>
+          </p:cNvPr>
+          <p:cNvSpPr txBox="1"/>
+          <p:nvPr/>
+        </p:nvSpPr>
+        <p:spPr>
+          <a:xfrm>
+            <a:off x="4678532" y="124287"/>
+            <a:ext cx="2183907" cy="369332"/>
+          </a:xfrm>
+          <a:prstGeom prst="rect">
+            <a:avLst/>
+          </a:prstGeom>
+          <a:noFill/>
+        </p:spPr>
+        <p:txBody>
+          <a:bodyPr wrap="square" rtlCol="0">
+            <a:spAutoFit/>
+          </a:bodyPr>
+          <a:lstStyle/>
+          <a:p>
+            <a:r>
+              <a:rPr lang="en-US" dirty="0"/>
+              <a:t>Package </a:t>
+            </a:r>
+            <a:r>
+              <a:rPr lang="en-US" dirty="0" err="1"/>
+              <a:t>usati</a:t>
+            </a:r>
+            <a:endParaRPr lang="en-US" dirty="0"/>
+          </a:p>
+        </p:txBody>
+      </p:sp>
+      <p:sp>
+        <p:nvSpPr>
+          <p:cNvPr id="6" name="CasellaDiTesto 5">
+            <a:extLst>
+              <a:ext uri="{FF2B5EF4-FFF2-40B4-BE49-F238E27FC236}">
+                <a16:creationId xmlns:a16="http://schemas.microsoft.com/office/drawing/2014/main" id="{2BB80F56-B378-4D47-92C6-337963DC6D2C}"/>
+              </a:ext>
+            </a:extLst>
+          </p:cNvPr>
+          <p:cNvSpPr txBox="1"/>
+          <p:nvPr/>
+        </p:nvSpPr>
+        <p:spPr>
+          <a:xfrm>
+            <a:off x="488272" y="1091954"/>
+            <a:ext cx="2991775" cy="3693319"/>
+          </a:xfrm>
+          <a:prstGeom prst="rect">
+            <a:avLst/>
+          </a:prstGeom>
+          <a:noFill/>
+        </p:spPr>
+        <p:txBody>
+          <a:bodyPr wrap="square" rtlCol="0">
+            <a:spAutoFit/>
+          </a:bodyPr>
+          <a:lstStyle/>
+          <a:p>
+            <a:r>
+              <a:rPr lang="en-US" dirty="0" err="1"/>
+              <a:t>Mobx+provider</a:t>
+            </a:r>
+            <a:r>
+              <a:rPr lang="en-US" dirty="0"/>
+              <a:t>: </a:t>
+            </a:r>
+          </a:p>
+          <a:p>
+            <a:br>
+              <a:rPr lang="en-US" dirty="0"/>
+            </a:br>
+            <a:r>
+              <a:rPr lang="en-US" dirty="0"/>
+              <a:t>State management. </a:t>
+            </a:r>
+            <a:r>
+              <a:rPr lang="en-US" dirty="0" err="1"/>
+              <a:t>Tramite</a:t>
+            </a:r>
+            <a:r>
+              <a:rPr lang="en-US" dirty="0"/>
+              <a:t> il </a:t>
+            </a:r>
+            <a:r>
+              <a:rPr lang="en-US" dirty="0" err="1"/>
+              <a:t>concetto</a:t>
+            </a:r>
+            <a:r>
+              <a:rPr lang="en-US" dirty="0"/>
+              <a:t> di </a:t>
+            </a:r>
+            <a:r>
+              <a:rPr lang="en-US" dirty="0" err="1"/>
+              <a:t>dati</a:t>
+            </a:r>
+            <a:r>
+              <a:rPr lang="en-US" dirty="0"/>
+              <a:t> </a:t>
+            </a:r>
+            <a:r>
+              <a:rPr lang="en-US" dirty="0" err="1"/>
+              <a:t>osservabili</a:t>
+            </a:r>
+            <a:r>
+              <a:rPr lang="en-US" dirty="0"/>
+              <a:t>, </a:t>
+            </a:r>
+            <a:r>
+              <a:rPr lang="en-US" dirty="0" err="1"/>
+              <a:t>azioni</a:t>
+            </a:r>
+            <a:r>
+              <a:rPr lang="en-US" dirty="0"/>
+              <a:t> e </a:t>
+            </a:r>
+            <a:r>
+              <a:rPr lang="en-US" dirty="0" err="1"/>
+              <a:t>reazioni</a:t>
+            </a:r>
+            <a:r>
+              <a:rPr lang="en-US" dirty="0"/>
+              <a:t>.</a:t>
+            </a:r>
+          </a:p>
+          <a:p>
+            <a:br>
+              <a:rPr lang="en-US" dirty="0"/>
+            </a:br>
+            <a:r>
+              <a:rPr lang="en-US" dirty="0" err="1"/>
+              <a:t>Permette</a:t>
+            </a:r>
+            <a:r>
+              <a:rPr lang="en-US" dirty="0"/>
+              <a:t> di </a:t>
+            </a:r>
+            <a:r>
+              <a:rPr lang="en-US" dirty="0" err="1"/>
+              <a:t>visualizzare</a:t>
+            </a:r>
+            <a:r>
+              <a:rPr lang="en-US" dirty="0"/>
+              <a:t> le </a:t>
+            </a:r>
+            <a:r>
+              <a:rPr lang="en-US" dirty="0" err="1"/>
+              <a:t>modifiche</a:t>
+            </a:r>
+            <a:r>
+              <a:rPr lang="en-US" dirty="0"/>
+              <a:t> ai </a:t>
+            </a:r>
+            <a:r>
+              <a:rPr lang="en-US" dirty="0" err="1"/>
+              <a:t>dati</a:t>
+            </a:r>
+            <a:r>
+              <a:rPr lang="en-US" dirty="0"/>
+              <a:t> senza </a:t>
+            </a:r>
+            <a:r>
+              <a:rPr lang="en-US" dirty="0" err="1"/>
+              <a:t>effettuare</a:t>
+            </a:r>
+            <a:r>
+              <a:rPr lang="en-US" dirty="0"/>
+              <a:t> il rebuild </a:t>
+            </a:r>
+            <a:r>
+              <a:rPr lang="en-US" dirty="0" err="1"/>
+              <a:t>totale</a:t>
+            </a:r>
+            <a:r>
+              <a:rPr lang="en-US" dirty="0"/>
+              <a:t> (set state) ma solo </a:t>
+            </a:r>
+            <a:r>
+              <a:rPr lang="en-US" dirty="0" err="1"/>
+              <a:t>della</a:t>
+            </a:r>
+            <a:r>
+              <a:rPr lang="en-US" dirty="0"/>
+              <a:t> </a:t>
+            </a:r>
+            <a:r>
+              <a:rPr lang="en-US" dirty="0" err="1"/>
+              <a:t>ui</a:t>
+            </a:r>
+            <a:r>
+              <a:rPr lang="en-US" dirty="0"/>
+              <a:t> </a:t>
+            </a:r>
+            <a:r>
+              <a:rPr lang="en-US" dirty="0" err="1"/>
+              <a:t>contenente</a:t>
+            </a:r>
+            <a:r>
+              <a:rPr lang="en-US" dirty="0"/>
+              <a:t> il </a:t>
+            </a:r>
+            <a:r>
+              <a:rPr lang="en-US" dirty="0" err="1"/>
+              <a:t>dato</a:t>
+            </a:r>
+            <a:r>
+              <a:rPr lang="en-US" dirty="0"/>
+              <a:t> </a:t>
+            </a:r>
+            <a:r>
+              <a:rPr lang="en-US" dirty="0" err="1"/>
+              <a:t>interessato</a:t>
+            </a:r>
+            <a:r>
+              <a:rPr lang="en-US" dirty="0"/>
+              <a:t> </a:t>
+            </a:r>
+            <a:r>
+              <a:rPr lang="en-US" dirty="0" err="1"/>
+              <a:t>sfruttando</a:t>
+            </a:r>
+            <a:r>
+              <a:rPr lang="en-US" dirty="0"/>
+              <a:t> il widget “observer” </a:t>
+            </a:r>
+          </a:p>
+        </p:txBody>
+      </p:sp>
+      <p:sp>
+        <p:nvSpPr>
+          <p:cNvPr id="7" name="CasellaDiTesto 6">
+            <a:extLst>
+              <a:ext uri="{FF2B5EF4-FFF2-40B4-BE49-F238E27FC236}">
+                <a16:creationId xmlns:a16="http://schemas.microsoft.com/office/drawing/2014/main" id="{A97FABD3-06F6-40FF-A7CC-75412BAC71EF}"/>
+              </a:ext>
+            </a:extLst>
+          </p:cNvPr>
+          <p:cNvSpPr txBox="1"/>
+          <p:nvPr/>
+        </p:nvSpPr>
+        <p:spPr>
+          <a:xfrm>
+            <a:off x="4600112" y="1091954"/>
+            <a:ext cx="2991775" cy="4247317"/>
+          </a:xfrm>
+          <a:prstGeom prst="rect">
+            <a:avLst/>
+          </a:prstGeom>
+          <a:noFill/>
+        </p:spPr>
+        <p:txBody>
+          <a:bodyPr wrap="square" rtlCol="0">
+            <a:spAutoFit/>
+          </a:bodyPr>
+          <a:lstStyle/>
+          <a:p>
+            <a:r>
+              <a:rPr lang="en-US" dirty="0" err="1"/>
+              <a:t>FlutterFire</a:t>
+            </a:r>
+            <a:r>
+              <a:rPr lang="en-US" dirty="0"/>
+              <a:t>: </a:t>
+            </a:r>
+          </a:p>
+          <a:p>
+            <a:endParaRPr lang="en-US" dirty="0"/>
+          </a:p>
+          <a:p>
+            <a:r>
+              <a:rPr lang="en-US" dirty="0" err="1"/>
+              <a:t>Autenticazione</a:t>
+            </a:r>
+            <a:r>
+              <a:rPr lang="en-US" dirty="0"/>
+              <a:t> </a:t>
+            </a:r>
+            <a:r>
+              <a:rPr lang="en-US" dirty="0" err="1"/>
+              <a:t>tramite</a:t>
+            </a:r>
+            <a:r>
+              <a:rPr lang="en-US" dirty="0"/>
+              <a:t> </a:t>
+            </a:r>
+            <a:r>
+              <a:rPr lang="en-US" dirty="0" err="1"/>
+              <a:t>servizio</a:t>
+            </a:r>
+            <a:r>
+              <a:rPr lang="en-US" dirty="0"/>
+              <a:t> </a:t>
+            </a:r>
+            <a:r>
+              <a:rPr lang="en-US" dirty="0" err="1"/>
+              <a:t>interno</a:t>
+            </a:r>
+            <a:r>
+              <a:rPr lang="en-US" dirty="0"/>
+              <a:t> di firebase  (email/google/</a:t>
+            </a:r>
+            <a:r>
+              <a:rPr lang="en-US" dirty="0" err="1"/>
+              <a:t>github</a:t>
+            </a:r>
+            <a:r>
+              <a:rPr lang="en-US" dirty="0"/>
+              <a:t>/twitter)</a:t>
+            </a:r>
+          </a:p>
+          <a:p>
+            <a:endParaRPr lang="en-US" dirty="0"/>
+          </a:p>
+          <a:p>
+            <a:r>
+              <a:rPr lang="en-US" dirty="0"/>
+              <a:t>Storage </a:t>
+            </a:r>
+            <a:r>
+              <a:rPr lang="en-US" dirty="0" err="1"/>
+              <a:t>dei</a:t>
+            </a:r>
+            <a:r>
+              <a:rPr lang="en-US" dirty="0"/>
+              <a:t> </a:t>
+            </a:r>
+            <a:r>
+              <a:rPr lang="en-US" dirty="0" err="1"/>
+              <a:t>dati</a:t>
+            </a:r>
+            <a:r>
+              <a:rPr lang="en-US" dirty="0"/>
+              <a:t> </a:t>
+            </a:r>
+            <a:r>
+              <a:rPr lang="en-US" dirty="0" err="1"/>
+              <a:t>utente</a:t>
+            </a:r>
+            <a:r>
+              <a:rPr lang="en-US" dirty="0"/>
+              <a:t> </a:t>
+            </a:r>
+            <a:r>
+              <a:rPr lang="en-US" dirty="0" err="1"/>
+              <a:t>su</a:t>
+            </a:r>
+            <a:r>
+              <a:rPr lang="en-US" dirty="0"/>
+              <a:t> database </a:t>
+            </a:r>
+            <a:r>
+              <a:rPr lang="en-US" dirty="0" err="1"/>
+              <a:t>NoSql</a:t>
+            </a:r>
+            <a:endParaRPr lang="en-US" dirty="0"/>
+          </a:p>
+          <a:p>
+            <a:endParaRPr lang="en-US" dirty="0"/>
+          </a:p>
+          <a:p>
+            <a:r>
+              <a:rPr lang="en-US" dirty="0" err="1"/>
+              <a:t>Lettura</a:t>
+            </a:r>
+            <a:r>
+              <a:rPr lang="en-US" dirty="0"/>
+              <a:t> di </a:t>
+            </a:r>
+            <a:r>
+              <a:rPr lang="en-US" dirty="0" err="1"/>
+              <a:t>dati</a:t>
+            </a:r>
+            <a:r>
+              <a:rPr lang="en-US" dirty="0"/>
+              <a:t> </a:t>
+            </a:r>
+            <a:r>
+              <a:rPr lang="en-US" dirty="0" err="1"/>
+              <a:t>generali</a:t>
+            </a:r>
+            <a:r>
+              <a:rPr lang="en-US" dirty="0"/>
+              <a:t> </a:t>
+            </a:r>
+            <a:r>
+              <a:rPr lang="en-US" dirty="0" err="1"/>
+              <a:t>condivisi</a:t>
+            </a:r>
+            <a:r>
+              <a:rPr lang="en-US" dirty="0"/>
+              <a:t> </a:t>
+            </a:r>
+            <a:r>
+              <a:rPr lang="en-US" dirty="0" err="1"/>
+              <a:t>tra</a:t>
+            </a:r>
+            <a:r>
+              <a:rPr lang="en-US" dirty="0"/>
+              <a:t> tutti </a:t>
+            </a:r>
+            <a:r>
+              <a:rPr lang="en-US" dirty="0" err="1"/>
+              <a:t>gli</a:t>
+            </a:r>
+            <a:r>
+              <a:rPr lang="en-US" dirty="0"/>
+              <a:t> </a:t>
+            </a:r>
+            <a:r>
+              <a:rPr lang="en-US" dirty="0" err="1"/>
+              <a:t>utenti</a:t>
+            </a:r>
+            <a:r>
+              <a:rPr lang="en-US" dirty="0"/>
+              <a:t>.</a:t>
+            </a:r>
+          </a:p>
+          <a:p>
+            <a:endParaRPr lang="en-US" dirty="0"/>
+          </a:p>
+          <a:p>
+            <a:r>
+              <a:rPr lang="en-US" dirty="0" err="1"/>
+              <a:t>Salvataggio</a:t>
+            </a:r>
+            <a:r>
+              <a:rPr lang="en-US" dirty="0"/>
+              <a:t> di file </a:t>
+            </a:r>
+            <a:r>
+              <a:rPr lang="en-US" dirty="0" err="1"/>
+              <a:t>sullo</a:t>
+            </a:r>
+            <a:r>
+              <a:rPr lang="en-US" dirty="0"/>
+              <a:t> storage di firebase</a:t>
+            </a:r>
+          </a:p>
+          <a:p>
+            <a:r>
+              <a:rPr lang="en-US" dirty="0"/>
+              <a:t> </a:t>
+            </a:r>
+          </a:p>
+        </p:txBody>
+      </p:sp>
+      <p:sp>
+        <p:nvSpPr>
+          <p:cNvPr id="8" name="CasellaDiTesto 7">
+            <a:extLst>
+              <a:ext uri="{FF2B5EF4-FFF2-40B4-BE49-F238E27FC236}">
+                <a16:creationId xmlns:a16="http://schemas.microsoft.com/office/drawing/2014/main" id="{5DECB01B-2C18-4D4B-8164-92AD4331FC7C}"/>
+              </a:ext>
+            </a:extLst>
+          </p:cNvPr>
+          <p:cNvSpPr txBox="1"/>
+          <p:nvPr/>
+        </p:nvSpPr>
+        <p:spPr>
+          <a:xfrm>
+            <a:off x="7966229" y="1091954"/>
+            <a:ext cx="2991775" cy="2031325"/>
+          </a:xfrm>
+          <a:prstGeom prst="rect">
+            <a:avLst/>
+          </a:prstGeom>
+          <a:noFill/>
+        </p:spPr>
+        <p:txBody>
+          <a:bodyPr wrap="square" rtlCol="0">
+            <a:spAutoFit/>
+          </a:bodyPr>
+          <a:lstStyle/>
+          <a:p>
+            <a:r>
+              <a:rPr lang="en-US" dirty="0" err="1"/>
+              <a:t>OpenFoodFacts</a:t>
+            </a:r>
+            <a:r>
+              <a:rPr lang="en-US" dirty="0"/>
+              <a:t>:</a:t>
+            </a:r>
+          </a:p>
+          <a:p>
+            <a:endParaRPr lang="en-US" dirty="0"/>
+          </a:p>
+          <a:p>
+            <a:r>
+              <a:rPr lang="en-US" dirty="0"/>
+              <a:t>Package </a:t>
+            </a:r>
+            <a:r>
+              <a:rPr lang="en-US" dirty="0" err="1"/>
+              <a:t>contentente</a:t>
+            </a:r>
+            <a:r>
+              <a:rPr lang="en-US" dirty="0"/>
+              <a:t> </a:t>
+            </a:r>
+            <a:r>
+              <a:rPr lang="en-US" dirty="0" err="1"/>
+              <a:t>Api</a:t>
+            </a:r>
+            <a:r>
+              <a:rPr lang="en-US" dirty="0"/>
+              <a:t> remote per </a:t>
+            </a:r>
+            <a:r>
+              <a:rPr lang="en-US" dirty="0" err="1"/>
+              <a:t>accedere</a:t>
+            </a:r>
+            <a:r>
+              <a:rPr lang="en-US" dirty="0"/>
+              <a:t> al database ed </a:t>
+            </a:r>
+            <a:r>
+              <a:rPr lang="en-US" dirty="0" err="1"/>
+              <a:t>effettuarvi</a:t>
+            </a:r>
+            <a:r>
+              <a:rPr lang="en-US" dirty="0"/>
+              <a:t> query di </a:t>
+            </a:r>
+            <a:r>
+              <a:rPr lang="en-US" dirty="0" err="1"/>
+              <a:t>ricerca</a:t>
+            </a:r>
+            <a:r>
+              <a:rPr lang="en-US" dirty="0"/>
+              <a:t> e </a:t>
+            </a:r>
+            <a:r>
+              <a:rPr lang="en-US" dirty="0" err="1"/>
+              <a:t>ottenere</a:t>
+            </a:r>
+            <a:r>
+              <a:rPr lang="en-US" dirty="0"/>
+              <a:t> un file json in </a:t>
+            </a:r>
+            <a:r>
+              <a:rPr lang="en-US" dirty="0" err="1"/>
+              <a:t>risposta</a:t>
+            </a:r>
+            <a:endParaRPr lang="en-US" dirty="0"/>
+          </a:p>
+        </p:txBody>
+      </p:sp>
+    </p:spTree>
+    <p:extLst>
+      <p:ext uri="{BB962C8B-B14F-4D97-AF65-F5344CB8AC3E}">
+        <p14:creationId xmlns:p14="http://schemas.microsoft.com/office/powerpoint/2010/main" val="1188227383"/>
       </p:ext>
     </p:extLst>
   </p:cSld>
